--- a/system_overview/SystemOverview.pptx
+++ b/system_overview/SystemOverview.pptx
@@ -4,6 +4,9 @@
   <p:sldMasterIdLst>
     <p:sldMasterId id="2147483660" r:id="rId1"/>
   </p:sldMasterIdLst>
+  <p:notesMasterIdLst>
+    <p:notesMasterId r:id="rId3"/>
+  </p:notesMasterIdLst>
   <p:sldIdLst>
     <p:sldId id="256" r:id="rId2"/>
   </p:sldIdLst>
@@ -107,321 +110,438 @@
 </p:presentation>
 </file>
 
-<file path=ppt/changesInfos/changesInfo1.xml><?xml version="1.0" encoding="utf-8"?>
-<pc:chgInfo xmlns:a="http://schemas.openxmlformats.org/drawingml/2006/main" xmlns:r="http://schemas.openxmlformats.org/officeDocument/2006/relationships" xmlns:ac="http://schemas.microsoft.com/office/drawing/2013/main/command" xmlns:pc="http://schemas.microsoft.com/office/powerpoint/2013/main/command">
-  <pc:docChgLst>
-    <pc:chgData name="Mark Roche" userId="4f548dc1084e5877" providerId="LiveId" clId="{E1253FE3-560B-4ABD-B39C-67D815003036}"/>
-    <pc:docChg chg="undo custSel modSld">
-      <pc:chgData name="Mark Roche" userId="4f548dc1084e5877" providerId="LiveId" clId="{E1253FE3-560B-4ABD-B39C-67D815003036}" dt="2020-11-15T20:20:29.219" v="968" actId="478"/>
-      <pc:docMkLst>
-        <pc:docMk/>
-      </pc:docMkLst>
-      <pc:sldChg chg="addSp delSp modSp mod">
-        <pc:chgData name="Mark Roche" userId="4f548dc1084e5877" providerId="LiveId" clId="{E1253FE3-560B-4ABD-B39C-67D815003036}" dt="2020-11-15T20:20:29.219" v="968" actId="478"/>
-        <pc:sldMkLst>
-          <pc:docMk/>
-          <pc:sldMk cId="4042925873" sldId="256"/>
-        </pc:sldMkLst>
-        <pc:spChg chg="add mod">
-          <ac:chgData name="Mark Roche" userId="4f548dc1084e5877" providerId="LiveId" clId="{E1253FE3-560B-4ABD-B39C-67D815003036}" dt="2020-11-15T20:14:48.529" v="867" actId="14100"/>
-          <ac:spMkLst>
-            <pc:docMk/>
-            <pc:sldMk cId="4042925873" sldId="256"/>
-            <ac:spMk id="4" creationId="{4DD45D42-2F8F-490A-8CDB-CAC56727C6EF}"/>
-          </ac:spMkLst>
-        </pc:spChg>
-        <pc:spChg chg="add mod">
-          <ac:chgData name="Mark Roche" userId="4f548dc1084e5877" providerId="LiveId" clId="{E1253FE3-560B-4ABD-B39C-67D815003036}" dt="2020-11-15T20:14:02.202" v="863" actId="1076"/>
-          <ac:spMkLst>
-            <pc:docMk/>
-            <pc:sldMk cId="4042925873" sldId="256"/>
-            <ac:spMk id="6" creationId="{C599A73D-2878-4099-994D-C1265D7414DC}"/>
-          </ac:spMkLst>
-        </pc:spChg>
-        <pc:spChg chg="add mod">
-          <ac:chgData name="Mark Roche" userId="4f548dc1084e5877" providerId="LiveId" clId="{E1253FE3-560B-4ABD-B39C-67D815003036}" dt="2020-11-15T20:13:48.686" v="858" actId="1076"/>
-          <ac:spMkLst>
-            <pc:docMk/>
-            <pc:sldMk cId="4042925873" sldId="256"/>
-            <ac:spMk id="8" creationId="{6AE8DFA6-A523-4429-9585-4EE8FEB56DB8}"/>
-          </ac:spMkLst>
-        </pc:spChg>
-        <pc:spChg chg="add mod">
-          <ac:chgData name="Mark Roche" userId="4f548dc1084e5877" providerId="LiveId" clId="{E1253FE3-560B-4ABD-B39C-67D815003036}" dt="2020-11-15T20:13:50.673" v="860" actId="1076"/>
-          <ac:spMkLst>
-            <pc:docMk/>
-            <pc:sldMk cId="4042925873" sldId="256"/>
-            <ac:spMk id="10" creationId="{FBD8178E-81A0-43D3-8071-9AEF7E41F648}"/>
-          </ac:spMkLst>
-        </pc:spChg>
-        <pc:spChg chg="add mod">
-          <ac:chgData name="Mark Roche" userId="4f548dc1084e5877" providerId="LiveId" clId="{E1253FE3-560B-4ABD-B39C-67D815003036}" dt="2020-11-15T20:13:54.272" v="861" actId="1076"/>
-          <ac:spMkLst>
-            <pc:docMk/>
-            <pc:sldMk cId="4042925873" sldId="256"/>
-            <ac:spMk id="12" creationId="{694286CF-0763-460C-B825-5C9040B2C180}"/>
-          </ac:spMkLst>
-        </pc:spChg>
-        <pc:spChg chg="add mod">
-          <ac:chgData name="Mark Roche" userId="4f548dc1084e5877" providerId="LiveId" clId="{E1253FE3-560B-4ABD-B39C-67D815003036}" dt="2020-11-15T20:14:02.202" v="863" actId="1076"/>
-          <ac:spMkLst>
-            <pc:docMk/>
-            <pc:sldMk cId="4042925873" sldId="256"/>
-            <ac:spMk id="14" creationId="{D9676608-2F9E-479A-8B8D-1A001749D1E9}"/>
-          </ac:spMkLst>
-        </pc:spChg>
-        <pc:spChg chg="add mod">
-          <ac:chgData name="Mark Roche" userId="4f548dc1084e5877" providerId="LiveId" clId="{E1253FE3-560B-4ABD-B39C-67D815003036}" dt="2020-11-15T14:06:56.769" v="109" actId="571"/>
-          <ac:spMkLst>
-            <pc:docMk/>
-            <pc:sldMk cId="4042925873" sldId="256"/>
-            <ac:spMk id="15" creationId="{E0589163-DADF-4B03-AE58-AE9D4A3201D1}"/>
-          </ac:spMkLst>
-        </pc:spChg>
-        <pc:spChg chg="add mod">
-          <ac:chgData name="Mark Roche" userId="4f548dc1084e5877" providerId="LiveId" clId="{E1253FE3-560B-4ABD-B39C-67D815003036}" dt="2020-11-15T14:06:56.769" v="109" actId="571"/>
-          <ac:spMkLst>
-            <pc:docMk/>
-            <pc:sldMk cId="4042925873" sldId="256"/>
-            <ac:spMk id="16" creationId="{EA1017C8-4FC9-49AB-A17B-0938B3C85B2F}"/>
-          </ac:spMkLst>
-        </pc:spChg>
-        <pc:spChg chg="add del mod">
-          <ac:chgData name="Mark Roche" userId="4f548dc1084e5877" providerId="LiveId" clId="{E1253FE3-560B-4ABD-B39C-67D815003036}" dt="2020-11-15T18:32:25.667" v="684" actId="478"/>
-          <ac:spMkLst>
-            <pc:docMk/>
-            <pc:sldMk cId="4042925873" sldId="256"/>
-            <ac:spMk id="18" creationId="{24086749-1D02-457B-846C-67F416D913B8}"/>
-          </ac:spMkLst>
-        </pc:spChg>
-        <pc:spChg chg="add mod">
-          <ac:chgData name="Mark Roche" userId="4f548dc1084e5877" providerId="LiveId" clId="{E1253FE3-560B-4ABD-B39C-67D815003036}" dt="2020-11-15T20:09:19.140" v="841" actId="164"/>
-          <ac:spMkLst>
-            <pc:docMk/>
-            <pc:sldMk cId="4042925873" sldId="256"/>
-            <ac:spMk id="20" creationId="{7A12AAA8-6984-4C6F-9D85-639BCACAA7A6}"/>
-          </ac:spMkLst>
-        </pc:spChg>
-        <pc:spChg chg="add mod">
-          <ac:chgData name="Mark Roche" userId="4f548dc1084e5877" providerId="LiveId" clId="{E1253FE3-560B-4ABD-B39C-67D815003036}" dt="2020-11-15T20:13:56.170" v="862" actId="1076"/>
-          <ac:spMkLst>
-            <pc:docMk/>
-            <pc:sldMk cId="4042925873" sldId="256"/>
-            <ac:spMk id="22" creationId="{CA10D9A2-17E5-42CE-9BE1-4662FD8F237F}"/>
-          </ac:spMkLst>
-        </pc:spChg>
-        <pc:spChg chg="add mod ord">
-          <ac:chgData name="Mark Roche" userId="4f548dc1084e5877" providerId="LiveId" clId="{E1253FE3-560B-4ABD-B39C-67D815003036}" dt="2020-11-15T20:16:32.096" v="871" actId="1076"/>
-          <ac:spMkLst>
-            <pc:docMk/>
-            <pc:sldMk cId="4042925873" sldId="256"/>
-            <ac:spMk id="24" creationId="{A8BB8514-E14B-4F90-A206-5C2839AD483F}"/>
-          </ac:spMkLst>
-        </pc:spChg>
-        <pc:spChg chg="add mod">
-          <ac:chgData name="Mark Roche" userId="4f548dc1084e5877" providerId="LiveId" clId="{E1253FE3-560B-4ABD-B39C-67D815003036}" dt="2020-11-15T14:14:31.970" v="290" actId="14100"/>
-          <ac:spMkLst>
-            <pc:docMk/>
-            <pc:sldMk cId="4042925873" sldId="256"/>
-            <ac:spMk id="26" creationId="{A0C68F6A-0C6B-4435-9217-A25F36B0DFB6}"/>
-          </ac:spMkLst>
-        </pc:spChg>
-        <pc:spChg chg="add del mod">
-          <ac:chgData name="Mark Roche" userId="4f548dc1084e5877" providerId="LiveId" clId="{E1253FE3-560B-4ABD-B39C-67D815003036}" dt="2020-11-15T14:10:26.359" v="222" actId="478"/>
-          <ac:spMkLst>
-            <pc:docMk/>
-            <pc:sldMk cId="4042925873" sldId="256"/>
-            <ac:spMk id="28" creationId="{2C9F63E9-F8F2-4D2C-B30F-C33034467791}"/>
-          </ac:spMkLst>
-        </pc:spChg>
-        <pc:spChg chg="add mod">
-          <ac:chgData name="Mark Roche" userId="4f548dc1084e5877" providerId="LiveId" clId="{E1253FE3-560B-4ABD-B39C-67D815003036}" dt="2020-11-15T20:16:55.312" v="876" actId="14100"/>
-          <ac:spMkLst>
-            <pc:docMk/>
-            <pc:sldMk cId="4042925873" sldId="256"/>
-            <ac:spMk id="30" creationId="{034C07DD-F5AB-43EB-B40B-7E1BBA406CA2}"/>
-          </ac:spMkLst>
-        </pc:spChg>
-        <pc:spChg chg="add mod">
-          <ac:chgData name="Mark Roche" userId="4f548dc1084e5877" providerId="LiveId" clId="{E1253FE3-560B-4ABD-B39C-67D815003036}" dt="2020-11-15T20:16:32.096" v="871" actId="1076"/>
-          <ac:spMkLst>
-            <pc:docMk/>
-            <pc:sldMk cId="4042925873" sldId="256"/>
-            <ac:spMk id="32" creationId="{D373373C-7C96-4E40-B0AC-826BFC289AD7}"/>
-          </ac:spMkLst>
-        </pc:spChg>
-        <pc:spChg chg="add del mod">
-          <ac:chgData name="Mark Roche" userId="4f548dc1084e5877" providerId="LiveId" clId="{E1253FE3-560B-4ABD-B39C-67D815003036}" dt="2020-11-15T20:20:29.219" v="968" actId="478"/>
-          <ac:spMkLst>
-            <pc:docMk/>
-            <pc:sldMk cId="4042925873" sldId="256"/>
-            <ac:spMk id="34" creationId="{84CA2BCB-3BFF-45B9-B22A-094B31BB122B}"/>
-          </ac:spMkLst>
-        </pc:spChg>
-        <pc:spChg chg="add mod">
-          <ac:chgData name="Mark Roche" userId="4f548dc1084e5877" providerId="LiveId" clId="{E1253FE3-560B-4ABD-B39C-67D815003036}" dt="2020-11-15T20:17:26.090" v="878" actId="1076"/>
-          <ac:spMkLst>
-            <pc:docMk/>
-            <pc:sldMk cId="4042925873" sldId="256"/>
-            <ac:spMk id="36" creationId="{82F8B0EB-AB13-4C6A-96B5-3C80C7133D3A}"/>
-          </ac:spMkLst>
-        </pc:spChg>
-        <pc:spChg chg="add mod">
-          <ac:chgData name="Mark Roche" userId="4f548dc1084e5877" providerId="LiveId" clId="{E1253FE3-560B-4ABD-B39C-67D815003036}" dt="2020-11-15T20:17:29.552" v="879" actId="1076"/>
-          <ac:spMkLst>
-            <pc:docMk/>
-            <pc:sldMk cId="4042925873" sldId="256"/>
-            <ac:spMk id="38" creationId="{F6526FCD-854D-4541-A0D6-A20B417CEA46}"/>
-          </ac:spMkLst>
-        </pc:spChg>
-        <pc:spChg chg="add mod">
-          <ac:chgData name="Mark Roche" userId="4f548dc1084e5877" providerId="LiveId" clId="{E1253FE3-560B-4ABD-B39C-67D815003036}" dt="2020-11-15T20:09:19.140" v="841" actId="164"/>
-          <ac:spMkLst>
-            <pc:docMk/>
-            <pc:sldMk cId="4042925873" sldId="256"/>
-            <ac:spMk id="40" creationId="{6C7C1D08-E9AD-40F3-9EDA-1D82F6ADE933}"/>
-          </ac:spMkLst>
-        </pc:spChg>
-        <pc:spChg chg="add mod">
-          <ac:chgData name="Mark Roche" userId="4f548dc1084e5877" providerId="LiveId" clId="{E1253FE3-560B-4ABD-B39C-67D815003036}" dt="2020-11-15T20:20:14.953" v="966" actId="1036"/>
-          <ac:spMkLst>
-            <pc:docMk/>
-            <pc:sldMk cId="4042925873" sldId="256"/>
-            <ac:spMk id="42" creationId="{A28E96B5-03D3-4DE9-B6E7-1082138B4238}"/>
-          </ac:spMkLst>
-        </pc:spChg>
-        <pc:spChg chg="add mod">
-          <ac:chgData name="Mark Roche" userId="4f548dc1084e5877" providerId="LiveId" clId="{E1253FE3-560B-4ABD-B39C-67D815003036}" dt="2020-11-15T20:10:16.844" v="857" actId="20577"/>
-          <ac:spMkLst>
-            <pc:docMk/>
-            <pc:sldMk cId="4042925873" sldId="256"/>
-            <ac:spMk id="44" creationId="{B7077D03-FC35-43E3-B6E0-F8AE245820EF}"/>
-          </ac:spMkLst>
-        </pc:spChg>
-        <pc:spChg chg="add mod">
-          <ac:chgData name="Mark Roche" userId="4f548dc1084e5877" providerId="LiveId" clId="{E1253FE3-560B-4ABD-B39C-67D815003036}" dt="2020-11-15T20:17:04.143" v="877" actId="20577"/>
-          <ac:spMkLst>
-            <pc:docMk/>
-            <pc:sldMk cId="4042925873" sldId="256"/>
-            <ac:spMk id="58" creationId="{5F52B040-507B-478E-A244-BC7EB828EC7E}"/>
-          </ac:spMkLst>
-        </pc:spChg>
-        <pc:spChg chg="add mod">
-          <ac:chgData name="Mark Roche" userId="4f548dc1084e5877" providerId="LiveId" clId="{E1253FE3-560B-4ABD-B39C-67D815003036}" dt="2020-11-15T20:09:19.140" v="841" actId="164"/>
-          <ac:spMkLst>
-            <pc:docMk/>
-            <pc:sldMk cId="4042925873" sldId="256"/>
-            <ac:spMk id="62" creationId="{92741530-8F18-4BC7-91FC-06C9BA28A65F}"/>
-          </ac:spMkLst>
-        </pc:spChg>
-        <pc:spChg chg="add mod">
-          <ac:chgData name="Mark Roche" userId="4f548dc1084e5877" providerId="LiveId" clId="{E1253FE3-560B-4ABD-B39C-67D815003036}" dt="2020-11-15T20:09:19.140" v="841" actId="164"/>
-          <ac:spMkLst>
-            <pc:docMk/>
-            <pc:sldMk cId="4042925873" sldId="256"/>
-            <ac:spMk id="64" creationId="{1D2BABB7-962C-4644-A392-961B9757EB89}"/>
-          </ac:spMkLst>
-        </pc:spChg>
-        <pc:spChg chg="add mod">
-          <ac:chgData name="Mark Roche" userId="4f548dc1084e5877" providerId="LiveId" clId="{E1253FE3-560B-4ABD-B39C-67D815003036}" dt="2020-11-15T20:09:19.140" v="841" actId="164"/>
-          <ac:spMkLst>
-            <pc:docMk/>
-            <pc:sldMk cId="4042925873" sldId="256"/>
-            <ac:spMk id="66" creationId="{EC272598-68F1-4B60-9E94-67BCD0C0295B}"/>
-          </ac:spMkLst>
-        </pc:spChg>
-        <pc:spChg chg="add mod">
-          <ac:chgData name="Mark Roche" userId="4f548dc1084e5877" providerId="LiveId" clId="{E1253FE3-560B-4ABD-B39C-67D815003036}" dt="2020-11-15T20:09:19.140" v="841" actId="164"/>
-          <ac:spMkLst>
-            <pc:docMk/>
-            <pc:sldMk cId="4042925873" sldId="256"/>
-            <ac:spMk id="68" creationId="{B8F4E975-6420-4A31-9840-7571B567F4AF}"/>
-          </ac:spMkLst>
-        </pc:spChg>
-        <pc:spChg chg="add del mod">
-          <ac:chgData name="Mark Roche" userId="4f548dc1084e5877" providerId="LiveId" clId="{E1253FE3-560B-4ABD-B39C-67D815003036}" dt="2020-11-15T20:20:10.030" v="946" actId="478"/>
-          <ac:spMkLst>
-            <pc:docMk/>
-            <pc:sldMk cId="4042925873" sldId="256"/>
-            <ac:spMk id="79" creationId="{406FD230-E906-4BE5-A823-C1F55906A5DB}"/>
-          </ac:spMkLst>
-        </pc:spChg>
-        <pc:spChg chg="add mod">
-          <ac:chgData name="Mark Roche" userId="4f548dc1084e5877" providerId="LiveId" clId="{E1253FE3-560B-4ABD-B39C-67D815003036}" dt="2020-11-15T20:17:56.005" v="915" actId="1036"/>
-          <ac:spMkLst>
-            <pc:docMk/>
-            <pc:sldMk cId="4042925873" sldId="256"/>
-            <ac:spMk id="81" creationId="{112D5235-C30F-44EF-B1D9-BFD2167FBEE6}"/>
-          </ac:spMkLst>
-        </pc:spChg>
-        <pc:grpChg chg="add mod">
-          <ac:chgData name="Mark Roche" userId="4f548dc1084e5877" providerId="LiveId" clId="{E1253FE3-560B-4ABD-B39C-67D815003036}" dt="2020-11-15T20:09:19.140" v="841" actId="164"/>
-          <ac:grpSpMkLst>
-            <pc:docMk/>
-            <pc:sldMk cId="4042925873" sldId="256"/>
-            <ac:grpSpMk id="69" creationId="{0993F4E2-4B14-4FAC-ACB2-DA969BCDFC96}"/>
-          </ac:grpSpMkLst>
-        </pc:grpChg>
-        <pc:cxnChg chg="add del mod">
-          <ac:chgData name="Mark Roche" userId="4f548dc1084e5877" providerId="LiveId" clId="{E1253FE3-560B-4ABD-B39C-67D815003036}" dt="2020-11-15T18:30:51.800" v="632" actId="478"/>
-          <ac:cxnSpMkLst>
-            <pc:docMk/>
-            <pc:sldMk cId="4042925873" sldId="256"/>
-            <ac:cxnSpMk id="46" creationId="{1943EBA3-639A-4779-9739-902CDFF41F96}"/>
-          </ac:cxnSpMkLst>
-        </pc:cxnChg>
-        <pc:cxnChg chg="add del">
-          <ac:chgData name="Mark Roche" userId="4f548dc1084e5877" providerId="LiveId" clId="{E1253FE3-560B-4ABD-B39C-67D815003036}" dt="2020-11-15T18:30:49.879" v="631" actId="478"/>
-          <ac:cxnSpMkLst>
-            <pc:docMk/>
-            <pc:sldMk cId="4042925873" sldId="256"/>
-            <ac:cxnSpMk id="48" creationId="{9820891C-A022-48D8-B291-1C5E50638579}"/>
-          </ac:cxnSpMkLst>
-        </pc:cxnChg>
-        <pc:cxnChg chg="add del mod">
-          <ac:chgData name="Mark Roche" userId="4f548dc1084e5877" providerId="LiveId" clId="{E1253FE3-560B-4ABD-B39C-67D815003036}" dt="2020-11-15T20:14:04.917" v="864" actId="478"/>
-          <ac:cxnSpMkLst>
-            <pc:docMk/>
-            <pc:sldMk cId="4042925873" sldId="256"/>
-            <ac:cxnSpMk id="50" creationId="{C5A298C2-372D-4327-A429-5AD1924C070D}"/>
-          </ac:cxnSpMkLst>
-        </pc:cxnChg>
-        <pc:cxnChg chg="add mod">
-          <ac:chgData name="Mark Roche" userId="4f548dc1084e5877" providerId="LiveId" clId="{E1253FE3-560B-4ABD-B39C-67D815003036}" dt="2020-11-15T20:20:18.280" v="967" actId="14100"/>
-          <ac:cxnSpMkLst>
-            <pc:docMk/>
-            <pc:sldMk cId="4042925873" sldId="256"/>
-            <ac:cxnSpMk id="52" creationId="{29B930CC-637B-44A9-83CF-5BDB005ABA19}"/>
-          </ac:cxnSpMkLst>
-        </pc:cxnChg>
-        <pc:cxnChg chg="add mod">
-          <ac:chgData name="Mark Roche" userId="4f548dc1084e5877" providerId="LiveId" clId="{E1253FE3-560B-4ABD-B39C-67D815003036}" dt="2020-11-15T20:09:38.417" v="844" actId="14100"/>
-          <ac:cxnSpMkLst>
-            <pc:docMk/>
-            <pc:sldMk cId="4042925873" sldId="256"/>
-            <ac:cxnSpMk id="59" creationId="{53B9A408-0067-4DD0-93EE-B5C4D63B32B4}"/>
-          </ac:cxnSpMkLst>
-        </pc:cxnChg>
-        <pc:cxnChg chg="add mod">
-          <ac:chgData name="Mark Roche" userId="4f548dc1084e5877" providerId="LiveId" clId="{E1253FE3-560B-4ABD-B39C-67D815003036}" dt="2020-11-15T20:14:19.145" v="866" actId="14100"/>
-          <ac:cxnSpMkLst>
-            <pc:docMk/>
-            <pc:sldMk cId="4042925873" sldId="256"/>
-            <ac:cxnSpMk id="73" creationId="{7DD31F8A-C6F1-4BCD-B6A9-B8CE3076A442}"/>
-          </ac:cxnSpMkLst>
-        </pc:cxnChg>
-        <pc:cxnChg chg="add mod">
-          <ac:chgData name="Mark Roche" userId="4f548dc1084e5877" providerId="LiveId" clId="{E1253FE3-560B-4ABD-B39C-67D815003036}" dt="2020-11-15T20:16:46.257" v="874" actId="14100"/>
-          <ac:cxnSpMkLst>
-            <pc:docMk/>
-            <pc:sldMk cId="4042925873" sldId="256"/>
-            <ac:cxnSpMk id="76" creationId="{009B9A98-6885-422F-B0C6-15FB53750631}"/>
-          </ac:cxnSpMkLst>
-        </pc:cxnChg>
-      </pc:sldChg>
-    </pc:docChg>
-  </pc:docChgLst>
-</pc:chgInfo>
+<file path=ppt/notesMasters/notesMaster1.xml><?xml version="1.0" encoding="utf-8"?>
+<p:notesMaster xmlns:a="http://schemas.openxmlformats.org/drawingml/2006/main" xmlns:r="http://schemas.openxmlformats.org/officeDocument/2006/relationships" xmlns:p="http://schemas.openxmlformats.org/presentationml/2006/main">
+  <p:cSld>
+    <p:bg>
+      <p:bgRef idx="1001">
+        <a:schemeClr val="bg1"/>
+      </p:bgRef>
+    </p:bg>
+    <p:spTree>
+      <p:nvGrpSpPr>
+        <p:cNvPr id="1" name=""/>
+        <p:cNvGrpSpPr/>
+        <p:nvPr/>
+      </p:nvGrpSpPr>
+      <p:grpSpPr>
+        <a:xfrm>
+          <a:off x="0" y="0"/>
+          <a:ext cx="0" cy="0"/>
+          <a:chOff x="0" y="0"/>
+          <a:chExt cx="0" cy="0"/>
+        </a:xfrm>
+      </p:grpSpPr>
+      <p:sp>
+        <p:nvSpPr>
+          <p:cNvPr id="2" name="Header Placeholder 1"/>
+          <p:cNvSpPr>
+            <a:spLocks noGrp="1"/>
+          </p:cNvSpPr>
+          <p:nvPr>
+            <p:ph type="hdr" sz="quarter"/>
+          </p:nvPr>
+        </p:nvSpPr>
+        <p:spPr>
+          <a:xfrm>
+            <a:off x="0" y="0"/>
+            <a:ext cx="2971800" cy="458788"/>
+          </a:xfrm>
+          <a:prstGeom prst="rect">
+            <a:avLst/>
+          </a:prstGeom>
+        </p:spPr>
+        <p:txBody>
+          <a:bodyPr vert="horz" lIns="91440" tIns="45720" rIns="91440" bIns="45720" rtlCol="0"/>
+          <a:lstStyle>
+            <a:lvl1pPr algn="l">
+              <a:defRPr sz="1200"/>
+            </a:lvl1pPr>
+          </a:lstStyle>
+          <a:p>
+            <a:endParaRPr lang="en-GB"/>
+          </a:p>
+        </p:txBody>
+      </p:sp>
+      <p:sp>
+        <p:nvSpPr>
+          <p:cNvPr id="3" name="Date Placeholder 2"/>
+          <p:cNvSpPr>
+            <a:spLocks noGrp="1"/>
+          </p:cNvSpPr>
+          <p:nvPr>
+            <p:ph type="dt" idx="1"/>
+          </p:nvPr>
+        </p:nvSpPr>
+        <p:spPr>
+          <a:xfrm>
+            <a:off x="3884613" y="0"/>
+            <a:ext cx="2971800" cy="458788"/>
+          </a:xfrm>
+          <a:prstGeom prst="rect">
+            <a:avLst/>
+          </a:prstGeom>
+        </p:spPr>
+        <p:txBody>
+          <a:bodyPr vert="horz" lIns="91440" tIns="45720" rIns="91440" bIns="45720" rtlCol="0"/>
+          <a:lstStyle>
+            <a:lvl1pPr algn="r">
+              <a:defRPr sz="1200"/>
+            </a:lvl1pPr>
+          </a:lstStyle>
+          <a:p>
+            <a:fld id="{B7678407-DB36-40D4-A9A8-240E7D76D023}" type="datetimeFigureOut">
+              <a:rPr lang="en-GB" smtClean="0"/>
+              <a:t>18/11/2020</a:t>
+            </a:fld>
+            <a:endParaRPr lang="en-GB"/>
+          </a:p>
+        </p:txBody>
+      </p:sp>
+      <p:sp>
+        <p:nvSpPr>
+          <p:cNvPr id="4" name="Slide Image Placeholder 3"/>
+          <p:cNvSpPr>
+            <a:spLocks noGrp="1" noRot="1" noChangeAspect="1"/>
+          </p:cNvSpPr>
+          <p:nvPr>
+            <p:ph type="sldImg" idx="2"/>
+          </p:nvPr>
+        </p:nvSpPr>
+        <p:spPr>
+          <a:xfrm>
+            <a:off x="1885950" y="1143000"/>
+            <a:ext cx="3086100" cy="3086100"/>
+          </a:xfrm>
+          <a:prstGeom prst="rect">
+            <a:avLst/>
+          </a:prstGeom>
+          <a:noFill/>
+          <a:ln w="12700">
+            <a:solidFill>
+              <a:prstClr val="black"/>
+            </a:solidFill>
+          </a:ln>
+        </p:spPr>
+        <p:txBody>
+          <a:bodyPr vert="horz" lIns="91440" tIns="45720" rIns="91440" bIns="45720" rtlCol="0" anchor="ctr"/>
+          <a:lstStyle/>
+          <a:p>
+            <a:endParaRPr lang="en-GB"/>
+          </a:p>
+        </p:txBody>
+      </p:sp>
+      <p:sp>
+        <p:nvSpPr>
+          <p:cNvPr id="5" name="Notes Placeholder 4"/>
+          <p:cNvSpPr>
+            <a:spLocks noGrp="1"/>
+          </p:cNvSpPr>
+          <p:nvPr>
+            <p:ph type="body" sz="quarter" idx="3"/>
+          </p:nvPr>
+        </p:nvSpPr>
+        <p:spPr>
+          <a:xfrm>
+            <a:off x="685800" y="4400550"/>
+            <a:ext cx="5486400" cy="3600450"/>
+          </a:xfrm>
+          <a:prstGeom prst="rect">
+            <a:avLst/>
+          </a:prstGeom>
+        </p:spPr>
+        <p:txBody>
+          <a:bodyPr vert="horz" lIns="91440" tIns="45720" rIns="91440" bIns="45720" rtlCol="0"/>
+          <a:lstStyle/>
+          <a:p>
+            <a:pPr lvl="0"/>
+            <a:r>
+              <a:rPr lang="en-US"/>
+              <a:t>Click to edit Master text styles</a:t>
+            </a:r>
+          </a:p>
+          <a:p>
+            <a:pPr lvl="1"/>
+            <a:r>
+              <a:rPr lang="en-US"/>
+              <a:t>Second level</a:t>
+            </a:r>
+          </a:p>
+          <a:p>
+            <a:pPr lvl="2"/>
+            <a:r>
+              <a:rPr lang="en-US"/>
+              <a:t>Third level</a:t>
+            </a:r>
+          </a:p>
+          <a:p>
+            <a:pPr lvl="3"/>
+            <a:r>
+              <a:rPr lang="en-US"/>
+              <a:t>Fourth level</a:t>
+            </a:r>
+          </a:p>
+          <a:p>
+            <a:pPr lvl="4"/>
+            <a:r>
+              <a:rPr lang="en-US"/>
+              <a:t>Fifth level</a:t>
+            </a:r>
+            <a:endParaRPr lang="en-GB"/>
+          </a:p>
+        </p:txBody>
+      </p:sp>
+      <p:sp>
+        <p:nvSpPr>
+          <p:cNvPr id="6" name="Footer Placeholder 5"/>
+          <p:cNvSpPr>
+            <a:spLocks noGrp="1"/>
+          </p:cNvSpPr>
+          <p:nvPr>
+            <p:ph type="ftr" sz="quarter" idx="4"/>
+          </p:nvPr>
+        </p:nvSpPr>
+        <p:spPr>
+          <a:xfrm>
+            <a:off x="0" y="8685213"/>
+            <a:ext cx="2971800" cy="458787"/>
+          </a:xfrm>
+          <a:prstGeom prst="rect">
+            <a:avLst/>
+          </a:prstGeom>
+        </p:spPr>
+        <p:txBody>
+          <a:bodyPr vert="horz" lIns="91440" tIns="45720" rIns="91440" bIns="45720" rtlCol="0" anchor="b"/>
+          <a:lstStyle>
+            <a:lvl1pPr algn="l">
+              <a:defRPr sz="1200"/>
+            </a:lvl1pPr>
+          </a:lstStyle>
+          <a:p>
+            <a:endParaRPr lang="en-GB"/>
+          </a:p>
+        </p:txBody>
+      </p:sp>
+      <p:sp>
+        <p:nvSpPr>
+          <p:cNvPr id="7" name="Slide Number Placeholder 6"/>
+          <p:cNvSpPr>
+            <a:spLocks noGrp="1"/>
+          </p:cNvSpPr>
+          <p:nvPr>
+            <p:ph type="sldNum" sz="quarter" idx="5"/>
+          </p:nvPr>
+        </p:nvSpPr>
+        <p:spPr>
+          <a:xfrm>
+            <a:off x="3884613" y="8685213"/>
+            <a:ext cx="2971800" cy="458787"/>
+          </a:xfrm>
+          <a:prstGeom prst="rect">
+            <a:avLst/>
+          </a:prstGeom>
+        </p:spPr>
+        <p:txBody>
+          <a:bodyPr vert="horz" lIns="91440" tIns="45720" rIns="91440" bIns="45720" rtlCol="0" anchor="b"/>
+          <a:lstStyle>
+            <a:lvl1pPr algn="r">
+              <a:defRPr sz="1200"/>
+            </a:lvl1pPr>
+          </a:lstStyle>
+          <a:p>
+            <a:fld id="{9CF83A49-74C9-4A8A-91BC-4A78528D766B}" type="slidenum">
+              <a:rPr lang="en-GB" smtClean="0"/>
+              <a:t>‹#›</a:t>
+            </a:fld>
+            <a:endParaRPr lang="en-GB"/>
+          </a:p>
+        </p:txBody>
+      </p:sp>
+    </p:spTree>
+    <p:extLst>
+      <p:ext uri="{BB962C8B-B14F-4D97-AF65-F5344CB8AC3E}">
+        <p14:creationId xmlns:p14="http://schemas.microsoft.com/office/powerpoint/2010/main" val="441639258"/>
+      </p:ext>
+    </p:extLst>
+  </p:cSld>
+  <p:clrMap bg1="lt1" tx1="dk1" bg2="lt2" tx2="dk2" accent1="accent1" accent2="accent2" accent3="accent3" accent4="accent4" accent5="accent5" accent6="accent6" hlink="hlink" folHlink="folHlink"/>
+  <p:notesStyle>
+    <a:lvl1pPr marL="0" algn="l" defTabSz="3455975" rtl="0" eaLnBrk="1" latinLnBrk="0" hangingPunct="1">
+      <a:defRPr sz="4535" kern="1200">
+        <a:solidFill>
+          <a:schemeClr val="tx1"/>
+        </a:solidFill>
+        <a:latin typeface="+mn-lt"/>
+        <a:ea typeface="+mn-ea"/>
+        <a:cs typeface="+mn-cs"/>
+      </a:defRPr>
+    </a:lvl1pPr>
+    <a:lvl2pPr marL="1727987" algn="l" defTabSz="3455975" rtl="0" eaLnBrk="1" latinLnBrk="0" hangingPunct="1">
+      <a:defRPr sz="4535" kern="1200">
+        <a:solidFill>
+          <a:schemeClr val="tx1"/>
+        </a:solidFill>
+        <a:latin typeface="+mn-lt"/>
+        <a:ea typeface="+mn-ea"/>
+        <a:cs typeface="+mn-cs"/>
+      </a:defRPr>
+    </a:lvl2pPr>
+    <a:lvl3pPr marL="3455975" algn="l" defTabSz="3455975" rtl="0" eaLnBrk="1" latinLnBrk="0" hangingPunct="1">
+      <a:defRPr sz="4535" kern="1200">
+        <a:solidFill>
+          <a:schemeClr val="tx1"/>
+        </a:solidFill>
+        <a:latin typeface="+mn-lt"/>
+        <a:ea typeface="+mn-ea"/>
+        <a:cs typeface="+mn-cs"/>
+      </a:defRPr>
+    </a:lvl3pPr>
+    <a:lvl4pPr marL="5183962" algn="l" defTabSz="3455975" rtl="0" eaLnBrk="1" latinLnBrk="0" hangingPunct="1">
+      <a:defRPr sz="4535" kern="1200">
+        <a:solidFill>
+          <a:schemeClr val="tx1"/>
+        </a:solidFill>
+        <a:latin typeface="+mn-lt"/>
+        <a:ea typeface="+mn-ea"/>
+        <a:cs typeface="+mn-cs"/>
+      </a:defRPr>
+    </a:lvl4pPr>
+    <a:lvl5pPr marL="6911950" algn="l" defTabSz="3455975" rtl="0" eaLnBrk="1" latinLnBrk="0" hangingPunct="1">
+      <a:defRPr sz="4535" kern="1200">
+        <a:solidFill>
+          <a:schemeClr val="tx1"/>
+        </a:solidFill>
+        <a:latin typeface="+mn-lt"/>
+        <a:ea typeface="+mn-ea"/>
+        <a:cs typeface="+mn-cs"/>
+      </a:defRPr>
+    </a:lvl5pPr>
+    <a:lvl6pPr marL="8639937" algn="l" defTabSz="3455975" rtl="0" eaLnBrk="1" latinLnBrk="0" hangingPunct="1">
+      <a:defRPr sz="4535" kern="1200">
+        <a:solidFill>
+          <a:schemeClr val="tx1"/>
+        </a:solidFill>
+        <a:latin typeface="+mn-lt"/>
+        <a:ea typeface="+mn-ea"/>
+        <a:cs typeface="+mn-cs"/>
+      </a:defRPr>
+    </a:lvl6pPr>
+    <a:lvl7pPr marL="10367924" algn="l" defTabSz="3455975" rtl="0" eaLnBrk="1" latinLnBrk="0" hangingPunct="1">
+      <a:defRPr sz="4535" kern="1200">
+        <a:solidFill>
+          <a:schemeClr val="tx1"/>
+        </a:solidFill>
+        <a:latin typeface="+mn-lt"/>
+        <a:ea typeface="+mn-ea"/>
+        <a:cs typeface="+mn-cs"/>
+      </a:defRPr>
+    </a:lvl7pPr>
+    <a:lvl8pPr marL="12095912" algn="l" defTabSz="3455975" rtl="0" eaLnBrk="1" latinLnBrk="0" hangingPunct="1">
+      <a:defRPr sz="4535" kern="1200">
+        <a:solidFill>
+          <a:schemeClr val="tx1"/>
+        </a:solidFill>
+        <a:latin typeface="+mn-lt"/>
+        <a:ea typeface="+mn-ea"/>
+        <a:cs typeface="+mn-cs"/>
+      </a:defRPr>
+    </a:lvl8pPr>
+    <a:lvl9pPr marL="13823899" algn="l" defTabSz="3455975" rtl="0" eaLnBrk="1" latinLnBrk="0" hangingPunct="1">
+      <a:defRPr sz="4535" kern="1200">
+        <a:solidFill>
+          <a:schemeClr val="tx1"/>
+        </a:solidFill>
+        <a:latin typeface="+mn-lt"/>
+        <a:ea typeface="+mn-ea"/>
+        <a:cs typeface="+mn-cs"/>
+      </a:defRPr>
+    </a:lvl9pPr>
+  </p:notesStyle>
+</p:notesMaster>
+</file>
+
+<file path=ppt/notesSlides/notesSlide1.xml><?xml version="1.0" encoding="utf-8"?>
+<p:notes xmlns:a="http://schemas.openxmlformats.org/drawingml/2006/main" xmlns:r="http://schemas.openxmlformats.org/officeDocument/2006/relationships" xmlns:p="http://schemas.openxmlformats.org/presentationml/2006/main">
+  <p:cSld>
+    <p:spTree>
+      <p:nvGrpSpPr>
+        <p:cNvPr id="1" name=""/>
+        <p:cNvGrpSpPr/>
+        <p:nvPr/>
+      </p:nvGrpSpPr>
+      <p:grpSpPr>
+        <a:xfrm>
+          <a:off x="0" y="0"/>
+          <a:ext cx="0" cy="0"/>
+          <a:chOff x="0" y="0"/>
+          <a:chExt cx="0" cy="0"/>
+        </a:xfrm>
+      </p:grpSpPr>
+      <p:sp>
+        <p:nvSpPr>
+          <p:cNvPr id="2" name="Slide Image Placeholder 1"/>
+          <p:cNvSpPr>
+            <a:spLocks noGrp="1" noRot="1" noChangeAspect="1"/>
+          </p:cNvSpPr>
+          <p:nvPr>
+            <p:ph type="sldImg"/>
+          </p:nvPr>
+        </p:nvSpPr>
+        <p:spPr/>
+      </p:sp>
+      <p:sp>
+        <p:nvSpPr>
+          <p:cNvPr id="3" name="Notes Placeholder 2"/>
+          <p:cNvSpPr>
+            <a:spLocks noGrp="1"/>
+          </p:cNvSpPr>
+          <p:nvPr>
+            <p:ph type="body" idx="1"/>
+          </p:nvPr>
+        </p:nvSpPr>
+        <p:spPr/>
+        <p:txBody>
+          <a:bodyPr/>
+          <a:lstStyle/>
+          <a:p>
+            <a:endParaRPr lang="en-GB" dirty="0"/>
+          </a:p>
+        </p:txBody>
+      </p:sp>
+      <p:sp>
+        <p:nvSpPr>
+          <p:cNvPr id="4" name="Slide Number Placeholder 3"/>
+          <p:cNvSpPr>
+            <a:spLocks noGrp="1"/>
+          </p:cNvSpPr>
+          <p:nvPr>
+            <p:ph type="sldNum" sz="quarter" idx="5"/>
+          </p:nvPr>
+        </p:nvSpPr>
+        <p:spPr/>
+        <p:txBody>
+          <a:bodyPr/>
+          <a:lstStyle/>
+          <a:p>
+            <a:fld id="{9CF83A49-74C9-4A8A-91BC-4A78528D766B}" type="slidenum">
+              <a:rPr lang="en-GB" smtClean="0"/>
+              <a:t>1</a:t>
+            </a:fld>
+            <a:endParaRPr lang="en-GB"/>
+          </a:p>
+        </p:txBody>
+      </p:sp>
+    </p:spTree>
+    <p:extLst>
+      <p:ext uri="{BB962C8B-B14F-4D97-AF65-F5344CB8AC3E}">
+        <p14:creationId xmlns:p14="http://schemas.microsoft.com/office/powerpoint/2010/main" val="2367016493"/>
+      </p:ext>
+    </p:extLst>
+  </p:cSld>
+  <p:clrMapOvr>
+    <a:masterClrMapping/>
+  </p:clrMapOvr>
+</p:notes>
 </file>
 
 <file path=ppt/slideLayouts/slideLayout1.xml><?xml version="1.0" encoding="utf-8"?>
@@ -3297,8 +3417,8 @@
         </p:nvSpPr>
         <p:spPr>
           <a:xfrm>
-            <a:off x="9495692" y="13833930"/>
-            <a:ext cx="17959751" cy="8793841"/>
+            <a:off x="1965961" y="10443500"/>
+            <a:ext cx="14598748" cy="11086991"/>
           </a:xfrm>
           <a:prstGeom prst="rect">
             <a:avLst/>
@@ -3326,354 +3446,12 @@
           <a:p>
             <a:pPr algn="ctr"/>
             <a:r>
-              <a:rPr lang="en-GB" sz="2500" dirty="0">
+              <a:rPr lang="en-GB" sz="4000" dirty="0">
                 <a:solidFill>
                   <a:schemeClr val="bg1"/>
                 </a:solidFill>
               </a:rPr>
-              <a:t>Device</a:t>
-            </a:r>
-          </a:p>
-        </p:txBody>
-      </p:sp>
-      <p:sp>
-        <p:nvSpPr>
-          <p:cNvPr id="6" name="Rectangle 5">
-            <a:extLst>
-              <a:ext uri="{FF2B5EF4-FFF2-40B4-BE49-F238E27FC236}">
-                <a16:creationId xmlns:a16="http://schemas.microsoft.com/office/drawing/2014/main" id="{C599A73D-2878-4099-994D-C1265D7414DC}"/>
-              </a:ext>
-            </a:extLst>
-          </p:cNvPr>
-          <p:cNvSpPr/>
-          <p:nvPr/>
-        </p:nvSpPr>
-        <p:spPr>
-          <a:xfrm>
-            <a:off x="31486664" y="10076552"/>
-            <a:ext cx="2264228" cy="3231244"/>
-          </a:xfrm>
-          <a:prstGeom prst="rect">
-            <a:avLst/>
-          </a:prstGeom>
-        </p:spPr>
-        <p:style>
-          <a:lnRef idx="2">
-            <a:schemeClr val="accent1">
-              <a:shade val="50000"/>
-            </a:schemeClr>
-          </a:lnRef>
-          <a:fillRef idx="1">
-            <a:schemeClr val="accent1"/>
-          </a:fillRef>
-          <a:effectRef idx="0">
-            <a:schemeClr val="accent1"/>
-          </a:effectRef>
-          <a:fontRef idx="minor">
-            <a:schemeClr val="lt1"/>
-          </a:fontRef>
-        </p:style>
-        <p:txBody>
-          <a:bodyPr rtlCol="0" anchor="t"/>
-          <a:lstStyle/>
-          <a:p>
-            <a:pPr algn="ctr"/>
-            <a:r>
-              <a:rPr lang="en-GB" sz="2500" dirty="0">
-                <a:solidFill>
-                  <a:schemeClr val="bg1"/>
-                </a:solidFill>
-              </a:rPr>
-              <a:t>Server</a:t>
-            </a:r>
-          </a:p>
-        </p:txBody>
-      </p:sp>
-      <p:sp>
-        <p:nvSpPr>
-          <p:cNvPr id="8" name="Rectangle 7">
-            <a:extLst>
-              <a:ext uri="{FF2B5EF4-FFF2-40B4-BE49-F238E27FC236}">
-                <a16:creationId xmlns:a16="http://schemas.microsoft.com/office/drawing/2014/main" id="{6AE8DFA6-A523-4429-9585-4EE8FEB56DB8}"/>
-              </a:ext>
-            </a:extLst>
-          </p:cNvPr>
-          <p:cNvSpPr/>
-          <p:nvPr/>
-        </p:nvSpPr>
-        <p:spPr>
-          <a:xfrm>
-            <a:off x="-896147" y="13307796"/>
-            <a:ext cx="2422071" cy="1378856"/>
-          </a:xfrm>
-          <a:prstGeom prst="rect">
-            <a:avLst/>
-          </a:prstGeom>
-        </p:spPr>
-        <p:style>
-          <a:lnRef idx="2">
-            <a:schemeClr val="accent1">
-              <a:shade val="50000"/>
-            </a:schemeClr>
-          </a:lnRef>
-          <a:fillRef idx="1">
-            <a:schemeClr val="accent1"/>
-          </a:fillRef>
-          <a:effectRef idx="0">
-            <a:schemeClr val="accent1"/>
-          </a:effectRef>
-          <a:fontRef idx="minor">
-            <a:schemeClr val="lt1"/>
-          </a:fontRef>
-        </p:style>
-        <p:txBody>
-          <a:bodyPr rtlCol="0" anchor="ctr"/>
-          <a:lstStyle/>
-          <a:p>
-            <a:pPr algn="ctr"/>
-            <a:r>
-              <a:rPr lang="en-GB" sz="2500" dirty="0">
-                <a:solidFill>
-                  <a:schemeClr val="bg1"/>
-                </a:solidFill>
-              </a:rPr>
-              <a:t>Personal Computer</a:t>
-            </a:r>
-          </a:p>
-        </p:txBody>
-      </p:sp>
-      <p:sp>
-        <p:nvSpPr>
-          <p:cNvPr id="10" name="Rectangle 9">
-            <a:extLst>
-              <a:ext uri="{FF2B5EF4-FFF2-40B4-BE49-F238E27FC236}">
-                <a16:creationId xmlns:a16="http://schemas.microsoft.com/office/drawing/2014/main" id="{FBD8178E-81A0-43D3-8071-9AEF7E41F648}"/>
-              </a:ext>
-            </a:extLst>
-          </p:cNvPr>
-          <p:cNvSpPr/>
-          <p:nvPr/>
-        </p:nvSpPr>
-        <p:spPr>
-          <a:xfrm>
-            <a:off x="-489748" y="11540780"/>
-            <a:ext cx="2015672" cy="1194955"/>
-          </a:xfrm>
-          <a:prstGeom prst="rect">
-            <a:avLst/>
-          </a:prstGeom>
-        </p:spPr>
-        <p:style>
-          <a:lnRef idx="2">
-            <a:schemeClr val="accent1">
-              <a:shade val="50000"/>
-            </a:schemeClr>
-          </a:lnRef>
-          <a:fillRef idx="1">
-            <a:schemeClr val="accent1"/>
-          </a:fillRef>
-          <a:effectRef idx="0">
-            <a:schemeClr val="accent1"/>
-          </a:effectRef>
-          <a:fontRef idx="minor">
-            <a:schemeClr val="lt1"/>
-          </a:fontRef>
-        </p:style>
-        <p:txBody>
-          <a:bodyPr rtlCol="0" anchor="ctr"/>
-          <a:lstStyle/>
-          <a:p>
-            <a:pPr algn="ctr"/>
-            <a:r>
-              <a:rPr lang="en-GB" sz="2500" dirty="0">
-                <a:solidFill>
-                  <a:schemeClr val="bg1"/>
-                </a:solidFill>
-              </a:rPr>
-              <a:t>Mobile Device</a:t>
-            </a:r>
-          </a:p>
-        </p:txBody>
-      </p:sp>
-      <p:sp>
-        <p:nvSpPr>
-          <p:cNvPr id="12" name="Rectangle 11">
-            <a:extLst>
-              <a:ext uri="{FF2B5EF4-FFF2-40B4-BE49-F238E27FC236}">
-                <a16:creationId xmlns:a16="http://schemas.microsoft.com/office/drawing/2014/main" id="{694286CF-0763-460C-B825-5C9040B2C180}"/>
-              </a:ext>
-            </a:extLst>
-          </p:cNvPr>
-          <p:cNvSpPr/>
-          <p:nvPr/>
-        </p:nvSpPr>
-        <p:spPr>
-          <a:xfrm>
-            <a:off x="-679847" y="15231145"/>
-            <a:ext cx="1892300" cy="1327146"/>
-          </a:xfrm>
-          <a:prstGeom prst="rect">
-            <a:avLst/>
-          </a:prstGeom>
-        </p:spPr>
-        <p:style>
-          <a:lnRef idx="2">
-            <a:schemeClr val="accent4">
-              <a:shade val="50000"/>
-            </a:schemeClr>
-          </a:lnRef>
-          <a:fillRef idx="1">
-            <a:schemeClr val="accent4"/>
-          </a:fillRef>
-          <a:effectRef idx="0">
-            <a:schemeClr val="accent4"/>
-          </a:effectRef>
-          <a:fontRef idx="minor">
-            <a:schemeClr val="lt1"/>
-          </a:fontRef>
-        </p:style>
-        <p:txBody>
-          <a:bodyPr rtlCol="0" anchor="ctr"/>
-          <a:lstStyle/>
-          <a:p>
-            <a:pPr algn="ctr"/>
-            <a:r>
-              <a:rPr lang="en-GB" sz="2500" dirty="0">
-                <a:ln w="0"/>
-                <a:solidFill>
-                  <a:schemeClr val="tx1"/>
-                </a:solidFill>
-                <a:effectLst>
-                  <a:outerShdw blurRad="38100" dist="19050" dir="2700000" algn="tl" rotWithShape="0">
-                    <a:schemeClr val="dk1">
-                      <a:alpha val="40000"/>
-                    </a:schemeClr>
-                  </a:outerShdw>
-                </a:effectLst>
-              </a:rPr>
-              <a:t>Short-Term Data Storage</a:t>
-            </a:r>
-          </a:p>
-        </p:txBody>
-      </p:sp>
-      <p:sp>
-        <p:nvSpPr>
-          <p:cNvPr id="14" name="Rectangle 13">
-            <a:extLst>
-              <a:ext uri="{FF2B5EF4-FFF2-40B4-BE49-F238E27FC236}">
-                <a16:creationId xmlns:a16="http://schemas.microsoft.com/office/drawing/2014/main" id="{D9676608-2F9E-479A-8B8D-1A001749D1E9}"/>
-              </a:ext>
-            </a:extLst>
-          </p:cNvPr>
-          <p:cNvSpPr/>
-          <p:nvPr/>
-        </p:nvSpPr>
-        <p:spPr>
-          <a:xfrm>
-            <a:off x="31672628" y="11820082"/>
-            <a:ext cx="1892300" cy="1378856"/>
-          </a:xfrm>
-          <a:prstGeom prst="rect">
-            <a:avLst/>
-          </a:prstGeom>
-        </p:spPr>
-        <p:style>
-          <a:lnRef idx="2">
-            <a:schemeClr val="accent4">
-              <a:shade val="50000"/>
-            </a:schemeClr>
-          </a:lnRef>
-          <a:fillRef idx="1">
-            <a:schemeClr val="accent4"/>
-          </a:fillRef>
-          <a:effectRef idx="0">
-            <a:schemeClr val="accent4"/>
-          </a:effectRef>
-          <a:fontRef idx="minor">
-            <a:schemeClr val="lt1"/>
-          </a:fontRef>
-        </p:style>
-        <p:txBody>
-          <a:bodyPr rtlCol="0" anchor="ctr"/>
-          <a:lstStyle/>
-          <a:p>
-            <a:pPr algn="ctr"/>
-            <a:r>
-              <a:rPr lang="en-GB" sz="2500" dirty="0">
-                <a:ln w="0"/>
-                <a:solidFill>
-                  <a:schemeClr val="tx1"/>
-                </a:solidFill>
-                <a:effectLst>
-                  <a:outerShdw blurRad="38100" dist="19050" dir="2700000" algn="tl" rotWithShape="0">
-                    <a:schemeClr val="dk1">
-                      <a:alpha val="40000"/>
-                    </a:schemeClr>
-                  </a:outerShdw>
-                </a:effectLst>
-              </a:rPr>
-              <a:t>Long-Term Data Storage</a:t>
-            </a:r>
-          </a:p>
-        </p:txBody>
-      </p:sp>
-      <p:sp>
-        <p:nvSpPr>
-          <p:cNvPr id="22" name="Rectangle 21">
-            <a:extLst>
-              <a:ext uri="{FF2B5EF4-FFF2-40B4-BE49-F238E27FC236}">
-                <a16:creationId xmlns:a16="http://schemas.microsoft.com/office/drawing/2014/main" id="{CA10D9A2-17E5-42CE-9BE1-4662FD8F237F}"/>
-              </a:ext>
-            </a:extLst>
-          </p:cNvPr>
-          <p:cNvSpPr/>
-          <p:nvPr/>
-        </p:nvSpPr>
-        <p:spPr>
-          <a:xfrm>
-            <a:off x="1212453" y="9342616"/>
-            <a:ext cx="1892300" cy="1378856"/>
-          </a:xfrm>
-          <a:prstGeom prst="rect">
-            <a:avLst/>
-          </a:prstGeom>
-        </p:spPr>
-        <p:style>
-          <a:lnRef idx="2">
-            <a:schemeClr val="accent4">
-              <a:shade val="50000"/>
-            </a:schemeClr>
-          </a:lnRef>
-          <a:fillRef idx="1">
-            <a:schemeClr val="accent4"/>
-          </a:fillRef>
-          <a:effectRef idx="0">
-            <a:schemeClr val="accent4"/>
-          </a:effectRef>
-          <a:fontRef idx="minor">
-            <a:schemeClr val="lt1"/>
-          </a:fontRef>
-        </p:style>
-        <p:txBody>
-          <a:bodyPr rtlCol="0" anchor="ctr"/>
-          <a:lstStyle/>
-          <a:p>
-            <a:pPr algn="ctr"/>
-            <a:r>
-              <a:rPr lang="en-GB" sz="2500" dirty="0">
-                <a:ln w="0"/>
-                <a:solidFill>
-                  <a:schemeClr val="tx1"/>
-                </a:solidFill>
-                <a:effectLst>
-                  <a:outerShdw blurRad="38100" dist="19050" dir="2700000" algn="tl" rotWithShape="0">
-                    <a:schemeClr val="dk1">
-                      <a:alpha val="40000"/>
-                    </a:schemeClr>
-                  </a:outerShdw>
-                </a:effectLst>
-              </a:rPr>
-              <a:t>Communication</a:t>
+              <a:t>Smart Watch</a:t>
             </a:r>
           </a:p>
         </p:txBody>
@@ -3692,8 +3470,8 @@
         </p:nvSpPr>
         <p:spPr>
           <a:xfrm>
-            <a:off x="12275232" y="14558744"/>
-            <a:ext cx="10947625" cy="3845373"/>
+            <a:off x="5417233" y="13461464"/>
+            <a:ext cx="7425961" cy="3845373"/>
           </a:xfrm>
           <a:prstGeom prst="rect">
             <a:avLst/>
@@ -3761,8 +3539,8 @@
         </p:nvSpPr>
         <p:spPr>
           <a:xfrm>
-            <a:off x="15270483" y="16851994"/>
-            <a:ext cx="2499357" cy="1378856"/>
+            <a:off x="5917580" y="13981098"/>
+            <a:ext cx="6419914" cy="2850449"/>
           </a:xfrm>
           <a:prstGeom prst="rect">
             <a:avLst/>
@@ -3785,7 +3563,7 @@
           </a:fontRef>
         </p:style>
         <p:txBody>
-          <a:bodyPr rtlCol="0" anchor="ctr"/>
+          <a:bodyPr rtlCol="0" anchor="t"/>
           <a:lstStyle/>
           <a:p>
             <a:pPr algn="ctr"/>
@@ -3803,7 +3581,26 @@
                   </a:outerShdw>
                 </a:effectLst>
               </a:rPr>
-              <a:t>Peripherals</a:t>
+              <a:t>Ubuntu </a:t>
+            </a:r>
+          </a:p>
+          <a:p>
+            <a:pPr algn="ctr"/>
+            <a:r>
+              <a:rPr lang="en-GB" sz="2500" dirty="0">
+                <a:ln w="0"/>
+                <a:solidFill>
+                  <a:schemeClr val="tx1"/>
+                </a:solidFill>
+                <a:effectLst>
+                  <a:outerShdw blurRad="38100" dist="19050" dir="2700000" algn="tl" rotWithShape="0">
+                    <a:schemeClr val="dk1">
+                      <a:alpha val="40000"/>
+                    </a:schemeClr>
+                  </a:outerShdw>
+                </a:effectLst>
+              </a:rPr>
+              <a:t>Touch OS</a:t>
             </a:r>
           </a:p>
         </p:txBody>
@@ -3822,7 +3619,7 @@
         </p:nvSpPr>
         <p:spPr>
           <a:xfrm>
-            <a:off x="17080705" y="18868573"/>
+            <a:off x="10222705" y="17771293"/>
             <a:ext cx="2620494" cy="2251530"/>
           </a:xfrm>
           <a:prstGeom prst="rect">
@@ -3891,7 +3688,7 @@
         </p:nvSpPr>
         <p:spPr>
           <a:xfrm>
-            <a:off x="17424387" y="19472724"/>
+            <a:off x="10566387" y="18375444"/>
             <a:ext cx="1892300" cy="1378856"/>
           </a:xfrm>
           <a:prstGeom prst="rect">
@@ -3952,7 +3749,7 @@
         </p:nvSpPr>
         <p:spPr>
           <a:xfrm>
-            <a:off x="20126078" y="18838449"/>
+            <a:off x="13268078" y="17741169"/>
             <a:ext cx="2648633" cy="2251530"/>
           </a:xfrm>
           <a:prstGeom prst="rect">
@@ -4021,7 +3818,7 @@
         </p:nvSpPr>
         <p:spPr>
           <a:xfrm>
-            <a:off x="20509092" y="19410323"/>
+            <a:off x="13651092" y="18313043"/>
             <a:ext cx="1892300" cy="1378856"/>
           </a:xfrm>
           <a:prstGeom prst="rect">
@@ -4082,7 +3879,7 @@
         </p:nvSpPr>
         <p:spPr>
           <a:xfrm>
-            <a:off x="19904470" y="23388806"/>
+            <a:off x="13046470" y="22291526"/>
             <a:ext cx="3101545" cy="1686736"/>
           </a:xfrm>
           <a:prstGeom prst="rect">
@@ -4111,7 +3908,7 @@
           <a:p>
             <a:pPr algn="ctr"/>
             <a:r>
-              <a:rPr lang="en-GB" sz="2500" dirty="0">
+              <a:rPr lang="en-GB" sz="4000" dirty="0">
                 <a:solidFill>
                   <a:schemeClr val="bg1"/>
                 </a:solidFill>
@@ -4135,8 +3932,8 @@
         </p:nvSpPr>
         <p:spPr>
           <a:xfrm>
-            <a:off x="9842775" y="14558743"/>
-            <a:ext cx="2160402" cy="3845373"/>
+            <a:off x="5417232" y="11201051"/>
+            <a:ext cx="7425954" cy="1766420"/>
           </a:xfrm>
           <a:prstGeom prst="rect">
             <a:avLst/>
@@ -4185,7 +3982,7 @@
                   </a:outerShdw>
                 </a:effectLst>
               </a:rPr>
-              <a:t>OLED Display</a:t>
+              <a:t>Capacitive Touch OLED Display</a:t>
             </a:r>
           </a:p>
         </p:txBody>
@@ -4208,7 +4005,7 @@
         </p:nvCxnSpPr>
         <p:spPr>
           <a:xfrm flipH="1" flipV="1">
-            <a:off x="21455242" y="20789179"/>
+            <a:off x="14597242" y="19691899"/>
             <a:ext cx="1" cy="2599627"/>
           </a:xfrm>
           <a:prstGeom prst="straightConnector1">
@@ -4250,22 +4047,18 @@
         </p:nvSpPr>
         <p:spPr>
           <a:xfrm>
-            <a:off x="12560642" y="15187234"/>
-            <a:ext cx="10390160" cy="1378856"/>
+            <a:off x="6404781" y="14926711"/>
+            <a:ext cx="5450863" cy="1378856"/>
           </a:xfrm>
           <a:prstGeom prst="rect">
             <a:avLst/>
           </a:prstGeom>
           <a:solidFill>
-            <a:schemeClr val="bg2">
-              <a:lumMod val="90000"/>
-            </a:schemeClr>
+            <a:srgbClr val="FF0000"/>
           </a:solidFill>
           <a:ln>
             <a:solidFill>
-              <a:schemeClr val="bg2">
-                <a:lumMod val="90000"/>
-              </a:schemeClr>
+              <a:srgbClr val="FF0000"/>
             </a:solidFill>
           </a:ln>
         </p:spPr>
@@ -4325,9 +4118,9 @@
           <p:nvPr/>
         </p:nvCxnSpPr>
         <p:spPr>
-          <a:xfrm flipV="1">
-            <a:off x="14500363" y="16566090"/>
-            <a:ext cx="0" cy="2302483"/>
+          <a:xfrm flipH="1" flipV="1">
+            <a:off x="7636050" y="16287747"/>
+            <a:ext cx="6313" cy="1483546"/>
           </a:xfrm>
           <a:prstGeom prst="straightConnector1">
             <a:avLst/>
@@ -4368,7 +4161,7 @@
         </p:nvGrpSpPr>
         <p:grpSpPr>
           <a:xfrm>
-            <a:off x="12275232" y="18868573"/>
+            <a:off x="5417232" y="17771293"/>
             <a:ext cx="4450262" cy="3526969"/>
             <a:chOff x="12275232" y="18868573"/>
             <a:chExt cx="4450262" cy="3526969"/>
@@ -4786,23 +4579,22 @@
       </p:grpSp>
       <p:cxnSp>
         <p:nvCxnSpPr>
-          <p:cNvPr id="73" name="Straight Arrow Connector 72">
+          <p:cNvPr id="76" name="Straight Arrow Connector 75">
             <a:extLst>
               <a:ext uri="{FF2B5EF4-FFF2-40B4-BE49-F238E27FC236}">
-                <a16:creationId xmlns:a16="http://schemas.microsoft.com/office/drawing/2014/main" id="{7DD31F8A-C6F1-4BCD-B6A9-B8CE3076A442}"/>
+                <a16:creationId xmlns:a16="http://schemas.microsoft.com/office/drawing/2014/main" id="{009B9A98-6885-422F-B0C6-15FB53750631}"/>
               </a:ext>
             </a:extLst>
           </p:cNvPr>
           <p:cNvCxnSpPr>
             <a:cxnSpLocks/>
-            <a:stCxn id="58" idx="1"/>
           </p:cNvCxnSpPr>
           <p:nvPr/>
         </p:nvCxnSpPr>
         <p:spPr>
-          <a:xfrm flipH="1">
-            <a:off x="12003177" y="15876662"/>
-            <a:ext cx="557465" cy="0"/>
+          <a:xfrm>
+            <a:off x="11512537" y="16335877"/>
+            <a:ext cx="0" cy="1435416"/>
           </a:xfrm>
           <a:prstGeom prst="straightConnector1">
             <a:avLst/>
@@ -4829,51 +4621,6 @@
           </a:fontRef>
         </p:style>
       </p:cxnSp>
-      <p:cxnSp>
-        <p:nvCxnSpPr>
-          <p:cNvPr id="76" name="Straight Arrow Connector 75">
-            <a:extLst>
-              <a:ext uri="{FF2B5EF4-FFF2-40B4-BE49-F238E27FC236}">
-                <a16:creationId xmlns:a16="http://schemas.microsoft.com/office/drawing/2014/main" id="{009B9A98-6885-422F-B0C6-15FB53750631}"/>
-              </a:ext>
-            </a:extLst>
-          </p:cNvPr>
-          <p:cNvCxnSpPr>
-            <a:cxnSpLocks/>
-            <a:endCxn id="32" idx="0"/>
-          </p:cNvCxnSpPr>
-          <p:nvPr/>
-        </p:nvCxnSpPr>
-        <p:spPr>
-          <a:xfrm>
-            <a:off x="18390952" y="16606003"/>
-            <a:ext cx="0" cy="2262570"/>
-          </a:xfrm>
-          <a:prstGeom prst="straightConnector1">
-            <a:avLst/>
-          </a:prstGeom>
-          <a:ln w="76200">
-            <a:solidFill>
-              <a:schemeClr val="tx1"/>
-            </a:solidFill>
-            <a:tailEnd type="triangle"/>
-          </a:ln>
-        </p:spPr>
-        <p:style>
-          <a:lnRef idx="1">
-            <a:schemeClr val="accent1"/>
-          </a:lnRef>
-          <a:fillRef idx="0">
-            <a:schemeClr val="accent1"/>
-          </a:fillRef>
-          <a:effectRef idx="0">
-            <a:schemeClr val="accent1"/>
-          </a:effectRef>
-          <a:fontRef idx="minor">
-            <a:schemeClr val="tx1"/>
-          </a:fontRef>
-        </p:style>
-      </p:cxnSp>
       <p:sp>
         <p:nvSpPr>
           <p:cNvPr id="81" name="Rectangle 80">
@@ -4888,8 +4635,8 @@
         </p:nvSpPr>
         <p:spPr>
           <a:xfrm>
-            <a:off x="23329615" y="18859232"/>
-            <a:ext cx="2648633" cy="2251530"/>
+            <a:off x="13248690" y="13484909"/>
+            <a:ext cx="2648633" cy="3845373"/>
           </a:xfrm>
           <a:prstGeom prst="rect">
             <a:avLst/>
@@ -4943,6 +4690,1919 @@
           </a:p>
         </p:txBody>
       </p:sp>
+      <p:sp>
+        <p:nvSpPr>
+          <p:cNvPr id="84" name="Rectangle 83">
+            <a:extLst>
+              <a:ext uri="{FF2B5EF4-FFF2-40B4-BE49-F238E27FC236}">
+                <a16:creationId xmlns:a16="http://schemas.microsoft.com/office/drawing/2014/main" id="{C28F142E-E971-464C-A8A4-2197A5B2883B}"/>
+              </a:ext>
+            </a:extLst>
+          </p:cNvPr>
+          <p:cNvSpPr/>
+          <p:nvPr/>
+        </p:nvSpPr>
+        <p:spPr>
+          <a:xfrm>
+            <a:off x="2390823" y="14308574"/>
+            <a:ext cx="2648633" cy="2386593"/>
+          </a:xfrm>
+          <a:prstGeom prst="rect">
+            <a:avLst/>
+          </a:prstGeom>
+          <a:solidFill>
+            <a:srgbClr val="92D050"/>
+          </a:solidFill>
+          <a:ln>
+            <a:solidFill>
+              <a:srgbClr val="92D050"/>
+            </a:solidFill>
+          </a:ln>
+        </p:spPr>
+        <p:style>
+          <a:lnRef idx="2">
+            <a:schemeClr val="accent4">
+              <a:shade val="50000"/>
+            </a:schemeClr>
+          </a:lnRef>
+          <a:fillRef idx="1">
+            <a:schemeClr val="accent4"/>
+          </a:fillRef>
+          <a:effectRef idx="0">
+            <a:schemeClr val="accent4"/>
+          </a:effectRef>
+          <a:fontRef idx="minor">
+            <a:schemeClr val="lt1"/>
+          </a:fontRef>
+        </p:style>
+        <p:txBody>
+          <a:bodyPr rtlCol="0" anchor="t"/>
+          <a:lstStyle/>
+          <a:p>
+            <a:pPr algn="ctr"/>
+            <a:r>
+              <a:rPr lang="en-GB" sz="2500" dirty="0">
+                <a:ln w="0"/>
+                <a:solidFill>
+                  <a:schemeClr val="tx1"/>
+                </a:solidFill>
+                <a:effectLst>
+                  <a:outerShdw blurRad="38100" dist="19050" dir="2700000" algn="tl" rotWithShape="0">
+                    <a:schemeClr val="dk1">
+                      <a:alpha val="40000"/>
+                    </a:schemeClr>
+                  </a:outerShdw>
+                </a:effectLst>
+              </a:rPr>
+              <a:t>Storage</a:t>
+            </a:r>
+          </a:p>
+        </p:txBody>
+      </p:sp>
+      <p:sp>
+        <p:nvSpPr>
+          <p:cNvPr id="86" name="Rectangle 85">
+            <a:extLst>
+              <a:ext uri="{FF2B5EF4-FFF2-40B4-BE49-F238E27FC236}">
+                <a16:creationId xmlns:a16="http://schemas.microsoft.com/office/drawing/2014/main" id="{7DB967C5-2E87-4455-BF20-E56B8B9791D0}"/>
+              </a:ext>
+            </a:extLst>
+          </p:cNvPr>
+          <p:cNvSpPr/>
+          <p:nvPr/>
+        </p:nvSpPr>
+        <p:spPr>
+          <a:xfrm>
+            <a:off x="2768989" y="14937064"/>
+            <a:ext cx="1892300" cy="1378856"/>
+          </a:xfrm>
+          <a:prstGeom prst="rect">
+            <a:avLst/>
+          </a:prstGeom>
+        </p:spPr>
+        <p:style>
+          <a:lnRef idx="2">
+            <a:schemeClr val="accent4">
+              <a:shade val="50000"/>
+            </a:schemeClr>
+          </a:lnRef>
+          <a:fillRef idx="1">
+            <a:schemeClr val="accent4"/>
+          </a:fillRef>
+          <a:effectRef idx="0">
+            <a:schemeClr val="accent4"/>
+          </a:effectRef>
+          <a:fontRef idx="minor">
+            <a:schemeClr val="lt1"/>
+          </a:fontRef>
+        </p:style>
+        <p:txBody>
+          <a:bodyPr rtlCol="0" anchor="ctr"/>
+          <a:lstStyle/>
+          <a:p>
+            <a:pPr algn="ctr"/>
+            <a:r>
+              <a:rPr lang="en-GB" sz="2500" dirty="0">
+                <a:ln w="0"/>
+                <a:solidFill>
+                  <a:schemeClr val="tx1"/>
+                </a:solidFill>
+                <a:effectLst>
+                  <a:outerShdw blurRad="38100" dist="19050" dir="2700000" algn="tl" rotWithShape="0">
+                    <a:schemeClr val="dk1">
+                      <a:alpha val="40000"/>
+                    </a:schemeClr>
+                  </a:outerShdw>
+                </a:effectLst>
+              </a:rPr>
+              <a:t>Micro SD Card</a:t>
+            </a:r>
+          </a:p>
+        </p:txBody>
+      </p:sp>
+      <p:cxnSp>
+        <p:nvCxnSpPr>
+          <p:cNvPr id="89" name="Straight Arrow Connector 88">
+            <a:extLst>
+              <a:ext uri="{FF2B5EF4-FFF2-40B4-BE49-F238E27FC236}">
+                <a16:creationId xmlns:a16="http://schemas.microsoft.com/office/drawing/2014/main" id="{F896A63C-5D89-4243-8517-6CC3EE81E4A2}"/>
+              </a:ext>
+            </a:extLst>
+          </p:cNvPr>
+          <p:cNvCxnSpPr>
+            <a:cxnSpLocks/>
+          </p:cNvCxnSpPr>
+          <p:nvPr/>
+        </p:nvCxnSpPr>
+        <p:spPr>
+          <a:xfrm flipV="1">
+            <a:off x="10566387" y="12977825"/>
+            <a:ext cx="0" cy="1959239"/>
+          </a:xfrm>
+          <a:prstGeom prst="straightConnector1">
+            <a:avLst/>
+          </a:prstGeom>
+          <a:ln w="76200">
+            <a:solidFill>
+              <a:schemeClr val="tx1"/>
+            </a:solidFill>
+            <a:tailEnd type="triangle"/>
+          </a:ln>
+        </p:spPr>
+        <p:style>
+          <a:lnRef idx="1">
+            <a:schemeClr val="accent1"/>
+          </a:lnRef>
+          <a:fillRef idx="0">
+            <a:schemeClr val="accent1"/>
+          </a:fillRef>
+          <a:effectRef idx="0">
+            <a:schemeClr val="accent1"/>
+          </a:effectRef>
+          <a:fontRef idx="minor">
+            <a:schemeClr val="tx1"/>
+          </a:fontRef>
+        </p:style>
+      </p:cxnSp>
+      <p:cxnSp>
+        <p:nvCxnSpPr>
+          <p:cNvPr id="93" name="Straight Arrow Connector 92">
+            <a:extLst>
+              <a:ext uri="{FF2B5EF4-FFF2-40B4-BE49-F238E27FC236}">
+                <a16:creationId xmlns:a16="http://schemas.microsoft.com/office/drawing/2014/main" id="{AAF2B47F-56AD-4DC8-9A58-DF0F9709C3B8}"/>
+              </a:ext>
+            </a:extLst>
+          </p:cNvPr>
+          <p:cNvCxnSpPr>
+            <a:cxnSpLocks/>
+          </p:cNvCxnSpPr>
+          <p:nvPr/>
+        </p:nvCxnSpPr>
+        <p:spPr>
+          <a:xfrm>
+            <a:off x="7625421" y="12967471"/>
+            <a:ext cx="0" cy="1959240"/>
+          </a:xfrm>
+          <a:prstGeom prst="straightConnector1">
+            <a:avLst/>
+          </a:prstGeom>
+          <a:ln w="76200">
+            <a:solidFill>
+              <a:schemeClr val="tx1"/>
+            </a:solidFill>
+            <a:tailEnd type="triangle"/>
+          </a:ln>
+        </p:spPr>
+        <p:style>
+          <a:lnRef idx="1">
+            <a:schemeClr val="accent1"/>
+          </a:lnRef>
+          <a:fillRef idx="0">
+            <a:schemeClr val="accent1"/>
+          </a:fillRef>
+          <a:effectRef idx="0">
+            <a:schemeClr val="accent1"/>
+          </a:effectRef>
+          <a:fontRef idx="minor">
+            <a:schemeClr val="tx1"/>
+          </a:fontRef>
+        </p:style>
+      </p:cxnSp>
+      <p:sp>
+        <p:nvSpPr>
+          <p:cNvPr id="99" name="Rectangle 98">
+            <a:extLst>
+              <a:ext uri="{FF2B5EF4-FFF2-40B4-BE49-F238E27FC236}">
+                <a16:creationId xmlns:a16="http://schemas.microsoft.com/office/drawing/2014/main" id="{E43AFCB6-56B4-4F6D-8EFC-AF352F4D3C21}"/>
+              </a:ext>
+            </a:extLst>
+          </p:cNvPr>
+          <p:cNvSpPr/>
+          <p:nvPr/>
+        </p:nvSpPr>
+        <p:spPr>
+          <a:xfrm>
+            <a:off x="13651092" y="14939371"/>
+            <a:ext cx="1892300" cy="1755796"/>
+          </a:xfrm>
+          <a:prstGeom prst="rect">
+            <a:avLst/>
+          </a:prstGeom>
+          <a:solidFill>
+            <a:srgbClr val="00B0F0"/>
+          </a:solidFill>
+          <a:ln>
+            <a:solidFill>
+              <a:srgbClr val="00B0F0"/>
+            </a:solidFill>
+          </a:ln>
+        </p:spPr>
+        <p:style>
+          <a:lnRef idx="2">
+            <a:schemeClr val="accent4">
+              <a:shade val="50000"/>
+            </a:schemeClr>
+          </a:lnRef>
+          <a:fillRef idx="1">
+            <a:schemeClr val="accent4"/>
+          </a:fillRef>
+          <a:effectRef idx="0">
+            <a:schemeClr val="accent4"/>
+          </a:effectRef>
+          <a:fontRef idx="minor">
+            <a:schemeClr val="lt1"/>
+          </a:fontRef>
+        </p:style>
+        <p:txBody>
+          <a:bodyPr rtlCol="0" anchor="ctr"/>
+          <a:lstStyle/>
+          <a:p>
+            <a:pPr algn="ctr"/>
+            <a:r>
+              <a:rPr lang="en-GB" sz="2500" dirty="0" err="1">
+                <a:ln w="0"/>
+                <a:solidFill>
+                  <a:schemeClr val="tx1"/>
+                </a:solidFill>
+                <a:effectLst>
+                  <a:outerShdw blurRad="38100" dist="19050" dir="2700000" algn="tl" rotWithShape="0">
+                    <a:schemeClr val="dk1">
+                      <a:alpha val="40000"/>
+                    </a:schemeClr>
+                  </a:outerShdw>
+                </a:effectLst>
+              </a:rPr>
+              <a:t>Wifi</a:t>
+            </a:r>
+            <a:endParaRPr lang="en-GB" sz="2500" dirty="0">
+              <a:ln w="0"/>
+              <a:solidFill>
+                <a:schemeClr val="tx1"/>
+              </a:solidFill>
+              <a:effectLst>
+                <a:outerShdw blurRad="38100" dist="19050" dir="2700000" algn="tl" rotWithShape="0">
+                  <a:schemeClr val="dk1">
+                    <a:alpha val="40000"/>
+                  </a:schemeClr>
+                </a:outerShdw>
+              </a:effectLst>
+            </a:endParaRPr>
+          </a:p>
+          <a:p>
+            <a:pPr algn="ctr"/>
+            <a:r>
+              <a:rPr lang="en-GB" sz="2500" dirty="0">
+                <a:ln w="0"/>
+                <a:solidFill>
+                  <a:schemeClr val="tx1"/>
+                </a:solidFill>
+                <a:effectLst>
+                  <a:outerShdw blurRad="38100" dist="19050" dir="2700000" algn="tl" rotWithShape="0">
+                    <a:schemeClr val="dk1">
+                      <a:alpha val="40000"/>
+                    </a:schemeClr>
+                  </a:outerShdw>
+                </a:effectLst>
+              </a:rPr>
+              <a:t>Module</a:t>
+            </a:r>
+          </a:p>
+        </p:txBody>
+      </p:sp>
+      <p:cxnSp>
+        <p:nvCxnSpPr>
+          <p:cNvPr id="100" name="Straight Arrow Connector 99">
+            <a:extLst>
+              <a:ext uri="{FF2B5EF4-FFF2-40B4-BE49-F238E27FC236}">
+                <a16:creationId xmlns:a16="http://schemas.microsoft.com/office/drawing/2014/main" id="{FE02AF19-A674-415B-8808-94F799D628B3}"/>
+              </a:ext>
+            </a:extLst>
+          </p:cNvPr>
+          <p:cNvCxnSpPr>
+            <a:cxnSpLocks/>
+          </p:cNvCxnSpPr>
+          <p:nvPr/>
+        </p:nvCxnSpPr>
+        <p:spPr>
+          <a:xfrm flipH="1">
+            <a:off x="11837628" y="16000244"/>
+            <a:ext cx="1813464" cy="8637"/>
+          </a:xfrm>
+          <a:prstGeom prst="straightConnector1">
+            <a:avLst/>
+          </a:prstGeom>
+          <a:ln w="76200">
+            <a:solidFill>
+              <a:schemeClr val="tx1"/>
+            </a:solidFill>
+            <a:tailEnd type="triangle"/>
+          </a:ln>
+        </p:spPr>
+        <p:style>
+          <a:lnRef idx="1">
+            <a:schemeClr val="accent1"/>
+          </a:lnRef>
+          <a:fillRef idx="0">
+            <a:schemeClr val="accent1"/>
+          </a:fillRef>
+          <a:effectRef idx="0">
+            <a:schemeClr val="accent1"/>
+          </a:effectRef>
+          <a:fontRef idx="minor">
+            <a:schemeClr val="tx1"/>
+          </a:fontRef>
+        </p:style>
+      </p:cxnSp>
+      <p:cxnSp>
+        <p:nvCxnSpPr>
+          <p:cNvPr id="103" name="Straight Arrow Connector 102">
+            <a:extLst>
+              <a:ext uri="{FF2B5EF4-FFF2-40B4-BE49-F238E27FC236}">
+                <a16:creationId xmlns:a16="http://schemas.microsoft.com/office/drawing/2014/main" id="{D65F41BB-188A-4212-9F5B-96FFCA3D200A}"/>
+              </a:ext>
+            </a:extLst>
+          </p:cNvPr>
+          <p:cNvCxnSpPr>
+            <a:cxnSpLocks/>
+          </p:cNvCxnSpPr>
+          <p:nvPr/>
+        </p:nvCxnSpPr>
+        <p:spPr>
+          <a:xfrm>
+            <a:off x="11855644" y="15439940"/>
+            <a:ext cx="1795448" cy="0"/>
+          </a:xfrm>
+          <a:prstGeom prst="straightConnector1">
+            <a:avLst/>
+          </a:prstGeom>
+          <a:ln w="76200">
+            <a:solidFill>
+              <a:schemeClr val="tx1"/>
+            </a:solidFill>
+            <a:tailEnd type="triangle"/>
+          </a:ln>
+        </p:spPr>
+        <p:style>
+          <a:lnRef idx="1">
+            <a:schemeClr val="accent1"/>
+          </a:lnRef>
+          <a:fillRef idx="0">
+            <a:schemeClr val="accent1"/>
+          </a:fillRef>
+          <a:effectRef idx="0">
+            <a:schemeClr val="accent1"/>
+          </a:effectRef>
+          <a:fontRef idx="minor">
+            <a:schemeClr val="tx1"/>
+          </a:fontRef>
+        </p:style>
+      </p:cxnSp>
+      <p:cxnSp>
+        <p:nvCxnSpPr>
+          <p:cNvPr id="127" name="Straight Arrow Connector 126">
+            <a:extLst>
+              <a:ext uri="{FF2B5EF4-FFF2-40B4-BE49-F238E27FC236}">
+                <a16:creationId xmlns:a16="http://schemas.microsoft.com/office/drawing/2014/main" id="{180735A6-F10D-4FAE-BB64-64334452BE85}"/>
+              </a:ext>
+            </a:extLst>
+          </p:cNvPr>
+          <p:cNvCxnSpPr>
+            <a:cxnSpLocks/>
+          </p:cNvCxnSpPr>
+          <p:nvPr/>
+        </p:nvCxnSpPr>
+        <p:spPr>
+          <a:xfrm flipH="1">
+            <a:off x="4667961" y="15838905"/>
+            <a:ext cx="1736820" cy="0"/>
+          </a:xfrm>
+          <a:prstGeom prst="straightConnector1">
+            <a:avLst/>
+          </a:prstGeom>
+          <a:ln w="76200">
+            <a:solidFill>
+              <a:schemeClr val="tx1"/>
+            </a:solidFill>
+            <a:tailEnd type="triangle"/>
+          </a:ln>
+        </p:spPr>
+        <p:style>
+          <a:lnRef idx="1">
+            <a:schemeClr val="accent1"/>
+          </a:lnRef>
+          <a:fillRef idx="0">
+            <a:schemeClr val="accent1"/>
+          </a:fillRef>
+          <a:effectRef idx="0">
+            <a:schemeClr val="accent1"/>
+          </a:effectRef>
+          <a:fontRef idx="minor">
+            <a:schemeClr val="tx1"/>
+          </a:fontRef>
+        </p:style>
+      </p:cxnSp>
+      <p:cxnSp>
+        <p:nvCxnSpPr>
+          <p:cNvPr id="128" name="Straight Arrow Connector 127">
+            <a:extLst>
+              <a:ext uri="{FF2B5EF4-FFF2-40B4-BE49-F238E27FC236}">
+                <a16:creationId xmlns:a16="http://schemas.microsoft.com/office/drawing/2014/main" id="{8282A11D-2D76-4A93-805D-E54F289EFEA9}"/>
+              </a:ext>
+            </a:extLst>
+          </p:cNvPr>
+          <p:cNvCxnSpPr>
+            <a:cxnSpLocks/>
+          </p:cNvCxnSpPr>
+          <p:nvPr/>
+        </p:nvCxnSpPr>
+        <p:spPr>
+          <a:xfrm>
+            <a:off x="4667959" y="15270480"/>
+            <a:ext cx="1736822" cy="0"/>
+          </a:xfrm>
+          <a:prstGeom prst="straightConnector1">
+            <a:avLst/>
+          </a:prstGeom>
+          <a:ln w="76200">
+            <a:solidFill>
+              <a:schemeClr val="tx1"/>
+            </a:solidFill>
+            <a:tailEnd type="triangle"/>
+          </a:ln>
+        </p:spPr>
+        <p:style>
+          <a:lnRef idx="1">
+            <a:schemeClr val="accent1"/>
+          </a:lnRef>
+          <a:fillRef idx="0">
+            <a:schemeClr val="accent1"/>
+          </a:fillRef>
+          <a:effectRef idx="0">
+            <a:schemeClr val="accent1"/>
+          </a:effectRef>
+          <a:fontRef idx="minor">
+            <a:schemeClr val="tx1"/>
+          </a:fontRef>
+        </p:style>
+      </p:cxnSp>
+      <p:grpSp>
+        <p:nvGrpSpPr>
+          <p:cNvPr id="141" name="Group 140">
+            <a:extLst>
+              <a:ext uri="{FF2B5EF4-FFF2-40B4-BE49-F238E27FC236}">
+                <a16:creationId xmlns:a16="http://schemas.microsoft.com/office/drawing/2014/main" id="{74308C95-D85F-4C2F-9F6B-BBA11FE51CBD}"/>
+              </a:ext>
+            </a:extLst>
+          </p:cNvPr>
+          <p:cNvGrpSpPr/>
+          <p:nvPr/>
+        </p:nvGrpSpPr>
+        <p:grpSpPr>
+          <a:xfrm>
+            <a:off x="27197956" y="9991870"/>
+            <a:ext cx="4044574" cy="4934841"/>
+            <a:chOff x="26062134" y="14988903"/>
+            <a:chExt cx="4044574" cy="4934841"/>
+          </a:xfrm>
+        </p:grpSpPr>
+        <p:sp>
+          <p:nvSpPr>
+            <p:cNvPr id="8" name="Rectangle 7">
+              <a:extLst>
+                <a:ext uri="{FF2B5EF4-FFF2-40B4-BE49-F238E27FC236}">
+                  <a16:creationId xmlns:a16="http://schemas.microsoft.com/office/drawing/2014/main" id="{6AE8DFA6-A523-4429-9585-4EE8FEB56DB8}"/>
+                </a:ext>
+              </a:extLst>
+            </p:cNvPr>
+            <p:cNvSpPr/>
+            <p:nvPr/>
+          </p:nvSpPr>
+          <p:spPr>
+            <a:xfrm>
+              <a:off x="26062134" y="14988903"/>
+              <a:ext cx="4044574" cy="4934841"/>
+            </a:xfrm>
+            <a:prstGeom prst="rect">
+              <a:avLst/>
+            </a:prstGeom>
+          </p:spPr>
+          <p:style>
+            <a:lnRef idx="2">
+              <a:schemeClr val="accent1">
+                <a:shade val="50000"/>
+              </a:schemeClr>
+            </a:lnRef>
+            <a:fillRef idx="1">
+              <a:schemeClr val="accent1"/>
+            </a:fillRef>
+            <a:effectRef idx="0">
+              <a:schemeClr val="accent1"/>
+            </a:effectRef>
+            <a:fontRef idx="minor">
+              <a:schemeClr val="lt1"/>
+            </a:fontRef>
+          </p:style>
+          <p:txBody>
+            <a:bodyPr rtlCol="0" anchor="t"/>
+            <a:lstStyle/>
+            <a:p>
+              <a:pPr algn="ctr"/>
+              <a:r>
+                <a:rPr lang="en-GB" sz="4000" dirty="0">
+                  <a:solidFill>
+                    <a:schemeClr val="bg1"/>
+                  </a:solidFill>
+                </a:rPr>
+                <a:t>Personal Computer</a:t>
+              </a:r>
+            </a:p>
+          </p:txBody>
+        </p:sp>
+        <p:sp>
+          <p:nvSpPr>
+            <p:cNvPr id="140" name="Rectangle 139">
+              <a:extLst>
+                <a:ext uri="{FF2B5EF4-FFF2-40B4-BE49-F238E27FC236}">
+                  <a16:creationId xmlns:a16="http://schemas.microsoft.com/office/drawing/2014/main" id="{4CD9F8D1-D7AC-4DEE-B7F3-FC9E6069ABC8}"/>
+                </a:ext>
+              </a:extLst>
+            </p:cNvPr>
+            <p:cNvSpPr/>
+            <p:nvPr/>
+          </p:nvSpPr>
+          <p:spPr>
+            <a:xfrm>
+              <a:off x="26581177" y="16652048"/>
+              <a:ext cx="3006487" cy="1094180"/>
+            </a:xfrm>
+            <a:prstGeom prst="rect">
+              <a:avLst/>
+            </a:prstGeom>
+          </p:spPr>
+          <p:style>
+            <a:lnRef idx="2">
+              <a:schemeClr val="accent4">
+                <a:shade val="50000"/>
+              </a:schemeClr>
+            </a:lnRef>
+            <a:fillRef idx="1">
+              <a:schemeClr val="accent4"/>
+            </a:fillRef>
+            <a:effectRef idx="0">
+              <a:schemeClr val="accent4"/>
+            </a:effectRef>
+            <a:fontRef idx="minor">
+              <a:schemeClr val="lt1"/>
+            </a:fontRef>
+          </p:style>
+          <p:txBody>
+            <a:bodyPr rtlCol="0" anchor="ctr"/>
+            <a:lstStyle/>
+            <a:p>
+              <a:pPr algn="ctr"/>
+              <a:r>
+                <a:rPr lang="en-GB" sz="2500" dirty="0">
+                  <a:ln w="0"/>
+                  <a:solidFill>
+                    <a:schemeClr val="tx1"/>
+                  </a:solidFill>
+                  <a:effectLst>
+                    <a:outerShdw blurRad="38100" dist="19050" dir="2700000" algn="tl" rotWithShape="0">
+                      <a:schemeClr val="dk1">
+                        <a:alpha val="40000"/>
+                      </a:schemeClr>
+                    </a:outerShdw>
+                  </a:effectLst>
+                </a:rPr>
+                <a:t>Desktop Application</a:t>
+              </a:r>
+            </a:p>
+          </p:txBody>
+        </p:sp>
+      </p:grpSp>
+      <p:sp>
+        <p:nvSpPr>
+          <p:cNvPr id="162" name="Rectangle 161">
+            <a:extLst>
+              <a:ext uri="{FF2B5EF4-FFF2-40B4-BE49-F238E27FC236}">
+                <a16:creationId xmlns:a16="http://schemas.microsoft.com/office/drawing/2014/main" id="{475A51D1-C9F4-4A5C-9F57-5B996A3BBF54}"/>
+              </a:ext>
+            </a:extLst>
+          </p:cNvPr>
+          <p:cNvSpPr/>
+          <p:nvPr/>
+        </p:nvSpPr>
+        <p:spPr>
+          <a:xfrm>
+            <a:off x="27716999" y="13461464"/>
+            <a:ext cx="3006487" cy="1060380"/>
+          </a:xfrm>
+          <a:prstGeom prst="rect">
+            <a:avLst/>
+          </a:prstGeom>
+          <a:solidFill>
+            <a:srgbClr val="00B0F0"/>
+          </a:solidFill>
+          <a:ln>
+            <a:solidFill>
+              <a:srgbClr val="00B0F0"/>
+            </a:solidFill>
+          </a:ln>
+        </p:spPr>
+        <p:style>
+          <a:lnRef idx="2">
+            <a:schemeClr val="accent4">
+              <a:shade val="50000"/>
+            </a:schemeClr>
+          </a:lnRef>
+          <a:fillRef idx="1">
+            <a:schemeClr val="accent4"/>
+          </a:fillRef>
+          <a:effectRef idx="0">
+            <a:schemeClr val="accent4"/>
+          </a:effectRef>
+          <a:fontRef idx="minor">
+            <a:schemeClr val="lt1"/>
+          </a:fontRef>
+        </p:style>
+        <p:txBody>
+          <a:bodyPr rtlCol="0" anchor="ctr"/>
+          <a:lstStyle/>
+          <a:p>
+            <a:pPr algn="ctr"/>
+            <a:r>
+              <a:rPr lang="en-GB" sz="2500" dirty="0" err="1">
+                <a:ln w="0"/>
+                <a:solidFill>
+                  <a:schemeClr val="tx1"/>
+                </a:solidFill>
+                <a:effectLst>
+                  <a:outerShdw blurRad="38100" dist="19050" dir="2700000" algn="tl" rotWithShape="0">
+                    <a:schemeClr val="dk1">
+                      <a:alpha val="40000"/>
+                    </a:schemeClr>
+                  </a:outerShdw>
+                </a:effectLst>
+              </a:rPr>
+              <a:t>Wifi</a:t>
+            </a:r>
+            <a:endParaRPr lang="en-GB" sz="2500" dirty="0">
+              <a:ln w="0"/>
+              <a:solidFill>
+                <a:schemeClr val="tx1"/>
+              </a:solidFill>
+              <a:effectLst>
+                <a:outerShdw blurRad="38100" dist="19050" dir="2700000" algn="tl" rotWithShape="0">
+                  <a:schemeClr val="dk1">
+                    <a:alpha val="40000"/>
+                  </a:schemeClr>
+                </a:outerShdw>
+              </a:effectLst>
+            </a:endParaRPr>
+          </a:p>
+          <a:p>
+            <a:pPr algn="ctr"/>
+            <a:r>
+              <a:rPr lang="en-GB" sz="2500" dirty="0">
+                <a:ln w="0"/>
+                <a:solidFill>
+                  <a:schemeClr val="tx1"/>
+                </a:solidFill>
+                <a:effectLst>
+                  <a:outerShdw blurRad="38100" dist="19050" dir="2700000" algn="tl" rotWithShape="0">
+                    <a:schemeClr val="dk1">
+                      <a:alpha val="40000"/>
+                    </a:schemeClr>
+                  </a:outerShdw>
+                </a:effectLst>
+              </a:rPr>
+              <a:t>Module</a:t>
+            </a:r>
+          </a:p>
+        </p:txBody>
+      </p:sp>
+      <p:grpSp>
+        <p:nvGrpSpPr>
+          <p:cNvPr id="170" name="Group 169">
+            <a:extLst>
+              <a:ext uri="{FF2B5EF4-FFF2-40B4-BE49-F238E27FC236}">
+                <a16:creationId xmlns:a16="http://schemas.microsoft.com/office/drawing/2014/main" id="{730DD5E0-56C1-4D3A-B1E1-B61732AE498A}"/>
+              </a:ext>
+            </a:extLst>
+          </p:cNvPr>
+          <p:cNvGrpSpPr/>
+          <p:nvPr/>
+        </p:nvGrpSpPr>
+        <p:grpSpPr>
+          <a:xfrm>
+            <a:off x="22494680" y="8647438"/>
+            <a:ext cx="3644184" cy="6289626"/>
+            <a:chOff x="30106708" y="8768862"/>
+            <a:chExt cx="3644184" cy="6289626"/>
+          </a:xfrm>
+        </p:grpSpPr>
+        <p:sp>
+          <p:nvSpPr>
+            <p:cNvPr id="6" name="Rectangle 5">
+              <a:extLst>
+                <a:ext uri="{FF2B5EF4-FFF2-40B4-BE49-F238E27FC236}">
+                  <a16:creationId xmlns:a16="http://schemas.microsoft.com/office/drawing/2014/main" id="{C599A73D-2878-4099-994D-C1265D7414DC}"/>
+                </a:ext>
+              </a:extLst>
+            </p:cNvPr>
+            <p:cNvSpPr/>
+            <p:nvPr/>
+          </p:nvSpPr>
+          <p:spPr>
+            <a:xfrm>
+              <a:off x="30106708" y="8768862"/>
+              <a:ext cx="3644184" cy="6289626"/>
+            </a:xfrm>
+            <a:prstGeom prst="rect">
+              <a:avLst/>
+            </a:prstGeom>
+          </p:spPr>
+          <p:style>
+            <a:lnRef idx="2">
+              <a:schemeClr val="accent1">
+                <a:shade val="50000"/>
+              </a:schemeClr>
+            </a:lnRef>
+            <a:fillRef idx="1">
+              <a:schemeClr val="accent1"/>
+            </a:fillRef>
+            <a:effectRef idx="0">
+              <a:schemeClr val="accent1"/>
+            </a:effectRef>
+            <a:fontRef idx="minor">
+              <a:schemeClr val="lt1"/>
+            </a:fontRef>
+          </p:style>
+          <p:txBody>
+            <a:bodyPr rtlCol="0" anchor="t"/>
+            <a:lstStyle/>
+            <a:p>
+              <a:pPr algn="ctr"/>
+              <a:r>
+                <a:rPr lang="en-GB" sz="4000" dirty="0">
+                  <a:solidFill>
+                    <a:schemeClr val="bg1"/>
+                  </a:solidFill>
+                </a:rPr>
+                <a:t>Server</a:t>
+              </a:r>
+            </a:p>
+          </p:txBody>
+        </p:sp>
+        <p:sp>
+          <p:nvSpPr>
+            <p:cNvPr id="14" name="Rectangle 13">
+              <a:extLst>
+                <a:ext uri="{FF2B5EF4-FFF2-40B4-BE49-F238E27FC236}">
+                  <a16:creationId xmlns:a16="http://schemas.microsoft.com/office/drawing/2014/main" id="{D9676608-2F9E-479A-8B8D-1A001749D1E9}"/>
+                </a:ext>
+              </a:extLst>
+            </p:cNvPr>
+            <p:cNvSpPr/>
+            <p:nvPr/>
+          </p:nvSpPr>
+          <p:spPr>
+            <a:xfrm>
+              <a:off x="30495240" y="11776439"/>
+              <a:ext cx="3002279" cy="1094180"/>
+            </a:xfrm>
+            <a:prstGeom prst="rect">
+              <a:avLst/>
+            </a:prstGeom>
+          </p:spPr>
+          <p:style>
+            <a:lnRef idx="2">
+              <a:schemeClr val="accent4">
+                <a:shade val="50000"/>
+              </a:schemeClr>
+            </a:lnRef>
+            <a:fillRef idx="1">
+              <a:schemeClr val="accent4"/>
+            </a:fillRef>
+            <a:effectRef idx="0">
+              <a:schemeClr val="accent4"/>
+            </a:effectRef>
+            <a:fontRef idx="minor">
+              <a:schemeClr val="lt1"/>
+            </a:fontRef>
+          </p:style>
+          <p:txBody>
+            <a:bodyPr rtlCol="0" anchor="ctr"/>
+            <a:lstStyle/>
+            <a:p>
+              <a:pPr algn="ctr"/>
+              <a:r>
+                <a:rPr lang="en-GB" sz="2500" dirty="0">
+                  <a:ln w="0"/>
+                  <a:solidFill>
+                    <a:schemeClr val="tx1"/>
+                  </a:solidFill>
+                  <a:effectLst>
+                    <a:outerShdw blurRad="38100" dist="19050" dir="2700000" algn="tl" rotWithShape="0">
+                      <a:schemeClr val="dk1">
+                        <a:alpha val="40000"/>
+                      </a:schemeClr>
+                    </a:outerShdw>
+                  </a:effectLst>
+                </a:rPr>
+                <a:t>Long-Term Data Storage</a:t>
+              </a:r>
+            </a:p>
+          </p:txBody>
+        </p:sp>
+        <p:sp>
+          <p:nvSpPr>
+            <p:cNvPr id="143" name="Rectangle 142">
+              <a:extLst>
+                <a:ext uri="{FF2B5EF4-FFF2-40B4-BE49-F238E27FC236}">
+                  <a16:creationId xmlns:a16="http://schemas.microsoft.com/office/drawing/2014/main" id="{399F6369-68E5-436A-BD8E-EE33E9364BA6}"/>
+                </a:ext>
+              </a:extLst>
+            </p:cNvPr>
+            <p:cNvSpPr/>
+            <p:nvPr/>
+          </p:nvSpPr>
+          <p:spPr>
+            <a:xfrm>
+              <a:off x="30495240" y="9687505"/>
+              <a:ext cx="3002279" cy="1237746"/>
+            </a:xfrm>
+            <a:prstGeom prst="rect">
+              <a:avLst/>
+            </a:prstGeom>
+          </p:spPr>
+          <p:style>
+            <a:lnRef idx="2">
+              <a:schemeClr val="accent4">
+                <a:shade val="50000"/>
+              </a:schemeClr>
+            </a:lnRef>
+            <a:fillRef idx="1">
+              <a:schemeClr val="accent4"/>
+            </a:fillRef>
+            <a:effectRef idx="0">
+              <a:schemeClr val="accent4"/>
+            </a:effectRef>
+            <a:fontRef idx="minor">
+              <a:schemeClr val="lt1"/>
+            </a:fontRef>
+          </p:style>
+          <p:txBody>
+            <a:bodyPr rtlCol="0" anchor="ctr"/>
+            <a:lstStyle/>
+            <a:p>
+              <a:pPr algn="ctr"/>
+              <a:r>
+                <a:rPr lang="en-GB" sz="2500" dirty="0">
+                  <a:ln w="0"/>
+                  <a:solidFill>
+                    <a:schemeClr val="tx1"/>
+                  </a:solidFill>
+                  <a:effectLst>
+                    <a:outerShdw blurRad="38100" dist="19050" dir="2700000" algn="tl" rotWithShape="0">
+                      <a:schemeClr val="dk1">
+                        <a:alpha val="40000"/>
+                      </a:schemeClr>
+                    </a:outerShdw>
+                  </a:effectLst>
+                </a:rPr>
+                <a:t>Machine Learning Algorithm</a:t>
+              </a:r>
+            </a:p>
+          </p:txBody>
+        </p:sp>
+        <p:cxnSp>
+          <p:nvCxnSpPr>
+            <p:cNvPr id="144" name="Straight Arrow Connector 143">
+              <a:extLst>
+                <a:ext uri="{FF2B5EF4-FFF2-40B4-BE49-F238E27FC236}">
+                  <a16:creationId xmlns:a16="http://schemas.microsoft.com/office/drawing/2014/main" id="{606BB79B-7957-4A95-A1AB-EB81E67C1B09}"/>
+                </a:ext>
+              </a:extLst>
+            </p:cNvPr>
+            <p:cNvCxnSpPr>
+              <a:cxnSpLocks/>
+            </p:cNvCxnSpPr>
+            <p:nvPr/>
+          </p:nvCxnSpPr>
+          <p:spPr>
+            <a:xfrm>
+              <a:off x="32717474" y="10913961"/>
+              <a:ext cx="0" cy="852318"/>
+            </a:xfrm>
+            <a:prstGeom prst="straightConnector1">
+              <a:avLst/>
+            </a:prstGeom>
+            <a:ln w="76200">
+              <a:solidFill>
+                <a:schemeClr val="tx1"/>
+              </a:solidFill>
+              <a:tailEnd type="triangle"/>
+            </a:ln>
+          </p:spPr>
+          <p:style>
+            <a:lnRef idx="1">
+              <a:schemeClr val="accent1"/>
+            </a:lnRef>
+            <a:fillRef idx="0">
+              <a:schemeClr val="accent1"/>
+            </a:fillRef>
+            <a:effectRef idx="0">
+              <a:schemeClr val="accent1"/>
+            </a:effectRef>
+            <a:fontRef idx="minor">
+              <a:schemeClr val="tx1"/>
+            </a:fontRef>
+          </p:style>
+        </p:cxnSp>
+        <p:cxnSp>
+          <p:nvCxnSpPr>
+            <p:cNvPr id="145" name="Straight Arrow Connector 144">
+              <a:extLst>
+                <a:ext uri="{FF2B5EF4-FFF2-40B4-BE49-F238E27FC236}">
+                  <a16:creationId xmlns:a16="http://schemas.microsoft.com/office/drawing/2014/main" id="{FC87E194-BE8B-41EF-9EC8-EC6E75C187F7}"/>
+                </a:ext>
+              </a:extLst>
+            </p:cNvPr>
+            <p:cNvCxnSpPr>
+              <a:cxnSpLocks/>
+            </p:cNvCxnSpPr>
+            <p:nvPr/>
+          </p:nvCxnSpPr>
+          <p:spPr>
+            <a:xfrm flipV="1">
+              <a:off x="31165800" y="10913961"/>
+              <a:ext cx="0" cy="852318"/>
+            </a:xfrm>
+            <a:prstGeom prst="straightConnector1">
+              <a:avLst/>
+            </a:prstGeom>
+            <a:ln w="76200">
+              <a:solidFill>
+                <a:schemeClr val="tx1"/>
+              </a:solidFill>
+              <a:tailEnd type="triangle"/>
+            </a:ln>
+          </p:spPr>
+          <p:style>
+            <a:lnRef idx="1">
+              <a:schemeClr val="accent1"/>
+            </a:lnRef>
+            <a:fillRef idx="0">
+              <a:schemeClr val="accent1"/>
+            </a:fillRef>
+            <a:effectRef idx="0">
+              <a:schemeClr val="accent1"/>
+            </a:effectRef>
+            <a:fontRef idx="minor">
+              <a:schemeClr val="tx1"/>
+            </a:fontRef>
+          </p:style>
+        </p:cxnSp>
+        <p:sp>
+          <p:nvSpPr>
+            <p:cNvPr id="158" name="Rectangle 157">
+              <a:extLst>
+                <a:ext uri="{FF2B5EF4-FFF2-40B4-BE49-F238E27FC236}">
+                  <a16:creationId xmlns:a16="http://schemas.microsoft.com/office/drawing/2014/main" id="{9D6A3E5E-3C63-47D3-AC0E-DABFB0AA3311}"/>
+                </a:ext>
+              </a:extLst>
+            </p:cNvPr>
+            <p:cNvSpPr/>
+            <p:nvPr/>
+          </p:nvSpPr>
+          <p:spPr>
+            <a:xfrm>
+              <a:off x="30495240" y="13549087"/>
+              <a:ext cx="3002279" cy="1094180"/>
+            </a:xfrm>
+            <a:prstGeom prst="rect">
+              <a:avLst/>
+            </a:prstGeom>
+            <a:solidFill>
+              <a:srgbClr val="00B0F0"/>
+            </a:solidFill>
+            <a:ln>
+              <a:solidFill>
+                <a:srgbClr val="00B0F0"/>
+              </a:solidFill>
+            </a:ln>
+          </p:spPr>
+          <p:style>
+            <a:lnRef idx="2">
+              <a:schemeClr val="accent4">
+                <a:shade val="50000"/>
+              </a:schemeClr>
+            </a:lnRef>
+            <a:fillRef idx="1">
+              <a:schemeClr val="accent4"/>
+            </a:fillRef>
+            <a:effectRef idx="0">
+              <a:schemeClr val="accent4"/>
+            </a:effectRef>
+            <a:fontRef idx="minor">
+              <a:schemeClr val="lt1"/>
+            </a:fontRef>
+          </p:style>
+          <p:txBody>
+            <a:bodyPr rtlCol="0" anchor="ctr"/>
+            <a:lstStyle/>
+            <a:p>
+              <a:pPr algn="ctr"/>
+              <a:r>
+                <a:rPr lang="en-GB" sz="2500" dirty="0" err="1">
+                  <a:ln w="0"/>
+                  <a:solidFill>
+                    <a:schemeClr val="tx1"/>
+                  </a:solidFill>
+                  <a:effectLst>
+                    <a:outerShdw blurRad="38100" dist="19050" dir="2700000" algn="tl" rotWithShape="0">
+                      <a:schemeClr val="dk1">
+                        <a:alpha val="40000"/>
+                      </a:schemeClr>
+                    </a:outerShdw>
+                  </a:effectLst>
+                </a:rPr>
+                <a:t>Wifi</a:t>
+              </a:r>
+              <a:endParaRPr lang="en-GB" sz="2500" dirty="0">
+                <a:ln w="0"/>
+                <a:solidFill>
+                  <a:schemeClr val="tx1"/>
+                </a:solidFill>
+                <a:effectLst>
+                  <a:outerShdw blurRad="38100" dist="19050" dir="2700000" algn="tl" rotWithShape="0">
+                    <a:schemeClr val="dk1">
+                      <a:alpha val="40000"/>
+                    </a:schemeClr>
+                  </a:outerShdw>
+                </a:effectLst>
+              </a:endParaRPr>
+            </a:p>
+            <a:p>
+              <a:pPr algn="ctr"/>
+              <a:r>
+                <a:rPr lang="en-GB" sz="2500" dirty="0">
+                  <a:ln w="0"/>
+                  <a:solidFill>
+                    <a:schemeClr val="tx1"/>
+                  </a:solidFill>
+                  <a:effectLst>
+                    <a:outerShdw blurRad="38100" dist="19050" dir="2700000" algn="tl" rotWithShape="0">
+                      <a:schemeClr val="dk1">
+                        <a:alpha val="40000"/>
+                      </a:schemeClr>
+                    </a:outerShdw>
+                  </a:effectLst>
+                </a:rPr>
+                <a:t>Module</a:t>
+              </a:r>
+            </a:p>
+          </p:txBody>
+        </p:sp>
+        <p:cxnSp>
+          <p:nvCxnSpPr>
+            <p:cNvPr id="166" name="Straight Arrow Connector 165">
+              <a:extLst>
+                <a:ext uri="{FF2B5EF4-FFF2-40B4-BE49-F238E27FC236}">
+                  <a16:creationId xmlns:a16="http://schemas.microsoft.com/office/drawing/2014/main" id="{AB68B66A-B96F-4FFC-88BC-85EAD677FDE5}"/>
+                </a:ext>
+              </a:extLst>
+            </p:cNvPr>
+            <p:cNvCxnSpPr>
+              <a:cxnSpLocks/>
+            </p:cNvCxnSpPr>
+            <p:nvPr/>
+          </p:nvCxnSpPr>
+          <p:spPr>
+            <a:xfrm>
+              <a:off x="32717474" y="12840335"/>
+              <a:ext cx="0" cy="708752"/>
+            </a:xfrm>
+            <a:prstGeom prst="straightConnector1">
+              <a:avLst/>
+            </a:prstGeom>
+            <a:ln w="76200">
+              <a:solidFill>
+                <a:schemeClr val="tx1"/>
+              </a:solidFill>
+              <a:tailEnd type="triangle"/>
+            </a:ln>
+          </p:spPr>
+          <p:style>
+            <a:lnRef idx="1">
+              <a:schemeClr val="accent1"/>
+            </a:lnRef>
+            <a:fillRef idx="0">
+              <a:schemeClr val="accent1"/>
+            </a:fillRef>
+            <a:effectRef idx="0">
+              <a:schemeClr val="accent1"/>
+            </a:effectRef>
+            <a:fontRef idx="minor">
+              <a:schemeClr val="tx1"/>
+            </a:fontRef>
+          </p:style>
+        </p:cxnSp>
+        <p:cxnSp>
+          <p:nvCxnSpPr>
+            <p:cNvPr id="167" name="Straight Arrow Connector 166">
+              <a:extLst>
+                <a:ext uri="{FF2B5EF4-FFF2-40B4-BE49-F238E27FC236}">
+                  <a16:creationId xmlns:a16="http://schemas.microsoft.com/office/drawing/2014/main" id="{150CEA4B-11C4-4A5B-8505-9D1D9F0D58C5}"/>
+                </a:ext>
+              </a:extLst>
+            </p:cNvPr>
+            <p:cNvCxnSpPr>
+              <a:cxnSpLocks/>
+            </p:cNvCxnSpPr>
+            <p:nvPr/>
+          </p:nvCxnSpPr>
+          <p:spPr>
+            <a:xfrm flipV="1">
+              <a:off x="31165800" y="12840335"/>
+              <a:ext cx="0" cy="708752"/>
+            </a:xfrm>
+            <a:prstGeom prst="straightConnector1">
+              <a:avLst/>
+            </a:prstGeom>
+            <a:ln w="76200">
+              <a:solidFill>
+                <a:schemeClr val="tx1"/>
+              </a:solidFill>
+              <a:tailEnd type="triangle"/>
+            </a:ln>
+          </p:spPr>
+          <p:style>
+            <a:lnRef idx="1">
+              <a:schemeClr val="accent1"/>
+            </a:lnRef>
+            <a:fillRef idx="0">
+              <a:schemeClr val="accent1"/>
+            </a:fillRef>
+            <a:effectRef idx="0">
+              <a:schemeClr val="accent1"/>
+            </a:effectRef>
+            <a:fontRef idx="minor">
+              <a:schemeClr val="tx1"/>
+            </a:fontRef>
+          </p:style>
+        </p:cxnSp>
+      </p:grpSp>
+      <p:grpSp>
+        <p:nvGrpSpPr>
+          <p:cNvPr id="173" name="Group 172">
+            <a:extLst>
+              <a:ext uri="{FF2B5EF4-FFF2-40B4-BE49-F238E27FC236}">
+                <a16:creationId xmlns:a16="http://schemas.microsoft.com/office/drawing/2014/main" id="{C4C1BC58-BCC1-472F-A1EA-5911728E6400}"/>
+              </a:ext>
+            </a:extLst>
+          </p:cNvPr>
+          <p:cNvGrpSpPr/>
+          <p:nvPr/>
+        </p:nvGrpSpPr>
+        <p:grpSpPr>
+          <a:xfrm>
+            <a:off x="17277663" y="10438253"/>
+            <a:ext cx="3908503" cy="4498811"/>
+            <a:chOff x="24413147" y="10501534"/>
+            <a:chExt cx="3908503" cy="4498811"/>
+          </a:xfrm>
+        </p:grpSpPr>
+        <p:grpSp>
+          <p:nvGrpSpPr>
+            <p:cNvPr id="106" name="Group 105">
+              <a:extLst>
+                <a:ext uri="{FF2B5EF4-FFF2-40B4-BE49-F238E27FC236}">
+                  <a16:creationId xmlns:a16="http://schemas.microsoft.com/office/drawing/2014/main" id="{27A2B7D5-A14A-49D6-BCEA-5352C00EBA98}"/>
+                </a:ext>
+              </a:extLst>
+            </p:cNvPr>
+            <p:cNvGrpSpPr/>
+            <p:nvPr/>
+          </p:nvGrpSpPr>
+          <p:grpSpPr>
+            <a:xfrm>
+              <a:off x="24413147" y="10501534"/>
+              <a:ext cx="3908503" cy="4498811"/>
+              <a:chOff x="25647839" y="16230084"/>
+              <a:chExt cx="3908503" cy="4498811"/>
+            </a:xfrm>
+          </p:grpSpPr>
+          <p:sp>
+            <p:nvSpPr>
+              <p:cNvPr id="10" name="Rectangle 9">
+                <a:extLst>
+                  <a:ext uri="{FF2B5EF4-FFF2-40B4-BE49-F238E27FC236}">
+                    <a16:creationId xmlns:a16="http://schemas.microsoft.com/office/drawing/2014/main" id="{FBD8178E-81A0-43D3-8071-9AEF7E41F648}"/>
+                  </a:ext>
+                </a:extLst>
+              </p:cNvPr>
+              <p:cNvSpPr/>
+              <p:nvPr/>
+            </p:nvSpPr>
+            <p:spPr>
+              <a:xfrm>
+                <a:off x="25647839" y="16230084"/>
+                <a:ext cx="3908503" cy="4498811"/>
+              </a:xfrm>
+              <a:prstGeom prst="rect">
+                <a:avLst/>
+              </a:prstGeom>
+            </p:spPr>
+            <p:style>
+              <a:lnRef idx="2">
+                <a:schemeClr val="accent1">
+                  <a:shade val="50000"/>
+                </a:schemeClr>
+              </a:lnRef>
+              <a:fillRef idx="1">
+                <a:schemeClr val="accent1"/>
+              </a:fillRef>
+              <a:effectRef idx="0">
+                <a:schemeClr val="accent1"/>
+              </a:effectRef>
+              <a:fontRef idx="minor">
+                <a:schemeClr val="lt1"/>
+              </a:fontRef>
+            </p:style>
+            <p:txBody>
+              <a:bodyPr rtlCol="0" anchor="t"/>
+              <a:lstStyle/>
+              <a:p>
+                <a:pPr algn="ctr"/>
+                <a:r>
+                  <a:rPr lang="en-GB" sz="4000" dirty="0">
+                    <a:solidFill>
+                      <a:schemeClr val="bg1"/>
+                    </a:solidFill>
+                  </a:rPr>
+                  <a:t>Mobile Device</a:t>
+                </a:r>
+              </a:p>
+            </p:txBody>
+          </p:sp>
+          <p:sp>
+            <p:nvSpPr>
+              <p:cNvPr id="12" name="Rectangle 11">
+                <a:extLst>
+                  <a:ext uri="{FF2B5EF4-FFF2-40B4-BE49-F238E27FC236}">
+                    <a16:creationId xmlns:a16="http://schemas.microsoft.com/office/drawing/2014/main" id="{694286CF-0763-460C-B825-5C9040B2C180}"/>
+                  </a:ext>
+                </a:extLst>
+              </p:cNvPr>
+              <p:cNvSpPr/>
+              <p:nvPr/>
+            </p:nvSpPr>
+            <p:spPr>
+              <a:xfrm>
+                <a:off x="26098846" y="17266920"/>
+                <a:ext cx="3006487" cy="1172175"/>
+              </a:xfrm>
+              <a:prstGeom prst="rect">
+                <a:avLst/>
+              </a:prstGeom>
+            </p:spPr>
+            <p:style>
+              <a:lnRef idx="2">
+                <a:schemeClr val="accent4">
+                  <a:shade val="50000"/>
+                </a:schemeClr>
+              </a:lnRef>
+              <a:fillRef idx="1">
+                <a:schemeClr val="accent4"/>
+              </a:fillRef>
+              <a:effectRef idx="0">
+                <a:schemeClr val="accent4"/>
+              </a:effectRef>
+              <a:fontRef idx="minor">
+                <a:schemeClr val="lt1"/>
+              </a:fontRef>
+            </p:style>
+            <p:txBody>
+              <a:bodyPr rtlCol="0" anchor="ctr"/>
+              <a:lstStyle/>
+              <a:p>
+                <a:pPr algn="ctr"/>
+                <a:r>
+                  <a:rPr lang="en-GB" sz="2500" dirty="0">
+                    <a:ln w="0"/>
+                    <a:solidFill>
+                      <a:schemeClr val="tx1"/>
+                    </a:solidFill>
+                    <a:effectLst>
+                      <a:outerShdw blurRad="38100" dist="19050" dir="2700000" algn="tl" rotWithShape="0">
+                        <a:schemeClr val="dk1">
+                          <a:alpha val="40000"/>
+                        </a:schemeClr>
+                      </a:outerShdw>
+                    </a:effectLst>
+                  </a:rPr>
+                  <a:t>Mobile Application</a:t>
+                </a:r>
+              </a:p>
+            </p:txBody>
+          </p:sp>
+        </p:grpSp>
+        <p:sp>
+          <p:nvSpPr>
+            <p:cNvPr id="160" name="Rectangle 159">
+              <a:extLst>
+                <a:ext uri="{FF2B5EF4-FFF2-40B4-BE49-F238E27FC236}">
+                  <a16:creationId xmlns:a16="http://schemas.microsoft.com/office/drawing/2014/main" id="{34B28360-2BA3-4184-9500-075813077E5D}"/>
+                </a:ext>
+              </a:extLst>
+            </p:cNvPr>
+            <p:cNvSpPr/>
+            <p:nvPr/>
+          </p:nvSpPr>
+          <p:spPr>
+            <a:xfrm>
+              <a:off x="24886526" y="13429457"/>
+              <a:ext cx="3006487" cy="1182944"/>
+            </a:xfrm>
+            <a:prstGeom prst="rect">
+              <a:avLst/>
+            </a:prstGeom>
+            <a:solidFill>
+              <a:srgbClr val="00B0F0"/>
+            </a:solidFill>
+            <a:ln>
+              <a:solidFill>
+                <a:srgbClr val="00B0F0"/>
+              </a:solidFill>
+            </a:ln>
+          </p:spPr>
+          <p:style>
+            <a:lnRef idx="2">
+              <a:schemeClr val="accent4">
+                <a:shade val="50000"/>
+              </a:schemeClr>
+            </a:lnRef>
+            <a:fillRef idx="1">
+              <a:schemeClr val="accent4"/>
+            </a:fillRef>
+            <a:effectRef idx="0">
+              <a:schemeClr val="accent4"/>
+            </a:effectRef>
+            <a:fontRef idx="minor">
+              <a:schemeClr val="lt1"/>
+            </a:fontRef>
+          </p:style>
+          <p:txBody>
+            <a:bodyPr rtlCol="0" anchor="ctr"/>
+            <a:lstStyle/>
+            <a:p>
+              <a:pPr algn="ctr"/>
+              <a:r>
+                <a:rPr lang="en-GB" sz="2500" dirty="0" err="1">
+                  <a:ln w="0"/>
+                  <a:solidFill>
+                    <a:schemeClr val="tx1"/>
+                  </a:solidFill>
+                  <a:effectLst>
+                    <a:outerShdw blurRad="38100" dist="19050" dir="2700000" algn="tl" rotWithShape="0">
+                      <a:schemeClr val="dk1">
+                        <a:alpha val="40000"/>
+                      </a:schemeClr>
+                    </a:outerShdw>
+                  </a:effectLst>
+                </a:rPr>
+                <a:t>Wifi</a:t>
+              </a:r>
+              <a:endParaRPr lang="en-GB" sz="2500" dirty="0">
+                <a:ln w="0"/>
+                <a:solidFill>
+                  <a:schemeClr val="tx1"/>
+                </a:solidFill>
+                <a:effectLst>
+                  <a:outerShdw blurRad="38100" dist="19050" dir="2700000" algn="tl" rotWithShape="0">
+                    <a:schemeClr val="dk1">
+                      <a:alpha val="40000"/>
+                    </a:schemeClr>
+                  </a:outerShdw>
+                </a:effectLst>
+              </a:endParaRPr>
+            </a:p>
+            <a:p>
+              <a:pPr algn="ctr"/>
+              <a:r>
+                <a:rPr lang="en-GB" sz="2500" dirty="0">
+                  <a:ln w="0"/>
+                  <a:solidFill>
+                    <a:schemeClr val="tx1"/>
+                  </a:solidFill>
+                  <a:effectLst>
+                    <a:outerShdw blurRad="38100" dist="19050" dir="2700000" algn="tl" rotWithShape="0">
+                      <a:schemeClr val="dk1">
+                        <a:alpha val="40000"/>
+                      </a:schemeClr>
+                    </a:outerShdw>
+                  </a:effectLst>
+                </a:rPr>
+                <a:t>Module</a:t>
+              </a:r>
+            </a:p>
+          </p:txBody>
+        </p:sp>
+      </p:grpSp>
+      <p:cxnSp>
+        <p:nvCxnSpPr>
+          <p:cNvPr id="175" name="Connector: Elbow 174">
+            <a:extLst>
+              <a:ext uri="{FF2B5EF4-FFF2-40B4-BE49-F238E27FC236}">
+                <a16:creationId xmlns:a16="http://schemas.microsoft.com/office/drawing/2014/main" id="{A11F55C9-7E86-4985-9C3D-4E571C514BFA}"/>
+              </a:ext>
+            </a:extLst>
+          </p:cNvPr>
+          <p:cNvCxnSpPr>
+            <a:cxnSpLocks/>
+          </p:cNvCxnSpPr>
+          <p:nvPr/>
+        </p:nvCxnSpPr>
+        <p:spPr>
+          <a:xfrm flipV="1">
+            <a:off x="15543391" y="14572778"/>
+            <a:ext cx="4481969" cy="1040553"/>
+          </a:xfrm>
+          <a:prstGeom prst="bentConnector3">
+            <a:avLst>
+              <a:gd name="adj1" fmla="val 100101"/>
+            </a:avLst>
+          </a:prstGeom>
+          <a:ln w="76200">
+            <a:solidFill>
+              <a:schemeClr val="tx1"/>
+            </a:solidFill>
+            <a:tailEnd type="triangle"/>
+          </a:ln>
+        </p:spPr>
+        <p:style>
+          <a:lnRef idx="1">
+            <a:schemeClr val="accent1"/>
+          </a:lnRef>
+          <a:fillRef idx="0">
+            <a:schemeClr val="accent1"/>
+          </a:fillRef>
+          <a:effectRef idx="0">
+            <a:schemeClr val="accent1"/>
+          </a:effectRef>
+          <a:fontRef idx="minor">
+            <a:schemeClr val="tx1"/>
+          </a:fontRef>
+        </p:style>
+      </p:cxnSp>
+      <p:cxnSp>
+        <p:nvCxnSpPr>
+          <p:cNvPr id="179" name="Connector: Elbow 178">
+            <a:extLst>
+              <a:ext uri="{FF2B5EF4-FFF2-40B4-BE49-F238E27FC236}">
+                <a16:creationId xmlns:a16="http://schemas.microsoft.com/office/drawing/2014/main" id="{CD313B8A-29CD-4E47-82D5-D0BD05DDBB30}"/>
+              </a:ext>
+            </a:extLst>
+          </p:cNvPr>
+          <p:cNvCxnSpPr>
+            <a:cxnSpLocks/>
+          </p:cNvCxnSpPr>
+          <p:nvPr/>
+        </p:nvCxnSpPr>
+        <p:spPr>
+          <a:xfrm flipV="1">
+            <a:off x="19254286" y="14547985"/>
+            <a:ext cx="4299486" cy="1065346"/>
+          </a:xfrm>
+          <a:prstGeom prst="bentConnector3">
+            <a:avLst>
+              <a:gd name="adj1" fmla="val 99270"/>
+            </a:avLst>
+          </a:prstGeom>
+          <a:ln w="76200">
+            <a:solidFill>
+              <a:schemeClr val="tx1"/>
+            </a:solidFill>
+            <a:tailEnd type="triangle"/>
+          </a:ln>
+        </p:spPr>
+        <p:style>
+          <a:lnRef idx="1">
+            <a:schemeClr val="accent1"/>
+          </a:lnRef>
+          <a:fillRef idx="0">
+            <a:schemeClr val="accent1"/>
+          </a:fillRef>
+          <a:effectRef idx="0">
+            <a:schemeClr val="accent1"/>
+          </a:effectRef>
+          <a:fontRef idx="minor">
+            <a:schemeClr val="tx1"/>
+          </a:fontRef>
+        </p:style>
+      </p:cxnSp>
+      <p:cxnSp>
+        <p:nvCxnSpPr>
+          <p:cNvPr id="192" name="Connector: Elbow 191">
+            <a:extLst>
+              <a:ext uri="{FF2B5EF4-FFF2-40B4-BE49-F238E27FC236}">
+                <a16:creationId xmlns:a16="http://schemas.microsoft.com/office/drawing/2014/main" id="{60E7F688-754E-4428-8F63-20A54498A06E}"/>
+              </a:ext>
+            </a:extLst>
+          </p:cNvPr>
+          <p:cNvCxnSpPr>
+            <a:cxnSpLocks/>
+          </p:cNvCxnSpPr>
+          <p:nvPr/>
+        </p:nvCxnSpPr>
+        <p:spPr>
+          <a:xfrm rot="10800000" flipV="1">
+            <a:off x="15543393" y="14572777"/>
+            <a:ext cx="9562055" cy="1414220"/>
+          </a:xfrm>
+          <a:prstGeom prst="bentConnector3">
+            <a:avLst>
+              <a:gd name="adj1" fmla="val 273"/>
+            </a:avLst>
+          </a:prstGeom>
+          <a:ln w="76200">
+            <a:solidFill>
+              <a:schemeClr val="tx1"/>
+            </a:solidFill>
+            <a:tailEnd type="triangle"/>
+          </a:ln>
+        </p:spPr>
+        <p:style>
+          <a:lnRef idx="1">
+            <a:schemeClr val="accent1"/>
+          </a:lnRef>
+          <a:fillRef idx="0">
+            <a:schemeClr val="accent1"/>
+          </a:fillRef>
+          <a:effectRef idx="0">
+            <a:schemeClr val="accent1"/>
+          </a:effectRef>
+          <a:fontRef idx="minor">
+            <a:schemeClr val="tx1"/>
+          </a:fontRef>
+        </p:style>
+      </p:cxnSp>
+      <p:cxnSp>
+        <p:nvCxnSpPr>
+          <p:cNvPr id="196" name="Connector: Elbow 195">
+            <a:extLst>
+              <a:ext uri="{FF2B5EF4-FFF2-40B4-BE49-F238E27FC236}">
+                <a16:creationId xmlns:a16="http://schemas.microsoft.com/office/drawing/2014/main" id="{9F359867-084C-4B4D-A64C-E8009DDF8240}"/>
+              </a:ext>
+            </a:extLst>
+          </p:cNvPr>
+          <p:cNvCxnSpPr>
+            <a:cxnSpLocks/>
+          </p:cNvCxnSpPr>
+          <p:nvPr/>
+        </p:nvCxnSpPr>
+        <p:spPr>
+          <a:xfrm flipV="1">
+            <a:off x="25105446" y="14521843"/>
+            <a:ext cx="3268871" cy="1465157"/>
+          </a:xfrm>
+          <a:prstGeom prst="bentConnector3">
+            <a:avLst>
+              <a:gd name="adj1" fmla="val 99885"/>
+            </a:avLst>
+          </a:prstGeom>
+          <a:ln w="76200">
+            <a:solidFill>
+              <a:schemeClr val="tx1"/>
+            </a:solidFill>
+            <a:tailEnd type="triangle"/>
+          </a:ln>
+        </p:spPr>
+        <p:style>
+          <a:lnRef idx="1">
+            <a:schemeClr val="accent1"/>
+          </a:lnRef>
+          <a:fillRef idx="0">
+            <a:schemeClr val="accent1"/>
+          </a:fillRef>
+          <a:effectRef idx="0">
+            <a:schemeClr val="accent1"/>
+          </a:effectRef>
+          <a:fontRef idx="minor">
+            <a:schemeClr val="tx1"/>
+          </a:fontRef>
+        </p:style>
+      </p:cxnSp>
+      <p:cxnSp>
+        <p:nvCxnSpPr>
+          <p:cNvPr id="202" name="Straight Arrow Connector 201">
+            <a:extLst>
+              <a:ext uri="{FF2B5EF4-FFF2-40B4-BE49-F238E27FC236}">
+                <a16:creationId xmlns:a16="http://schemas.microsoft.com/office/drawing/2014/main" id="{95E40ACF-4AFA-4BF1-BC28-4C58BB7B23DC}"/>
+              </a:ext>
+            </a:extLst>
+          </p:cNvPr>
+          <p:cNvCxnSpPr>
+            <a:cxnSpLocks/>
+          </p:cNvCxnSpPr>
+          <p:nvPr/>
+        </p:nvCxnSpPr>
+        <p:spPr>
+          <a:xfrm>
+            <a:off x="29936526" y="12718911"/>
+            <a:ext cx="0" cy="708752"/>
+          </a:xfrm>
+          <a:prstGeom prst="straightConnector1">
+            <a:avLst/>
+          </a:prstGeom>
+          <a:ln w="76200">
+            <a:solidFill>
+              <a:schemeClr val="tx1"/>
+            </a:solidFill>
+            <a:tailEnd type="triangle"/>
+          </a:ln>
+        </p:spPr>
+        <p:style>
+          <a:lnRef idx="1">
+            <a:schemeClr val="accent1"/>
+          </a:lnRef>
+          <a:fillRef idx="0">
+            <a:schemeClr val="accent1"/>
+          </a:fillRef>
+          <a:effectRef idx="0">
+            <a:schemeClr val="accent1"/>
+          </a:effectRef>
+          <a:fontRef idx="minor">
+            <a:schemeClr val="tx1"/>
+          </a:fontRef>
+        </p:style>
+      </p:cxnSp>
+      <p:cxnSp>
+        <p:nvCxnSpPr>
+          <p:cNvPr id="203" name="Straight Arrow Connector 202">
+            <a:extLst>
+              <a:ext uri="{FF2B5EF4-FFF2-40B4-BE49-F238E27FC236}">
+                <a16:creationId xmlns:a16="http://schemas.microsoft.com/office/drawing/2014/main" id="{8685B8A8-CD36-437F-9B00-E47A54D1F5EF}"/>
+              </a:ext>
+            </a:extLst>
+          </p:cNvPr>
+          <p:cNvCxnSpPr>
+            <a:cxnSpLocks/>
+          </p:cNvCxnSpPr>
+          <p:nvPr/>
+        </p:nvCxnSpPr>
+        <p:spPr>
+          <a:xfrm flipV="1">
+            <a:off x="28384852" y="12718911"/>
+            <a:ext cx="0" cy="708752"/>
+          </a:xfrm>
+          <a:prstGeom prst="straightConnector1">
+            <a:avLst/>
+          </a:prstGeom>
+          <a:ln w="76200">
+            <a:solidFill>
+              <a:schemeClr val="tx1"/>
+            </a:solidFill>
+            <a:tailEnd type="triangle"/>
+          </a:ln>
+        </p:spPr>
+        <p:style>
+          <a:lnRef idx="1">
+            <a:schemeClr val="accent1"/>
+          </a:lnRef>
+          <a:fillRef idx="0">
+            <a:schemeClr val="accent1"/>
+          </a:fillRef>
+          <a:effectRef idx="0">
+            <a:schemeClr val="accent1"/>
+          </a:effectRef>
+          <a:fontRef idx="minor">
+            <a:schemeClr val="tx1"/>
+          </a:fontRef>
+        </p:style>
+      </p:cxnSp>
+      <p:cxnSp>
+        <p:nvCxnSpPr>
+          <p:cNvPr id="209" name="Connector: Elbow 208">
+            <a:extLst>
+              <a:ext uri="{FF2B5EF4-FFF2-40B4-BE49-F238E27FC236}">
+                <a16:creationId xmlns:a16="http://schemas.microsoft.com/office/drawing/2014/main" id="{ADF58809-EA33-43B5-A81E-9C5D826EBB76}"/>
+              </a:ext>
+            </a:extLst>
+          </p:cNvPr>
+          <p:cNvCxnSpPr>
+            <a:cxnSpLocks/>
+          </p:cNvCxnSpPr>
+          <p:nvPr/>
+        </p:nvCxnSpPr>
+        <p:spPr>
+          <a:xfrm rot="10800000" flipV="1">
+            <a:off x="15543392" y="14600054"/>
+            <a:ext cx="2775088" cy="667978"/>
+          </a:xfrm>
+          <a:prstGeom prst="bentConnector3">
+            <a:avLst>
+              <a:gd name="adj1" fmla="val 25"/>
+            </a:avLst>
+          </a:prstGeom>
+          <a:ln w="76200">
+            <a:solidFill>
+              <a:schemeClr val="tx1"/>
+            </a:solidFill>
+            <a:tailEnd type="triangle"/>
+          </a:ln>
+        </p:spPr>
+        <p:style>
+          <a:lnRef idx="1">
+            <a:schemeClr val="accent1"/>
+          </a:lnRef>
+          <a:fillRef idx="0">
+            <a:schemeClr val="accent1"/>
+          </a:fillRef>
+          <a:effectRef idx="0">
+            <a:schemeClr val="accent1"/>
+          </a:effectRef>
+          <a:fontRef idx="minor">
+            <a:schemeClr val="tx1"/>
+          </a:fontRef>
+        </p:style>
+      </p:cxnSp>
+      <p:cxnSp>
+        <p:nvCxnSpPr>
+          <p:cNvPr id="217" name="Connector: Elbow 216">
+            <a:extLst>
+              <a:ext uri="{FF2B5EF4-FFF2-40B4-BE49-F238E27FC236}">
+                <a16:creationId xmlns:a16="http://schemas.microsoft.com/office/drawing/2014/main" id="{409F944C-10DD-440A-9B41-B7216A3EA78A}"/>
+              </a:ext>
+            </a:extLst>
+          </p:cNvPr>
+          <p:cNvCxnSpPr>
+            <a:cxnSpLocks/>
+          </p:cNvCxnSpPr>
+          <p:nvPr/>
+        </p:nvCxnSpPr>
+        <p:spPr>
+          <a:xfrm rot="10800000" flipV="1">
+            <a:off x="15543394" y="14537824"/>
+            <a:ext cx="14393133" cy="1778095"/>
+          </a:xfrm>
+          <a:prstGeom prst="bentConnector3">
+            <a:avLst>
+              <a:gd name="adj1" fmla="val 23"/>
+            </a:avLst>
+          </a:prstGeom>
+          <a:ln w="76200">
+            <a:solidFill>
+              <a:schemeClr val="tx1"/>
+            </a:solidFill>
+            <a:tailEnd type="triangle"/>
+          </a:ln>
+        </p:spPr>
+        <p:style>
+          <a:lnRef idx="1">
+            <a:schemeClr val="accent1"/>
+          </a:lnRef>
+          <a:fillRef idx="0">
+            <a:schemeClr val="accent1"/>
+          </a:fillRef>
+          <a:effectRef idx="0">
+            <a:schemeClr val="accent1"/>
+          </a:effectRef>
+          <a:fontRef idx="minor">
+            <a:schemeClr val="tx1"/>
+          </a:fontRef>
+        </p:style>
+      </p:cxnSp>
+      <p:cxnSp>
+        <p:nvCxnSpPr>
+          <p:cNvPr id="233" name="Straight Arrow Connector 232">
+            <a:extLst>
+              <a:ext uri="{FF2B5EF4-FFF2-40B4-BE49-F238E27FC236}">
+                <a16:creationId xmlns:a16="http://schemas.microsoft.com/office/drawing/2014/main" id="{CF7A2975-2EE5-4C2A-84FF-7D747B3B6CD8}"/>
+              </a:ext>
+            </a:extLst>
+          </p:cNvPr>
+          <p:cNvCxnSpPr>
+            <a:cxnSpLocks/>
+          </p:cNvCxnSpPr>
+          <p:nvPr/>
+        </p:nvCxnSpPr>
+        <p:spPr>
+          <a:xfrm>
+            <a:off x="18318480" y="12613095"/>
+            <a:ext cx="0" cy="708752"/>
+          </a:xfrm>
+          <a:prstGeom prst="straightConnector1">
+            <a:avLst/>
+          </a:prstGeom>
+          <a:ln w="76200">
+            <a:solidFill>
+              <a:schemeClr val="tx1"/>
+            </a:solidFill>
+            <a:tailEnd type="triangle"/>
+          </a:ln>
+        </p:spPr>
+        <p:style>
+          <a:lnRef idx="1">
+            <a:schemeClr val="accent1"/>
+          </a:lnRef>
+          <a:fillRef idx="0">
+            <a:schemeClr val="accent1"/>
+          </a:fillRef>
+          <a:effectRef idx="0">
+            <a:schemeClr val="accent1"/>
+          </a:effectRef>
+          <a:fontRef idx="minor">
+            <a:schemeClr val="tx1"/>
+          </a:fontRef>
+        </p:style>
+      </p:cxnSp>
+      <p:cxnSp>
+        <p:nvCxnSpPr>
+          <p:cNvPr id="234" name="Straight Arrow Connector 233">
+            <a:extLst>
+              <a:ext uri="{FF2B5EF4-FFF2-40B4-BE49-F238E27FC236}">
+                <a16:creationId xmlns:a16="http://schemas.microsoft.com/office/drawing/2014/main" id="{27A3E848-4541-4860-8A75-0A2CF95367B6}"/>
+              </a:ext>
+            </a:extLst>
+          </p:cNvPr>
+          <p:cNvCxnSpPr>
+            <a:cxnSpLocks/>
+          </p:cNvCxnSpPr>
+          <p:nvPr/>
+        </p:nvCxnSpPr>
+        <p:spPr>
+          <a:xfrm flipV="1">
+            <a:off x="20025360" y="12613095"/>
+            <a:ext cx="0" cy="708752"/>
+          </a:xfrm>
+          <a:prstGeom prst="straightConnector1">
+            <a:avLst/>
+          </a:prstGeom>
+          <a:ln w="76200">
+            <a:solidFill>
+              <a:schemeClr val="tx1"/>
+            </a:solidFill>
+            <a:tailEnd type="triangle"/>
+          </a:ln>
+        </p:spPr>
+        <p:style>
+          <a:lnRef idx="1">
+            <a:schemeClr val="accent1"/>
+          </a:lnRef>
+          <a:fillRef idx="0">
+            <a:schemeClr val="accent1"/>
+          </a:fillRef>
+          <a:effectRef idx="0">
+            <a:schemeClr val="accent1"/>
+          </a:effectRef>
+          <a:fontRef idx="minor">
+            <a:schemeClr val="tx1"/>
+          </a:fontRef>
+        </p:style>
+      </p:cxnSp>
     </p:spTree>
     <p:extLst>
       <p:ext uri="{BB962C8B-B14F-4D97-AF65-F5344CB8AC3E}">
@@ -5215,4 +6875,299 @@
     </a:ext>
   </a:extLst>
 </a:theme>
+</file>
+
+<file path=ppt/theme/theme2.xml><?xml version="1.0" encoding="utf-8"?>
+<a:theme xmlns:a="http://schemas.openxmlformats.org/drawingml/2006/main" name="Office Theme">
+  <a:themeElements>
+    <a:clrScheme name="Office">
+      <a:dk1>
+        <a:sysClr val="windowText" lastClr="000000"/>
+      </a:dk1>
+      <a:lt1>
+        <a:sysClr val="window" lastClr="FFFFFF"/>
+      </a:lt1>
+      <a:dk2>
+        <a:srgbClr val="44546A"/>
+      </a:dk2>
+      <a:lt2>
+        <a:srgbClr val="E7E6E6"/>
+      </a:lt2>
+      <a:accent1>
+        <a:srgbClr val="4472C4"/>
+      </a:accent1>
+      <a:accent2>
+        <a:srgbClr val="ED7D31"/>
+      </a:accent2>
+      <a:accent3>
+        <a:srgbClr val="A5A5A5"/>
+      </a:accent3>
+      <a:accent4>
+        <a:srgbClr val="FFC000"/>
+      </a:accent4>
+      <a:accent5>
+        <a:srgbClr val="5B9BD5"/>
+      </a:accent5>
+      <a:accent6>
+        <a:srgbClr val="70AD47"/>
+      </a:accent6>
+      <a:hlink>
+        <a:srgbClr val="0563C1"/>
+      </a:hlink>
+      <a:folHlink>
+        <a:srgbClr val="954F72"/>
+      </a:folHlink>
+    </a:clrScheme>
+    <a:fontScheme name="Office">
+      <a:majorFont>
+        <a:latin typeface="Calibri Light" panose="020F0302020204030204"/>
+        <a:ea typeface=""/>
+        <a:cs typeface=""/>
+        <a:font script="Jpan" typeface="游ゴシック Light"/>
+        <a:font script="Hang" typeface="맑은 고딕"/>
+        <a:font script="Hans" typeface="等线 Light"/>
+        <a:font script="Hant" typeface="新細明體"/>
+        <a:font script="Arab" typeface="Times New Roman"/>
+        <a:font script="Hebr" typeface="Times New Roman"/>
+        <a:font script="Thai" typeface="Angsana New"/>
+        <a:font script="Ethi" typeface="Nyala"/>
+        <a:font script="Beng" typeface="Vrinda"/>
+        <a:font script="Gujr" typeface="Shruti"/>
+        <a:font script="Khmr" typeface="MoolBoran"/>
+        <a:font script="Knda" typeface="Tunga"/>
+        <a:font script="Guru" typeface="Raavi"/>
+        <a:font script="Cans" typeface="Euphemia"/>
+        <a:font script="Cher" typeface="Plantagenet Cherokee"/>
+        <a:font script="Yiii" typeface="Microsoft Yi Baiti"/>
+        <a:font script="Tibt" typeface="Microsoft Himalaya"/>
+        <a:font script="Thaa" typeface="MV Boli"/>
+        <a:font script="Deva" typeface="Mangal"/>
+        <a:font script="Telu" typeface="Gautami"/>
+        <a:font script="Taml" typeface="Latha"/>
+        <a:font script="Syrc" typeface="Estrangelo Edessa"/>
+        <a:font script="Orya" typeface="Kalinga"/>
+        <a:font script="Mlym" typeface="Kartika"/>
+        <a:font script="Laoo" typeface="DokChampa"/>
+        <a:font script="Sinh" typeface="Iskoola Pota"/>
+        <a:font script="Mong" typeface="Mongolian Baiti"/>
+        <a:font script="Viet" typeface="Times New Roman"/>
+        <a:font script="Uigh" typeface="Microsoft Uighur"/>
+        <a:font script="Geor" typeface="Sylfaen"/>
+        <a:font script="Armn" typeface="Arial"/>
+        <a:font script="Bugi" typeface="Leelawadee UI"/>
+        <a:font script="Bopo" typeface="Microsoft JhengHei"/>
+        <a:font script="Java" typeface="Javanese Text"/>
+        <a:font script="Lisu" typeface="Segoe UI"/>
+        <a:font script="Mymr" typeface="Myanmar Text"/>
+        <a:font script="Nkoo" typeface="Ebrima"/>
+        <a:font script="Olck" typeface="Nirmala UI"/>
+        <a:font script="Osma" typeface="Ebrima"/>
+        <a:font script="Phag" typeface="Phagspa"/>
+        <a:font script="Syrn" typeface="Estrangelo Edessa"/>
+        <a:font script="Syrj" typeface="Estrangelo Edessa"/>
+        <a:font script="Syre" typeface="Estrangelo Edessa"/>
+        <a:font script="Sora" typeface="Nirmala UI"/>
+        <a:font script="Tale" typeface="Microsoft Tai Le"/>
+        <a:font script="Talu" typeface="Microsoft New Tai Lue"/>
+        <a:font script="Tfng" typeface="Ebrima"/>
+      </a:majorFont>
+      <a:minorFont>
+        <a:latin typeface="Calibri" panose="020F0502020204030204"/>
+        <a:ea typeface=""/>
+        <a:cs typeface=""/>
+        <a:font script="Jpan" typeface="游ゴシック"/>
+        <a:font script="Hang" typeface="맑은 고딕"/>
+        <a:font script="Hans" typeface="等线"/>
+        <a:font script="Hant" typeface="新細明體"/>
+        <a:font script="Arab" typeface="Arial"/>
+        <a:font script="Hebr" typeface="Arial"/>
+        <a:font script="Thai" typeface="Cordia New"/>
+        <a:font script="Ethi" typeface="Nyala"/>
+        <a:font script="Beng" typeface="Vrinda"/>
+        <a:font script="Gujr" typeface="Shruti"/>
+        <a:font script="Khmr" typeface="DaunPenh"/>
+        <a:font script="Knda" typeface="Tunga"/>
+        <a:font script="Guru" typeface="Raavi"/>
+        <a:font script="Cans" typeface="Euphemia"/>
+        <a:font script="Cher" typeface="Plantagenet Cherokee"/>
+        <a:font script="Yiii" typeface="Microsoft Yi Baiti"/>
+        <a:font script="Tibt" typeface="Microsoft Himalaya"/>
+        <a:font script="Thaa" typeface="MV Boli"/>
+        <a:font script="Deva" typeface="Mangal"/>
+        <a:font script="Telu" typeface="Gautami"/>
+        <a:font script="Taml" typeface="Latha"/>
+        <a:font script="Syrc" typeface="Estrangelo Edessa"/>
+        <a:font script="Orya" typeface="Kalinga"/>
+        <a:font script="Mlym" typeface="Kartika"/>
+        <a:font script="Laoo" typeface="DokChampa"/>
+        <a:font script="Sinh" typeface="Iskoola Pota"/>
+        <a:font script="Mong" typeface="Mongolian Baiti"/>
+        <a:font script="Viet" typeface="Arial"/>
+        <a:font script="Uigh" typeface="Microsoft Uighur"/>
+        <a:font script="Geor" typeface="Sylfaen"/>
+        <a:font script="Armn" typeface="Arial"/>
+        <a:font script="Bugi" typeface="Leelawadee UI"/>
+        <a:font script="Bopo" typeface="Microsoft JhengHei"/>
+        <a:font script="Java" typeface="Javanese Text"/>
+        <a:font script="Lisu" typeface="Segoe UI"/>
+        <a:font script="Mymr" typeface="Myanmar Text"/>
+        <a:font script="Nkoo" typeface="Ebrima"/>
+        <a:font script="Olck" typeface="Nirmala UI"/>
+        <a:font script="Osma" typeface="Ebrima"/>
+        <a:font script="Phag" typeface="Phagspa"/>
+        <a:font script="Syrn" typeface="Estrangelo Edessa"/>
+        <a:font script="Syrj" typeface="Estrangelo Edessa"/>
+        <a:font script="Syre" typeface="Estrangelo Edessa"/>
+        <a:font script="Sora" typeface="Nirmala UI"/>
+        <a:font script="Tale" typeface="Microsoft Tai Le"/>
+        <a:font script="Talu" typeface="Microsoft New Tai Lue"/>
+        <a:font script="Tfng" typeface="Ebrima"/>
+      </a:minorFont>
+    </a:fontScheme>
+    <a:fmtScheme name="Office">
+      <a:fillStyleLst>
+        <a:solidFill>
+          <a:schemeClr val="phClr"/>
+        </a:solidFill>
+        <a:gradFill rotWithShape="1">
+          <a:gsLst>
+            <a:gs pos="0">
+              <a:schemeClr val="phClr">
+                <a:lumMod val="110000"/>
+                <a:satMod val="105000"/>
+                <a:tint val="67000"/>
+              </a:schemeClr>
+            </a:gs>
+            <a:gs pos="50000">
+              <a:schemeClr val="phClr">
+                <a:lumMod val="105000"/>
+                <a:satMod val="103000"/>
+                <a:tint val="73000"/>
+              </a:schemeClr>
+            </a:gs>
+            <a:gs pos="100000">
+              <a:schemeClr val="phClr">
+                <a:lumMod val="105000"/>
+                <a:satMod val="109000"/>
+                <a:tint val="81000"/>
+              </a:schemeClr>
+            </a:gs>
+          </a:gsLst>
+          <a:lin ang="5400000" scaled="0"/>
+        </a:gradFill>
+        <a:gradFill rotWithShape="1">
+          <a:gsLst>
+            <a:gs pos="0">
+              <a:schemeClr val="phClr">
+                <a:satMod val="103000"/>
+                <a:lumMod val="102000"/>
+                <a:tint val="94000"/>
+              </a:schemeClr>
+            </a:gs>
+            <a:gs pos="50000">
+              <a:schemeClr val="phClr">
+                <a:satMod val="110000"/>
+                <a:lumMod val="100000"/>
+                <a:shade val="100000"/>
+              </a:schemeClr>
+            </a:gs>
+            <a:gs pos="100000">
+              <a:schemeClr val="phClr">
+                <a:lumMod val="99000"/>
+                <a:satMod val="120000"/>
+                <a:shade val="78000"/>
+              </a:schemeClr>
+            </a:gs>
+          </a:gsLst>
+          <a:lin ang="5400000" scaled="0"/>
+        </a:gradFill>
+      </a:fillStyleLst>
+      <a:lnStyleLst>
+        <a:ln w="6350" cap="flat" cmpd="sng" algn="ctr">
+          <a:solidFill>
+            <a:schemeClr val="phClr"/>
+          </a:solidFill>
+          <a:prstDash val="solid"/>
+          <a:miter lim="800000"/>
+        </a:ln>
+        <a:ln w="12700" cap="flat" cmpd="sng" algn="ctr">
+          <a:solidFill>
+            <a:schemeClr val="phClr"/>
+          </a:solidFill>
+          <a:prstDash val="solid"/>
+          <a:miter lim="800000"/>
+        </a:ln>
+        <a:ln w="19050" cap="flat" cmpd="sng" algn="ctr">
+          <a:solidFill>
+            <a:schemeClr val="phClr"/>
+          </a:solidFill>
+          <a:prstDash val="solid"/>
+          <a:miter lim="800000"/>
+        </a:ln>
+      </a:lnStyleLst>
+      <a:effectStyleLst>
+        <a:effectStyle>
+          <a:effectLst/>
+        </a:effectStyle>
+        <a:effectStyle>
+          <a:effectLst/>
+        </a:effectStyle>
+        <a:effectStyle>
+          <a:effectLst>
+            <a:outerShdw blurRad="57150" dist="19050" dir="5400000" algn="ctr" rotWithShape="0">
+              <a:srgbClr val="000000">
+                <a:alpha val="63000"/>
+              </a:srgbClr>
+            </a:outerShdw>
+          </a:effectLst>
+        </a:effectStyle>
+      </a:effectStyleLst>
+      <a:bgFillStyleLst>
+        <a:solidFill>
+          <a:schemeClr val="phClr"/>
+        </a:solidFill>
+        <a:solidFill>
+          <a:schemeClr val="phClr">
+            <a:tint val="95000"/>
+            <a:satMod val="170000"/>
+          </a:schemeClr>
+        </a:solidFill>
+        <a:gradFill rotWithShape="1">
+          <a:gsLst>
+            <a:gs pos="0">
+              <a:schemeClr val="phClr">
+                <a:tint val="93000"/>
+                <a:satMod val="150000"/>
+                <a:shade val="98000"/>
+                <a:lumMod val="102000"/>
+              </a:schemeClr>
+            </a:gs>
+            <a:gs pos="50000">
+              <a:schemeClr val="phClr">
+                <a:tint val="98000"/>
+                <a:satMod val="130000"/>
+                <a:shade val="90000"/>
+                <a:lumMod val="103000"/>
+              </a:schemeClr>
+            </a:gs>
+            <a:gs pos="100000">
+              <a:schemeClr val="phClr">
+                <a:shade val="63000"/>
+                <a:satMod val="120000"/>
+              </a:schemeClr>
+            </a:gs>
+          </a:gsLst>
+          <a:lin ang="5400000" scaled="0"/>
+        </a:gradFill>
+      </a:bgFillStyleLst>
+    </a:fmtScheme>
+  </a:themeElements>
+  <a:objectDefaults/>
+  <a:extraClrSchemeLst/>
+  <a:extLst>
+    <a:ext uri="{05A4C25C-085E-4340-85A3-A5531E510DB2}">
+      <thm15:themeFamily xmlns:thm15="http://schemas.microsoft.com/office/thememl/2012/main" name="Office Theme" id="{62F939B6-93AF-4DB8-9C6B-D6C7DFDC589F}" vid="{4A3C46E8-61CC-4603-A589-7422A47A8E4A}"/>
+    </a:ext>
+  </a:extLst>
+</a:theme>
 </file>
--- a/system_overview/SystemOverview.pptx
+++ b/system_overview/SystemOverview.pptx
@@ -107,6 +107,11 @@
       </a:defRPr>
     </a:lvl9pPr>
   </p:defaultTextStyle>
+  <p:extLst>
+    <p:ext uri="{EFAFB233-063F-42B5-8137-9DF3F51BA10A}">
+      <p15:sldGuideLst xmlns:p15="http://schemas.microsoft.com/office/powerpoint/2012/main"/>
+    </p:ext>
+  </p:extLst>
 </p:presentation>
 </file>
 
@@ -675,7 +680,7 @@
           <a:p>
             <a:fld id="{53227B52-D19E-494A-ACCE-1D7F88203449}" type="datetimeFigureOut">
               <a:rPr lang="en-GB" smtClean="0"/>
-              <a:t>15/11/2020</a:t>
+              <a:t>18/11/2020</a:t>
             </a:fld>
             <a:endParaRPr lang="en-GB"/>
           </a:p>
@@ -845,7 +850,7 @@
           <a:p>
             <a:fld id="{53227B52-D19E-494A-ACCE-1D7F88203449}" type="datetimeFigureOut">
               <a:rPr lang="en-GB" smtClean="0"/>
-              <a:t>15/11/2020</a:t>
+              <a:t>18/11/2020</a:t>
             </a:fld>
             <a:endParaRPr lang="en-GB"/>
           </a:p>
@@ -1025,7 +1030,7 @@
           <a:p>
             <a:fld id="{53227B52-D19E-494A-ACCE-1D7F88203449}" type="datetimeFigureOut">
               <a:rPr lang="en-GB" smtClean="0"/>
-              <a:t>15/11/2020</a:t>
+              <a:t>18/11/2020</a:t>
             </a:fld>
             <a:endParaRPr lang="en-GB"/>
           </a:p>
@@ -1195,7 +1200,7 @@
           <a:p>
             <a:fld id="{53227B52-D19E-494A-ACCE-1D7F88203449}" type="datetimeFigureOut">
               <a:rPr lang="en-GB" smtClean="0"/>
-              <a:t>15/11/2020</a:t>
+              <a:t>18/11/2020</a:t>
             </a:fld>
             <a:endParaRPr lang="en-GB"/>
           </a:p>
@@ -1439,7 +1444,7 @@
           <a:p>
             <a:fld id="{53227B52-D19E-494A-ACCE-1D7F88203449}" type="datetimeFigureOut">
               <a:rPr lang="en-GB" smtClean="0"/>
-              <a:t>15/11/2020</a:t>
+              <a:t>18/11/2020</a:t>
             </a:fld>
             <a:endParaRPr lang="en-GB"/>
           </a:p>
@@ -1671,7 +1676,7 @@
           <a:p>
             <a:fld id="{53227B52-D19E-494A-ACCE-1D7F88203449}" type="datetimeFigureOut">
               <a:rPr lang="en-GB" smtClean="0"/>
-              <a:t>15/11/2020</a:t>
+              <a:t>18/11/2020</a:t>
             </a:fld>
             <a:endParaRPr lang="en-GB"/>
           </a:p>
@@ -2038,7 +2043,7 @@
           <a:p>
             <a:fld id="{53227B52-D19E-494A-ACCE-1D7F88203449}" type="datetimeFigureOut">
               <a:rPr lang="en-GB" smtClean="0"/>
-              <a:t>15/11/2020</a:t>
+              <a:t>18/11/2020</a:t>
             </a:fld>
             <a:endParaRPr lang="en-GB"/>
           </a:p>
@@ -2156,7 +2161,7 @@
           <a:p>
             <a:fld id="{53227B52-D19E-494A-ACCE-1D7F88203449}" type="datetimeFigureOut">
               <a:rPr lang="en-GB" smtClean="0"/>
-              <a:t>15/11/2020</a:t>
+              <a:t>18/11/2020</a:t>
             </a:fld>
             <a:endParaRPr lang="en-GB"/>
           </a:p>
@@ -2251,7 +2256,7 @@
           <a:p>
             <a:fld id="{53227B52-D19E-494A-ACCE-1D7F88203449}" type="datetimeFigureOut">
               <a:rPr lang="en-GB" smtClean="0"/>
-              <a:t>15/11/2020</a:t>
+              <a:t>18/11/2020</a:t>
             </a:fld>
             <a:endParaRPr lang="en-GB"/>
           </a:p>
@@ -2528,7 +2533,7 @@
           <a:p>
             <a:fld id="{53227B52-D19E-494A-ACCE-1D7F88203449}" type="datetimeFigureOut">
               <a:rPr lang="en-GB" smtClean="0"/>
-              <a:t>15/11/2020</a:t>
+              <a:t>18/11/2020</a:t>
             </a:fld>
             <a:endParaRPr lang="en-GB"/>
           </a:p>
@@ -2785,7 +2790,7 @@
           <a:p>
             <a:fld id="{53227B52-D19E-494A-ACCE-1D7F88203449}" type="datetimeFigureOut">
               <a:rPr lang="en-GB" smtClean="0"/>
-              <a:t>15/11/2020</a:t>
+              <a:t>18/11/2020</a:t>
             </a:fld>
             <a:endParaRPr lang="en-GB"/>
           </a:p>
@@ -2998,7 +3003,7 @@
           <a:p>
             <a:fld id="{53227B52-D19E-494A-ACCE-1D7F88203449}" type="datetimeFigureOut">
               <a:rPr lang="en-GB" smtClean="0"/>
-              <a:t>15/11/2020</a:t>
+              <a:t>18/11/2020</a:t>
             </a:fld>
             <a:endParaRPr lang="en-GB"/>
           </a:p>
@@ -4704,7 +4709,7 @@
         </p:nvSpPr>
         <p:spPr>
           <a:xfrm>
-            <a:off x="2390823" y="14308574"/>
+            <a:off x="2390823" y="14293334"/>
             <a:ext cx="2648633" cy="2386593"/>
           </a:xfrm>
           <a:prstGeom prst="rect">
@@ -4773,7 +4778,7 @@
         </p:nvSpPr>
         <p:spPr>
           <a:xfrm>
-            <a:off x="2768989" y="14937064"/>
+            <a:off x="2768989" y="14921824"/>
             <a:ext cx="1892300" cy="1378856"/>
           </a:xfrm>
           <a:prstGeom prst="rect">
@@ -4922,8 +4927,8 @@
         </p:nvSpPr>
         <p:spPr>
           <a:xfrm>
-            <a:off x="13651092" y="14939371"/>
-            <a:ext cx="1892300" cy="1755796"/>
+            <a:off x="13651092" y="14521843"/>
+            <a:ext cx="1892300" cy="2173324"/>
           </a:xfrm>
           <a:prstGeom prst="rect">
             <a:avLst/>
@@ -4959,7 +4964,7 @@
           <a:p>
             <a:pPr algn="ctr"/>
             <a:r>
-              <a:rPr lang="en-GB" sz="2500" dirty="0" err="1">
+              <a:rPr lang="en-GB" sz="2500" dirty="0">
                 <a:ln w="0"/>
                 <a:solidFill>
                   <a:schemeClr val="tx1"/>
@@ -4972,21 +4977,8 @@
                   </a:outerShdw>
                 </a:effectLst>
               </a:rPr>
-              <a:t>Wifi</a:t>
-            </a:r>
-            <a:endParaRPr lang="en-GB" sz="2500" dirty="0">
-              <a:ln w="0"/>
-              <a:solidFill>
-                <a:schemeClr val="tx1"/>
-              </a:solidFill>
-              <a:effectLst>
-                <a:outerShdw blurRad="38100" dist="19050" dir="2700000" algn="tl" rotWithShape="0">
-                  <a:schemeClr val="dk1">
-                    <a:alpha val="40000"/>
-                  </a:schemeClr>
-                </a:outerShdw>
-              </a:effectLst>
-            </a:endParaRPr>
+              <a:t>Bluetooth</a:t>
+            </a:r>
           </a:p>
           <a:p>
             <a:pPr algn="ctr"/>
@@ -5009,182 +5001,6 @@
           </a:p>
         </p:txBody>
       </p:sp>
-      <p:cxnSp>
-        <p:nvCxnSpPr>
-          <p:cNvPr id="100" name="Straight Arrow Connector 99">
-            <a:extLst>
-              <a:ext uri="{FF2B5EF4-FFF2-40B4-BE49-F238E27FC236}">
-                <a16:creationId xmlns:a16="http://schemas.microsoft.com/office/drawing/2014/main" id="{FE02AF19-A674-415B-8808-94F799D628B3}"/>
-              </a:ext>
-            </a:extLst>
-          </p:cNvPr>
-          <p:cNvCxnSpPr>
-            <a:cxnSpLocks/>
-          </p:cNvCxnSpPr>
-          <p:nvPr/>
-        </p:nvCxnSpPr>
-        <p:spPr>
-          <a:xfrm flipH="1">
-            <a:off x="11837628" y="16000244"/>
-            <a:ext cx="1813464" cy="8637"/>
-          </a:xfrm>
-          <a:prstGeom prst="straightConnector1">
-            <a:avLst/>
-          </a:prstGeom>
-          <a:ln w="76200">
-            <a:solidFill>
-              <a:schemeClr val="tx1"/>
-            </a:solidFill>
-            <a:tailEnd type="triangle"/>
-          </a:ln>
-        </p:spPr>
-        <p:style>
-          <a:lnRef idx="1">
-            <a:schemeClr val="accent1"/>
-          </a:lnRef>
-          <a:fillRef idx="0">
-            <a:schemeClr val="accent1"/>
-          </a:fillRef>
-          <a:effectRef idx="0">
-            <a:schemeClr val="accent1"/>
-          </a:effectRef>
-          <a:fontRef idx="minor">
-            <a:schemeClr val="tx1"/>
-          </a:fontRef>
-        </p:style>
-      </p:cxnSp>
-      <p:cxnSp>
-        <p:nvCxnSpPr>
-          <p:cNvPr id="103" name="Straight Arrow Connector 102">
-            <a:extLst>
-              <a:ext uri="{FF2B5EF4-FFF2-40B4-BE49-F238E27FC236}">
-                <a16:creationId xmlns:a16="http://schemas.microsoft.com/office/drawing/2014/main" id="{D65F41BB-188A-4212-9F5B-96FFCA3D200A}"/>
-              </a:ext>
-            </a:extLst>
-          </p:cNvPr>
-          <p:cNvCxnSpPr>
-            <a:cxnSpLocks/>
-          </p:cNvCxnSpPr>
-          <p:nvPr/>
-        </p:nvCxnSpPr>
-        <p:spPr>
-          <a:xfrm>
-            <a:off x="11855644" y="15439940"/>
-            <a:ext cx="1795448" cy="0"/>
-          </a:xfrm>
-          <a:prstGeom prst="straightConnector1">
-            <a:avLst/>
-          </a:prstGeom>
-          <a:ln w="76200">
-            <a:solidFill>
-              <a:schemeClr val="tx1"/>
-            </a:solidFill>
-            <a:tailEnd type="triangle"/>
-          </a:ln>
-        </p:spPr>
-        <p:style>
-          <a:lnRef idx="1">
-            <a:schemeClr val="accent1"/>
-          </a:lnRef>
-          <a:fillRef idx="0">
-            <a:schemeClr val="accent1"/>
-          </a:fillRef>
-          <a:effectRef idx="0">
-            <a:schemeClr val="accent1"/>
-          </a:effectRef>
-          <a:fontRef idx="minor">
-            <a:schemeClr val="tx1"/>
-          </a:fontRef>
-        </p:style>
-      </p:cxnSp>
-      <p:cxnSp>
-        <p:nvCxnSpPr>
-          <p:cNvPr id="127" name="Straight Arrow Connector 126">
-            <a:extLst>
-              <a:ext uri="{FF2B5EF4-FFF2-40B4-BE49-F238E27FC236}">
-                <a16:creationId xmlns:a16="http://schemas.microsoft.com/office/drawing/2014/main" id="{180735A6-F10D-4FAE-BB64-64334452BE85}"/>
-              </a:ext>
-            </a:extLst>
-          </p:cNvPr>
-          <p:cNvCxnSpPr>
-            <a:cxnSpLocks/>
-          </p:cNvCxnSpPr>
-          <p:nvPr/>
-        </p:nvCxnSpPr>
-        <p:spPr>
-          <a:xfrm flipH="1">
-            <a:off x="4667961" y="15838905"/>
-            <a:ext cx="1736820" cy="0"/>
-          </a:xfrm>
-          <a:prstGeom prst="straightConnector1">
-            <a:avLst/>
-          </a:prstGeom>
-          <a:ln w="76200">
-            <a:solidFill>
-              <a:schemeClr val="tx1"/>
-            </a:solidFill>
-            <a:tailEnd type="triangle"/>
-          </a:ln>
-        </p:spPr>
-        <p:style>
-          <a:lnRef idx="1">
-            <a:schemeClr val="accent1"/>
-          </a:lnRef>
-          <a:fillRef idx="0">
-            <a:schemeClr val="accent1"/>
-          </a:fillRef>
-          <a:effectRef idx="0">
-            <a:schemeClr val="accent1"/>
-          </a:effectRef>
-          <a:fontRef idx="minor">
-            <a:schemeClr val="tx1"/>
-          </a:fontRef>
-        </p:style>
-      </p:cxnSp>
-      <p:cxnSp>
-        <p:nvCxnSpPr>
-          <p:cNvPr id="128" name="Straight Arrow Connector 127">
-            <a:extLst>
-              <a:ext uri="{FF2B5EF4-FFF2-40B4-BE49-F238E27FC236}">
-                <a16:creationId xmlns:a16="http://schemas.microsoft.com/office/drawing/2014/main" id="{8282A11D-2D76-4A93-805D-E54F289EFEA9}"/>
-              </a:ext>
-            </a:extLst>
-          </p:cNvPr>
-          <p:cNvCxnSpPr>
-            <a:cxnSpLocks/>
-          </p:cNvCxnSpPr>
-          <p:nvPr/>
-        </p:nvCxnSpPr>
-        <p:spPr>
-          <a:xfrm>
-            <a:off x="4667959" y="15270480"/>
-            <a:ext cx="1736822" cy="0"/>
-          </a:xfrm>
-          <a:prstGeom prst="straightConnector1">
-            <a:avLst/>
-          </a:prstGeom>
-          <a:ln w="76200">
-            <a:solidFill>
-              <a:schemeClr val="tx1"/>
-            </a:solidFill>
-            <a:tailEnd type="triangle"/>
-          </a:ln>
-        </p:spPr>
-        <p:style>
-          <a:lnRef idx="1">
-            <a:schemeClr val="accent1"/>
-          </a:lnRef>
-          <a:fillRef idx="0">
-            <a:schemeClr val="accent1"/>
-          </a:fillRef>
-          <a:effectRef idx="0">
-            <a:schemeClr val="accent1"/>
-          </a:effectRef>
-          <a:fontRef idx="minor">
-            <a:schemeClr val="tx1"/>
-          </a:fontRef>
-        </p:style>
-      </p:cxnSp>
       <p:grpSp>
         <p:nvGrpSpPr>
           <p:cNvPr id="141" name="Group 140">
@@ -5199,10 +5015,10 @@
         </p:nvGrpSpPr>
         <p:grpSpPr>
           <a:xfrm>
-            <a:off x="27197956" y="9991870"/>
-            <a:ext cx="4044574" cy="4934841"/>
-            <a:chOff x="26062134" y="14988903"/>
-            <a:chExt cx="4044574" cy="4934841"/>
+            <a:off x="27667106" y="10002223"/>
+            <a:ext cx="3437738" cy="4934841"/>
+            <a:chOff x="26062135" y="14988903"/>
+            <a:chExt cx="3397017" cy="4934841"/>
           </a:xfrm>
         </p:grpSpPr>
         <p:sp>
@@ -5219,8 +5035,8 @@
           </p:nvSpPr>
           <p:spPr>
             <a:xfrm>
-              <a:off x="26062134" y="14988903"/>
-              <a:ext cx="4044574" cy="4934841"/>
+              <a:off x="26062135" y="14988903"/>
+              <a:ext cx="3397017" cy="4934841"/>
             </a:xfrm>
             <a:prstGeom prst="rect">
               <a:avLst/>
@@ -5273,7 +5089,7 @@
           <p:spPr>
             <a:xfrm>
               <a:off x="26581177" y="16652048"/>
-              <a:ext cx="3006487" cy="1094180"/>
+              <a:ext cx="2396359" cy="1094180"/>
             </a:xfrm>
             <a:prstGeom prst="rect">
               <a:avLst/>
@@ -5334,8 +5150,8 @@
         </p:nvSpPr>
         <p:spPr>
           <a:xfrm>
-            <a:off x="27716999" y="13461464"/>
-            <a:ext cx="3006487" cy="1060380"/>
+            <a:off x="28186146" y="13471817"/>
+            <a:ext cx="2396359" cy="1060380"/>
           </a:xfrm>
           <a:prstGeom prst="rect">
             <a:avLst/>
@@ -5435,7 +5251,7 @@
         </p:nvGrpSpPr>
         <p:grpSpPr>
           <a:xfrm>
-            <a:off x="22494680" y="8647438"/>
+            <a:off x="23523873" y="8647438"/>
             <a:ext cx="3644184" cy="6289626"/>
             <a:chOff x="30106708" y="8768862"/>
             <a:chExt cx="3644184" cy="6289626"/>
@@ -5508,7 +5324,7 @@
           </p:nvSpPr>
           <p:spPr>
             <a:xfrm>
-              <a:off x="30495240" y="11776439"/>
+              <a:off x="30495240" y="11730719"/>
               <a:ext cx="3002279" cy="1094180"/>
             </a:xfrm>
             <a:prstGeom prst="rect">
@@ -5616,94 +5432,6 @@
             </a:p>
           </p:txBody>
         </p:sp>
-        <p:cxnSp>
-          <p:nvCxnSpPr>
-            <p:cNvPr id="144" name="Straight Arrow Connector 143">
-              <a:extLst>
-                <a:ext uri="{FF2B5EF4-FFF2-40B4-BE49-F238E27FC236}">
-                  <a16:creationId xmlns:a16="http://schemas.microsoft.com/office/drawing/2014/main" id="{606BB79B-7957-4A95-A1AB-EB81E67C1B09}"/>
-                </a:ext>
-              </a:extLst>
-            </p:cNvPr>
-            <p:cNvCxnSpPr>
-              <a:cxnSpLocks/>
-            </p:cNvCxnSpPr>
-            <p:nvPr/>
-          </p:nvCxnSpPr>
-          <p:spPr>
-            <a:xfrm>
-              <a:off x="32717474" y="10913961"/>
-              <a:ext cx="0" cy="852318"/>
-            </a:xfrm>
-            <a:prstGeom prst="straightConnector1">
-              <a:avLst/>
-            </a:prstGeom>
-            <a:ln w="76200">
-              <a:solidFill>
-                <a:schemeClr val="tx1"/>
-              </a:solidFill>
-              <a:tailEnd type="triangle"/>
-            </a:ln>
-          </p:spPr>
-          <p:style>
-            <a:lnRef idx="1">
-              <a:schemeClr val="accent1"/>
-            </a:lnRef>
-            <a:fillRef idx="0">
-              <a:schemeClr val="accent1"/>
-            </a:fillRef>
-            <a:effectRef idx="0">
-              <a:schemeClr val="accent1"/>
-            </a:effectRef>
-            <a:fontRef idx="minor">
-              <a:schemeClr val="tx1"/>
-            </a:fontRef>
-          </p:style>
-        </p:cxnSp>
-        <p:cxnSp>
-          <p:nvCxnSpPr>
-            <p:cNvPr id="145" name="Straight Arrow Connector 144">
-              <a:extLst>
-                <a:ext uri="{FF2B5EF4-FFF2-40B4-BE49-F238E27FC236}">
-                  <a16:creationId xmlns:a16="http://schemas.microsoft.com/office/drawing/2014/main" id="{FC87E194-BE8B-41EF-9EC8-EC6E75C187F7}"/>
-                </a:ext>
-              </a:extLst>
-            </p:cNvPr>
-            <p:cNvCxnSpPr>
-              <a:cxnSpLocks/>
-            </p:cNvCxnSpPr>
-            <p:nvPr/>
-          </p:nvCxnSpPr>
-          <p:spPr>
-            <a:xfrm flipV="1">
-              <a:off x="31165800" y="10913961"/>
-              <a:ext cx="0" cy="852318"/>
-            </a:xfrm>
-            <a:prstGeom prst="straightConnector1">
-              <a:avLst/>
-            </a:prstGeom>
-            <a:ln w="76200">
-              <a:solidFill>
-                <a:schemeClr val="tx1"/>
-              </a:solidFill>
-              <a:tailEnd type="triangle"/>
-            </a:ln>
-          </p:spPr>
-          <p:style>
-            <a:lnRef idx="1">
-              <a:schemeClr val="accent1"/>
-            </a:lnRef>
-            <a:fillRef idx="0">
-              <a:schemeClr val="accent1"/>
-            </a:fillRef>
-            <a:effectRef idx="0">
-              <a:schemeClr val="accent1"/>
-            </a:effectRef>
-            <a:fontRef idx="minor">
-              <a:schemeClr val="tx1"/>
-            </a:fontRef>
-          </p:style>
-        </p:cxnSp>
         <p:sp>
           <p:nvSpPr>
             <p:cNvPr id="158" name="Rectangle 157">
@@ -5805,94 +5533,6 @@
             </a:p>
           </p:txBody>
         </p:sp>
-        <p:cxnSp>
-          <p:nvCxnSpPr>
-            <p:cNvPr id="166" name="Straight Arrow Connector 165">
-              <a:extLst>
-                <a:ext uri="{FF2B5EF4-FFF2-40B4-BE49-F238E27FC236}">
-                  <a16:creationId xmlns:a16="http://schemas.microsoft.com/office/drawing/2014/main" id="{AB68B66A-B96F-4FFC-88BC-85EAD677FDE5}"/>
-                </a:ext>
-              </a:extLst>
-            </p:cNvPr>
-            <p:cNvCxnSpPr>
-              <a:cxnSpLocks/>
-            </p:cNvCxnSpPr>
-            <p:nvPr/>
-          </p:nvCxnSpPr>
-          <p:spPr>
-            <a:xfrm>
-              <a:off x="32717474" y="12840335"/>
-              <a:ext cx="0" cy="708752"/>
-            </a:xfrm>
-            <a:prstGeom prst="straightConnector1">
-              <a:avLst/>
-            </a:prstGeom>
-            <a:ln w="76200">
-              <a:solidFill>
-                <a:schemeClr val="tx1"/>
-              </a:solidFill>
-              <a:tailEnd type="triangle"/>
-            </a:ln>
-          </p:spPr>
-          <p:style>
-            <a:lnRef idx="1">
-              <a:schemeClr val="accent1"/>
-            </a:lnRef>
-            <a:fillRef idx="0">
-              <a:schemeClr val="accent1"/>
-            </a:fillRef>
-            <a:effectRef idx="0">
-              <a:schemeClr val="accent1"/>
-            </a:effectRef>
-            <a:fontRef idx="minor">
-              <a:schemeClr val="tx1"/>
-            </a:fontRef>
-          </p:style>
-        </p:cxnSp>
-        <p:cxnSp>
-          <p:nvCxnSpPr>
-            <p:cNvPr id="167" name="Straight Arrow Connector 166">
-              <a:extLst>
-                <a:ext uri="{FF2B5EF4-FFF2-40B4-BE49-F238E27FC236}">
-                  <a16:creationId xmlns:a16="http://schemas.microsoft.com/office/drawing/2014/main" id="{150CEA4B-11C4-4A5B-8505-9D1D9F0D58C5}"/>
-                </a:ext>
-              </a:extLst>
-            </p:cNvPr>
-            <p:cNvCxnSpPr>
-              <a:cxnSpLocks/>
-            </p:cNvCxnSpPr>
-            <p:nvPr/>
-          </p:nvCxnSpPr>
-          <p:spPr>
-            <a:xfrm flipV="1">
-              <a:off x="31165800" y="12840335"/>
-              <a:ext cx="0" cy="708752"/>
-            </a:xfrm>
-            <a:prstGeom prst="straightConnector1">
-              <a:avLst/>
-            </a:prstGeom>
-            <a:ln w="76200">
-              <a:solidFill>
-                <a:schemeClr val="tx1"/>
-              </a:solidFill>
-              <a:tailEnd type="triangle"/>
-            </a:ln>
-          </p:spPr>
-          <p:style>
-            <a:lnRef idx="1">
-              <a:schemeClr val="accent1"/>
-            </a:lnRef>
-            <a:fillRef idx="0">
-              <a:schemeClr val="accent1"/>
-            </a:fillRef>
-            <a:effectRef idx="0">
-              <a:schemeClr val="accent1"/>
-            </a:effectRef>
-            <a:fontRef idx="minor">
-              <a:schemeClr val="tx1"/>
-            </a:fontRef>
-          </p:style>
-        </p:cxnSp>
       </p:grpSp>
       <p:grpSp>
         <p:nvGrpSpPr>
@@ -5908,10 +5548,10 @@
         </p:nvGrpSpPr>
         <p:grpSpPr>
           <a:xfrm>
-            <a:off x="17277663" y="10438253"/>
-            <a:ext cx="3908503" cy="4498811"/>
-            <a:chOff x="24413147" y="10501534"/>
-            <a:chExt cx="3908503" cy="4498811"/>
+            <a:off x="17277662" y="10438253"/>
+            <a:ext cx="5699843" cy="4498811"/>
+            <a:chOff x="24413146" y="10501534"/>
+            <a:chExt cx="5699843" cy="4498811"/>
           </a:xfrm>
         </p:grpSpPr>
         <p:grpSp>
@@ -5928,10 +5568,10 @@
           </p:nvGrpSpPr>
           <p:grpSpPr>
             <a:xfrm>
-              <a:off x="24413147" y="10501534"/>
-              <a:ext cx="3908503" cy="4498811"/>
-              <a:chOff x="25647839" y="16230084"/>
-              <a:chExt cx="3908503" cy="4498811"/>
+              <a:off x="24413146" y="10501534"/>
+              <a:ext cx="5699843" cy="4498811"/>
+              <a:chOff x="25647838" y="16230084"/>
+              <a:chExt cx="5699843" cy="4498811"/>
             </a:xfrm>
           </p:grpSpPr>
           <p:sp>
@@ -5948,8 +5588,8 @@
             </p:nvSpPr>
             <p:spPr>
               <a:xfrm>
-                <a:off x="25647839" y="16230084"/>
-                <a:ext cx="3908503" cy="4498811"/>
+                <a:off x="25647838" y="16230084"/>
+                <a:ext cx="5699843" cy="4498811"/>
               </a:xfrm>
               <a:prstGeom prst="rect">
                 <a:avLst/>
@@ -6001,8 +5641,8 @@
             </p:nvSpPr>
             <p:spPr>
               <a:xfrm>
-                <a:off x="26098846" y="17266920"/>
-                <a:ext cx="3006487" cy="1172175"/>
+                <a:off x="26110422" y="17266920"/>
+                <a:ext cx="4841175" cy="1172175"/>
               </a:xfrm>
               <a:prstGeom prst="rect">
                 <a:avLst/>
@@ -6064,7 +5704,7 @@
           <p:spPr>
             <a:xfrm>
               <a:off x="24886526" y="13429457"/>
-              <a:ext cx="3006487" cy="1182944"/>
+              <a:ext cx="2264939" cy="1182944"/>
             </a:xfrm>
             <a:prstGeom prst="rect">
               <a:avLst/>
@@ -6100,7 +5740,7 @@
             <a:p>
               <a:pPr algn="ctr"/>
               <a:r>
-                <a:rPr lang="en-GB" sz="2500" dirty="0" err="1">
+                <a:rPr lang="en-GB" sz="2500" dirty="0">
                   <a:ln w="0"/>
                   <a:solidFill>
                     <a:schemeClr val="tx1"/>
@@ -6113,21 +5753,8 @@
                     </a:outerShdw>
                   </a:effectLst>
                 </a:rPr>
-                <a:t>Wifi</a:t>
+                <a:t>Bluetooth</a:t>
               </a:r>
-              <a:endParaRPr lang="en-GB" sz="2500" dirty="0">
-                <a:ln w="0"/>
-                <a:solidFill>
-                  <a:schemeClr val="tx1"/>
-                </a:solidFill>
-                <a:effectLst>
-                  <a:outerShdw blurRad="38100" dist="19050" dir="2700000" algn="tl" rotWithShape="0">
-                    <a:schemeClr val="dk1">
-                      <a:alpha val="40000"/>
-                    </a:schemeClr>
-                  </a:outerShdw>
-                </a:effectLst>
-              </a:endParaRPr>
             </a:p>
             <a:p>
               <a:pPr algn="ctr"/>
@@ -6153,32 +5780,33 @@
       </p:grpSp>
       <p:cxnSp>
         <p:nvCxnSpPr>
-          <p:cNvPr id="175" name="Connector: Elbow 174">
+          <p:cNvPr id="3" name="Straight Arrow Connector 2">
             <a:extLst>
               <a:ext uri="{FF2B5EF4-FFF2-40B4-BE49-F238E27FC236}">
-                <a16:creationId xmlns:a16="http://schemas.microsoft.com/office/drawing/2014/main" id="{A11F55C9-7E86-4985-9C3D-4E571C514BFA}"/>
+                <a16:creationId xmlns:a16="http://schemas.microsoft.com/office/drawing/2014/main" id="{32E8FCC8-96F9-4417-B847-43F5722ABC3C}"/>
               </a:ext>
             </a:extLst>
           </p:cNvPr>
           <p:cNvCxnSpPr>
             <a:cxnSpLocks/>
+            <a:stCxn id="86" idx="3"/>
+            <a:endCxn id="58" idx="1"/>
           </p:cNvCxnSpPr>
           <p:nvPr/>
         </p:nvCxnSpPr>
         <p:spPr>
-          <a:xfrm flipV="1">
-            <a:off x="15543391" y="14572778"/>
-            <a:ext cx="4481969" cy="1040553"/>
+          <a:xfrm>
+            <a:off x="4661289" y="15611252"/>
+            <a:ext cx="1743492" cy="4887"/>
           </a:xfrm>
-          <a:prstGeom prst="bentConnector3">
-            <a:avLst>
-              <a:gd name="adj1" fmla="val 100101"/>
-            </a:avLst>
+          <a:prstGeom prst="straightConnector1">
+            <a:avLst/>
           </a:prstGeom>
           <a:ln w="76200">
             <a:solidFill>
               <a:schemeClr val="tx1"/>
             </a:solidFill>
+            <a:headEnd type="triangle"/>
             <a:tailEnd type="triangle"/>
           </a:ln>
         </p:spPr>
@@ -6199,32 +5827,33 @@
       </p:cxnSp>
       <p:cxnSp>
         <p:nvCxnSpPr>
-          <p:cNvPr id="179" name="Connector: Elbow 178">
+          <p:cNvPr id="65" name="Straight Arrow Connector 64">
             <a:extLst>
               <a:ext uri="{FF2B5EF4-FFF2-40B4-BE49-F238E27FC236}">
-                <a16:creationId xmlns:a16="http://schemas.microsoft.com/office/drawing/2014/main" id="{CD313B8A-29CD-4E47-82D5-D0BD05DDBB30}"/>
+                <a16:creationId xmlns:a16="http://schemas.microsoft.com/office/drawing/2014/main" id="{B6ACC0D2-332B-46F9-9495-AA21A4D9A7DE}"/>
               </a:ext>
             </a:extLst>
           </p:cNvPr>
           <p:cNvCxnSpPr>
             <a:cxnSpLocks/>
+            <a:stCxn id="58" idx="3"/>
+            <a:endCxn id="99" idx="1"/>
           </p:cNvCxnSpPr>
           <p:nvPr/>
         </p:nvCxnSpPr>
         <p:spPr>
           <a:xfrm flipV="1">
-            <a:off x="19254286" y="14547985"/>
-            <a:ext cx="4299486" cy="1065346"/>
+            <a:off x="11855644" y="15608505"/>
+            <a:ext cx="1795448" cy="7634"/>
           </a:xfrm>
-          <a:prstGeom prst="bentConnector3">
-            <a:avLst>
-              <a:gd name="adj1" fmla="val 99270"/>
-            </a:avLst>
+          <a:prstGeom prst="straightConnector1">
+            <a:avLst/>
           </a:prstGeom>
           <a:ln w="76200">
             <a:solidFill>
               <a:schemeClr val="tx1"/>
             </a:solidFill>
+            <a:headEnd type="triangle"/>
             <a:tailEnd type="triangle"/>
           </a:ln>
         </p:spPr>
@@ -6245,32 +5874,32 @@
       </p:cxnSp>
       <p:cxnSp>
         <p:nvCxnSpPr>
-          <p:cNvPr id="192" name="Connector: Elbow 191">
+          <p:cNvPr id="70" name="Straight Arrow Connector 69">
             <a:extLst>
               <a:ext uri="{FF2B5EF4-FFF2-40B4-BE49-F238E27FC236}">
-                <a16:creationId xmlns:a16="http://schemas.microsoft.com/office/drawing/2014/main" id="{60E7F688-754E-4428-8F63-20A54498A06E}"/>
+                <a16:creationId xmlns:a16="http://schemas.microsoft.com/office/drawing/2014/main" id="{16671A86-8BF8-4B08-900A-ED042536E5BF}"/>
               </a:ext>
             </a:extLst>
           </p:cNvPr>
           <p:cNvCxnSpPr>
             <a:cxnSpLocks/>
+            <a:stCxn id="160" idx="0"/>
           </p:cNvCxnSpPr>
           <p:nvPr/>
         </p:nvCxnSpPr>
         <p:spPr>
-          <a:xfrm rot="10800000" flipV="1">
-            <a:off x="15543393" y="14572777"/>
-            <a:ext cx="9562055" cy="1414220"/>
+          <a:xfrm flipV="1">
+            <a:off x="18883512" y="12647262"/>
+            <a:ext cx="0" cy="718914"/>
           </a:xfrm>
-          <a:prstGeom prst="bentConnector3">
-            <a:avLst>
-              <a:gd name="adj1" fmla="val 273"/>
-            </a:avLst>
+          <a:prstGeom prst="straightConnector1">
+            <a:avLst/>
           </a:prstGeom>
           <a:ln w="76200">
             <a:solidFill>
               <a:schemeClr val="tx1"/>
             </a:solidFill>
+            <a:headEnd type="triangle"/>
             <a:tailEnd type="triangle"/>
           </a:ln>
         </p:spPr>
@@ -6291,32 +5920,33 @@
       </p:cxnSp>
       <p:cxnSp>
         <p:nvCxnSpPr>
-          <p:cNvPr id="196" name="Connector: Elbow 195">
+          <p:cNvPr id="72" name="Straight Arrow Connector 71">
             <a:extLst>
               <a:ext uri="{FF2B5EF4-FFF2-40B4-BE49-F238E27FC236}">
-                <a16:creationId xmlns:a16="http://schemas.microsoft.com/office/drawing/2014/main" id="{9F359867-084C-4B4D-A64C-E8009DDF8240}"/>
+                <a16:creationId xmlns:a16="http://schemas.microsoft.com/office/drawing/2014/main" id="{6B680904-1536-45FB-9CA7-89097B9624AD}"/>
               </a:ext>
             </a:extLst>
           </p:cNvPr>
           <p:cNvCxnSpPr>
             <a:cxnSpLocks/>
+            <a:stCxn id="158" idx="0"/>
+            <a:endCxn id="14" idx="2"/>
           </p:cNvCxnSpPr>
           <p:nvPr/>
         </p:nvCxnSpPr>
         <p:spPr>
           <a:xfrm flipV="1">
-            <a:off x="25105446" y="14521843"/>
-            <a:ext cx="3268871" cy="1465157"/>
+            <a:off x="25413545" y="12703475"/>
+            <a:ext cx="0" cy="724188"/>
           </a:xfrm>
-          <a:prstGeom prst="bentConnector3">
-            <a:avLst>
-              <a:gd name="adj1" fmla="val 99885"/>
-            </a:avLst>
+          <a:prstGeom prst="straightConnector1">
+            <a:avLst/>
           </a:prstGeom>
           <a:ln w="76200">
             <a:solidFill>
               <a:schemeClr val="tx1"/>
             </a:solidFill>
+            <a:headEnd type="triangle"/>
             <a:tailEnd type="triangle"/>
           </a:ln>
         </p:spPr>
@@ -6337,22 +5967,24 @@
       </p:cxnSp>
       <p:cxnSp>
         <p:nvCxnSpPr>
-          <p:cNvPr id="202" name="Straight Arrow Connector 201">
+          <p:cNvPr id="73" name="Straight Arrow Connector 72">
             <a:extLst>
               <a:ext uri="{FF2B5EF4-FFF2-40B4-BE49-F238E27FC236}">
-                <a16:creationId xmlns:a16="http://schemas.microsoft.com/office/drawing/2014/main" id="{95E40ACF-4AFA-4BF1-BC28-4C58BB7B23DC}"/>
+                <a16:creationId xmlns:a16="http://schemas.microsoft.com/office/drawing/2014/main" id="{06E06E01-3830-4EEF-A6A5-B7E759C0ED57}"/>
               </a:ext>
             </a:extLst>
           </p:cNvPr>
           <p:cNvCxnSpPr>
             <a:cxnSpLocks/>
+            <a:stCxn id="162" idx="0"/>
+            <a:endCxn id="140" idx="2"/>
           </p:cNvCxnSpPr>
           <p:nvPr/>
         </p:nvCxnSpPr>
         <p:spPr>
-          <a:xfrm>
-            <a:off x="29936526" y="12718911"/>
-            <a:ext cx="0" cy="708752"/>
+          <a:xfrm flipV="1">
+            <a:off x="29384326" y="12759548"/>
+            <a:ext cx="20584" cy="712269"/>
           </a:xfrm>
           <a:prstGeom prst="straightConnector1">
             <a:avLst/>
@@ -6361,6 +5993,7 @@
             <a:solidFill>
               <a:schemeClr val="tx1"/>
             </a:solidFill>
+            <a:headEnd type="triangle"/>
             <a:tailEnd type="triangle"/>
           </a:ln>
         </p:spPr>
@@ -6381,22 +6014,24 @@
       </p:cxnSp>
       <p:cxnSp>
         <p:nvCxnSpPr>
-          <p:cNvPr id="203" name="Straight Arrow Connector 202">
+          <p:cNvPr id="74" name="Straight Arrow Connector 73">
             <a:extLst>
               <a:ext uri="{FF2B5EF4-FFF2-40B4-BE49-F238E27FC236}">
-                <a16:creationId xmlns:a16="http://schemas.microsoft.com/office/drawing/2014/main" id="{8685B8A8-CD36-437F-9B00-E47A54D1F5EF}"/>
+                <a16:creationId xmlns:a16="http://schemas.microsoft.com/office/drawing/2014/main" id="{58D80368-FDD0-4C6D-BE03-5BA31623E4BD}"/>
               </a:ext>
             </a:extLst>
           </p:cNvPr>
           <p:cNvCxnSpPr>
             <a:cxnSpLocks/>
+            <a:stCxn id="14" idx="0"/>
+            <a:endCxn id="143" idx="2"/>
           </p:cNvCxnSpPr>
           <p:nvPr/>
         </p:nvCxnSpPr>
         <p:spPr>
           <a:xfrm flipV="1">
-            <a:off x="28384852" y="12718911"/>
-            <a:ext cx="0" cy="708752"/>
+            <a:off x="25413545" y="10803827"/>
+            <a:ext cx="0" cy="805468"/>
           </a:xfrm>
           <a:prstGeom prst="straightConnector1">
             <a:avLst/>
@@ -6405,6 +6040,7 @@
             <a:solidFill>
               <a:schemeClr val="tx1"/>
             </a:solidFill>
+            <a:headEnd type="triangle"/>
             <a:tailEnd type="triangle"/>
           </a:ln>
         </p:spPr>
@@ -6425,10 +6061,158 @@
       </p:cxnSp>
       <p:cxnSp>
         <p:nvCxnSpPr>
-          <p:cNvPr id="209" name="Connector: Elbow 208">
+          <p:cNvPr id="31" name="Connector: Elbow 30">
             <a:extLst>
               <a:ext uri="{FF2B5EF4-FFF2-40B4-BE49-F238E27FC236}">
-                <a16:creationId xmlns:a16="http://schemas.microsoft.com/office/drawing/2014/main" id="{ADF58809-EA33-43B5-A81E-9C5D826EBB76}"/>
+                <a16:creationId xmlns:a16="http://schemas.microsoft.com/office/drawing/2014/main" id="{5D9096A5-40CB-45E2-8401-1829D6E04C59}"/>
+              </a:ext>
+            </a:extLst>
+          </p:cNvPr>
+          <p:cNvCxnSpPr>
+            <a:cxnSpLocks/>
+            <a:stCxn id="99" idx="3"/>
+            <a:endCxn id="160" idx="2"/>
+          </p:cNvCxnSpPr>
+          <p:nvPr/>
+        </p:nvCxnSpPr>
+        <p:spPr>
+          <a:xfrm flipV="1">
+            <a:off x="15543392" y="14549120"/>
+            <a:ext cx="3340120" cy="1059385"/>
+          </a:xfrm>
+          <a:prstGeom prst="bentConnector2">
+            <a:avLst/>
+          </a:prstGeom>
+          <a:ln w="76200">
+            <a:solidFill>
+              <a:schemeClr val="tx1"/>
+            </a:solidFill>
+            <a:headEnd type="triangle"/>
+            <a:tailEnd type="triangle"/>
+          </a:ln>
+        </p:spPr>
+        <p:style>
+          <a:lnRef idx="1">
+            <a:schemeClr val="accent1"/>
+          </a:lnRef>
+          <a:fillRef idx="0">
+            <a:schemeClr val="accent1"/>
+          </a:fillRef>
+          <a:effectRef idx="0">
+            <a:schemeClr val="accent1"/>
+          </a:effectRef>
+          <a:fontRef idx="minor">
+            <a:schemeClr val="tx1"/>
+          </a:fontRef>
+        </p:style>
+      </p:cxnSp>
+      <p:sp>
+        <p:nvSpPr>
+          <p:cNvPr id="34" name="Rectangle 33">
+            <a:extLst>
+              <a:ext uri="{FF2B5EF4-FFF2-40B4-BE49-F238E27FC236}">
+                <a16:creationId xmlns:a16="http://schemas.microsoft.com/office/drawing/2014/main" id="{C7A779D3-227E-4569-8DE3-50F36BEEBA27}"/>
+              </a:ext>
+            </a:extLst>
+          </p:cNvPr>
+          <p:cNvSpPr/>
+          <p:nvPr/>
+        </p:nvSpPr>
+        <p:spPr>
+          <a:xfrm>
+            <a:off x="20316486" y="13368499"/>
+            <a:ext cx="2264940" cy="1182944"/>
+          </a:xfrm>
+          <a:prstGeom prst="rect">
+            <a:avLst/>
+          </a:prstGeom>
+          <a:solidFill>
+            <a:srgbClr val="00B0F0"/>
+          </a:solidFill>
+          <a:ln>
+            <a:solidFill>
+              <a:srgbClr val="00B0F0"/>
+            </a:solidFill>
+          </a:ln>
+        </p:spPr>
+        <p:style>
+          <a:lnRef idx="2">
+            <a:schemeClr val="accent4">
+              <a:shade val="50000"/>
+            </a:schemeClr>
+          </a:lnRef>
+          <a:fillRef idx="1">
+            <a:schemeClr val="accent4"/>
+          </a:fillRef>
+          <a:effectRef idx="0">
+            <a:schemeClr val="accent4"/>
+          </a:effectRef>
+          <a:fontRef idx="minor">
+            <a:schemeClr val="lt1"/>
+          </a:fontRef>
+        </p:style>
+        <p:txBody>
+          <a:bodyPr rtlCol="0" anchor="ctr"/>
+          <a:lstStyle/>
+          <a:p>
+            <a:pPr algn="ctr"/>
+            <a:r>
+              <a:rPr lang="en-GB" sz="2500" dirty="0" err="1">
+                <a:ln w="0"/>
+                <a:solidFill>
+                  <a:schemeClr val="tx1"/>
+                </a:solidFill>
+                <a:effectLst>
+                  <a:outerShdw blurRad="38100" dist="19050" dir="2700000" algn="tl" rotWithShape="0">
+                    <a:schemeClr val="dk1">
+                      <a:alpha val="40000"/>
+                    </a:schemeClr>
+                  </a:outerShdw>
+                </a:effectLst>
+              </a:rPr>
+              <a:t>Wifi</a:t>
+            </a:r>
+            <a:endParaRPr lang="en-GB" sz="2500" dirty="0">
+              <a:ln w="0"/>
+              <a:solidFill>
+                <a:schemeClr val="tx1"/>
+              </a:solidFill>
+              <a:effectLst>
+                <a:outerShdw blurRad="38100" dist="19050" dir="2700000" algn="tl" rotWithShape="0">
+                  <a:schemeClr val="dk1">
+                    <a:alpha val="40000"/>
+                  </a:schemeClr>
+                </a:outerShdw>
+              </a:effectLst>
+            </a:endParaRPr>
+          </a:p>
+          <a:p>
+            <a:pPr algn="ctr"/>
+            <a:r>
+              <a:rPr lang="en-GB" sz="2500" dirty="0">
+                <a:ln w="0"/>
+                <a:solidFill>
+                  <a:schemeClr val="tx1"/>
+                </a:solidFill>
+                <a:effectLst>
+                  <a:outerShdw blurRad="38100" dist="19050" dir="2700000" algn="tl" rotWithShape="0">
+                    <a:schemeClr val="dk1">
+                      <a:alpha val="40000"/>
+                    </a:schemeClr>
+                  </a:outerShdw>
+                </a:effectLst>
+              </a:rPr>
+              <a:t>Module</a:t>
+            </a:r>
+          </a:p>
+        </p:txBody>
+      </p:sp>
+      <p:cxnSp>
+        <p:nvCxnSpPr>
+          <p:cNvPr id="120" name="Straight Arrow Connector 119">
+            <a:extLst>
+              <a:ext uri="{FF2B5EF4-FFF2-40B4-BE49-F238E27FC236}">
+                <a16:creationId xmlns:a16="http://schemas.microsoft.com/office/drawing/2014/main" id="{54E1EFC5-3B55-4E54-978F-22880A82EC91}"/>
               </a:ext>
             </a:extLst>
           </p:cNvPr>
@@ -6438,19 +6222,18 @@
           <p:nvPr/>
         </p:nvCxnSpPr>
         <p:spPr>
-          <a:xfrm rot="10800000" flipV="1">
-            <a:off x="15543392" y="14600054"/>
-            <a:ext cx="2775088" cy="667978"/>
+          <a:xfrm flipV="1">
+            <a:off x="21386149" y="12618368"/>
+            <a:ext cx="0" cy="718914"/>
           </a:xfrm>
-          <a:prstGeom prst="bentConnector3">
-            <a:avLst>
-              <a:gd name="adj1" fmla="val 25"/>
-            </a:avLst>
+          <a:prstGeom prst="straightConnector1">
+            <a:avLst/>
           </a:prstGeom>
           <a:ln w="76200">
             <a:solidFill>
               <a:schemeClr val="tx1"/>
             </a:solidFill>
+            <a:headEnd type="triangle"/>
             <a:tailEnd type="triangle"/>
           </a:ln>
         </p:spPr>
@@ -6471,32 +6254,35 @@
       </p:cxnSp>
       <p:cxnSp>
         <p:nvCxnSpPr>
-          <p:cNvPr id="217" name="Connector: Elbow 216">
+          <p:cNvPr id="122" name="Connector: Elbow 121">
             <a:extLst>
               <a:ext uri="{FF2B5EF4-FFF2-40B4-BE49-F238E27FC236}">
-                <a16:creationId xmlns:a16="http://schemas.microsoft.com/office/drawing/2014/main" id="{409F944C-10DD-440A-9B41-B7216A3EA78A}"/>
+                <a16:creationId xmlns:a16="http://schemas.microsoft.com/office/drawing/2014/main" id="{CD00579E-BFCF-4D27-816A-36F0E789F45A}"/>
               </a:ext>
             </a:extLst>
           </p:cNvPr>
           <p:cNvCxnSpPr>
             <a:cxnSpLocks/>
+            <a:stCxn id="34" idx="2"/>
+            <a:endCxn id="80" idx="2"/>
           </p:cNvCxnSpPr>
           <p:nvPr/>
         </p:nvCxnSpPr>
         <p:spPr>
-          <a:xfrm rot="10800000" flipV="1">
-            <a:off x="15543394" y="14537824"/>
-            <a:ext cx="14393133" cy="1778095"/>
+          <a:xfrm rot="5400000" flipH="1" flipV="1">
+            <a:off x="22892204" y="13033169"/>
+            <a:ext cx="75025" cy="2961523"/>
           </a:xfrm>
           <a:prstGeom prst="bentConnector3">
             <a:avLst>
-              <a:gd name="adj1" fmla="val 23"/>
+              <a:gd name="adj1" fmla="val -1584432"/>
             </a:avLst>
           </a:prstGeom>
           <a:ln w="76200">
             <a:solidFill>
               <a:schemeClr val="tx1"/>
             </a:solidFill>
+            <a:headEnd type="triangle"/>
             <a:tailEnd type="triangle"/>
           </a:ln>
         </p:spPr>
@@ -6517,30 +6303,35 @@
       </p:cxnSp>
       <p:cxnSp>
         <p:nvCxnSpPr>
-          <p:cNvPr id="233" name="Straight Arrow Connector 232">
+          <p:cNvPr id="131" name="Connector: Elbow 130">
             <a:extLst>
               <a:ext uri="{FF2B5EF4-FFF2-40B4-BE49-F238E27FC236}">
-                <a16:creationId xmlns:a16="http://schemas.microsoft.com/office/drawing/2014/main" id="{CF7A2975-2EE5-4C2A-84FF-7D747B3B6CD8}"/>
+                <a16:creationId xmlns:a16="http://schemas.microsoft.com/office/drawing/2014/main" id="{37140C7C-682D-4637-8388-940495D735B1}"/>
               </a:ext>
             </a:extLst>
           </p:cNvPr>
           <p:cNvCxnSpPr>
             <a:cxnSpLocks/>
+            <a:stCxn id="75" idx="2"/>
+            <a:endCxn id="162" idx="2"/>
           </p:cNvCxnSpPr>
           <p:nvPr/>
         </p:nvCxnSpPr>
         <p:spPr>
-          <a:xfrm>
-            <a:off x="18318480" y="12613095"/>
-            <a:ext cx="0" cy="708752"/>
+          <a:xfrm rot="16200000" flipH="1">
+            <a:off x="27879742" y="13027612"/>
+            <a:ext cx="55779" cy="2953389"/>
           </a:xfrm>
-          <a:prstGeom prst="straightConnector1">
-            <a:avLst/>
+          <a:prstGeom prst="bentConnector3">
+            <a:avLst>
+              <a:gd name="adj1" fmla="val 2258447"/>
+            </a:avLst>
           </a:prstGeom>
           <a:ln w="76200">
             <a:solidFill>
               <a:schemeClr val="tx1"/>
             </a:solidFill>
+            <a:headEnd type="triangle"/>
             <a:tailEnd type="triangle"/>
           </a:ln>
         </p:spPr>
@@ -6559,50 +6350,138 @@
           </a:fontRef>
         </p:style>
       </p:cxnSp>
-      <p:cxnSp>
-        <p:nvCxnSpPr>
-          <p:cNvPr id="234" name="Straight Arrow Connector 233">
+      <p:sp>
+        <p:nvSpPr>
+          <p:cNvPr id="75" name="Rectangle 74">
             <a:extLst>
               <a:ext uri="{FF2B5EF4-FFF2-40B4-BE49-F238E27FC236}">
-                <a16:creationId xmlns:a16="http://schemas.microsoft.com/office/drawing/2014/main" id="{27A3E848-4541-4860-8A75-0A2CF95367B6}"/>
+                <a16:creationId xmlns:a16="http://schemas.microsoft.com/office/drawing/2014/main" id="{9EA3CFF4-6A0B-4E05-9B1C-086EC0BC4507}"/>
               </a:ext>
             </a:extLst>
           </p:cNvPr>
-          <p:cNvCxnSpPr>
-            <a:cxnSpLocks/>
-          </p:cNvCxnSpPr>
+          <p:cNvSpPr/>
           <p:nvPr/>
-        </p:nvCxnSpPr>
+        </p:nvSpPr>
         <p:spPr>
-          <a:xfrm flipV="1">
-            <a:off x="20025360" y="12613095"/>
-            <a:ext cx="0" cy="708752"/>
+          <a:xfrm>
+            <a:off x="25967171" y="13461463"/>
+            <a:ext cx="927531" cy="1014955"/>
           </a:xfrm>
-          <a:prstGeom prst="straightConnector1">
+          <a:prstGeom prst="rect">
             <a:avLst/>
           </a:prstGeom>
-          <a:ln w="76200">
+          <a:solidFill>
+            <a:srgbClr val="00B0F0"/>
+          </a:solidFill>
+          <a:ln>
             <a:solidFill>
-              <a:schemeClr val="tx1"/>
+              <a:srgbClr val="00B0F0"/>
             </a:solidFill>
-            <a:tailEnd type="triangle"/>
           </a:ln>
         </p:spPr>
         <p:style>
-          <a:lnRef idx="1">
-            <a:schemeClr val="accent1"/>
+          <a:lnRef idx="2">
+            <a:schemeClr val="accent4">
+              <a:shade val="50000"/>
+            </a:schemeClr>
           </a:lnRef>
-          <a:fillRef idx="0">
-            <a:schemeClr val="accent1"/>
+          <a:fillRef idx="1">
+            <a:schemeClr val="accent4"/>
           </a:fillRef>
           <a:effectRef idx="0">
-            <a:schemeClr val="accent1"/>
+            <a:schemeClr val="accent4"/>
           </a:effectRef>
           <a:fontRef idx="minor">
-            <a:schemeClr val="tx1"/>
+            <a:schemeClr val="lt1"/>
           </a:fontRef>
         </p:style>
-      </p:cxnSp>
+        <p:txBody>
+          <a:bodyPr rtlCol="0" anchor="ctr"/>
+          <a:lstStyle/>
+          <a:p>
+            <a:pPr algn="ctr"/>
+            <a:endParaRPr lang="en-GB" sz="2500" dirty="0">
+              <a:ln w="0"/>
+              <a:solidFill>
+                <a:schemeClr val="tx1"/>
+              </a:solidFill>
+              <a:effectLst>
+                <a:outerShdw blurRad="38100" dist="19050" dir="2700000" algn="tl" rotWithShape="0">
+                  <a:schemeClr val="dk1">
+                    <a:alpha val="40000"/>
+                  </a:schemeClr>
+                </a:outerShdw>
+              </a:effectLst>
+            </a:endParaRPr>
+          </a:p>
+        </p:txBody>
+      </p:sp>
+      <p:sp>
+        <p:nvSpPr>
+          <p:cNvPr id="80" name="Rectangle 79">
+            <a:extLst>
+              <a:ext uri="{FF2B5EF4-FFF2-40B4-BE49-F238E27FC236}">
+                <a16:creationId xmlns:a16="http://schemas.microsoft.com/office/drawing/2014/main" id="{698B8AE3-CDFD-4792-A888-99A8FFE0CED4}"/>
+              </a:ext>
+            </a:extLst>
+          </p:cNvPr>
+          <p:cNvSpPr/>
+          <p:nvPr/>
+        </p:nvSpPr>
+        <p:spPr>
+          <a:xfrm>
+            <a:off x="23946713" y="13461463"/>
+            <a:ext cx="927531" cy="1014955"/>
+          </a:xfrm>
+          <a:prstGeom prst="rect">
+            <a:avLst/>
+          </a:prstGeom>
+          <a:solidFill>
+            <a:srgbClr val="00B0F0"/>
+          </a:solidFill>
+          <a:ln>
+            <a:solidFill>
+              <a:srgbClr val="00B0F0"/>
+            </a:solidFill>
+          </a:ln>
+        </p:spPr>
+        <p:style>
+          <a:lnRef idx="2">
+            <a:schemeClr val="accent4">
+              <a:shade val="50000"/>
+            </a:schemeClr>
+          </a:lnRef>
+          <a:fillRef idx="1">
+            <a:schemeClr val="accent4"/>
+          </a:fillRef>
+          <a:effectRef idx="0">
+            <a:schemeClr val="accent4"/>
+          </a:effectRef>
+          <a:fontRef idx="minor">
+            <a:schemeClr val="lt1"/>
+          </a:fontRef>
+        </p:style>
+        <p:txBody>
+          <a:bodyPr rtlCol="0" anchor="ctr"/>
+          <a:lstStyle/>
+          <a:p>
+            <a:pPr algn="ctr"/>
+            <a:endParaRPr lang="en-GB" sz="2500" dirty="0">
+              <a:ln w="0"/>
+              <a:solidFill>
+                <a:schemeClr val="tx1"/>
+              </a:solidFill>
+              <a:effectLst>
+                <a:outerShdw blurRad="38100" dist="19050" dir="2700000" algn="tl" rotWithShape="0">
+                  <a:schemeClr val="dk1">
+                    <a:alpha val="40000"/>
+                  </a:schemeClr>
+                </a:outerShdw>
+              </a:effectLst>
+            </a:endParaRPr>
+          </a:p>
+        </p:txBody>
+      </p:sp>
     </p:spTree>
     <p:extLst>
       <p:ext uri="{BB962C8B-B14F-4D97-AF65-F5344CB8AC3E}">

--- a/system_overview/SystemOverview.pptx
+++ b/system_overview/SystemOverview.pptx
@@ -3423,7 +3423,7 @@
         <p:spPr>
           <a:xfrm>
             <a:off x="1965961" y="10443500"/>
-            <a:ext cx="14598748" cy="11086991"/>
+            <a:ext cx="14598748" cy="11314531"/>
           </a:xfrm>
           <a:prstGeom prst="rect">
             <a:avLst/>
@@ -3918,7 +3918,7 @@
                   <a:schemeClr val="bg1"/>
                 </a:solidFill>
               </a:rPr>
-              <a:t>Charger</a:t>
+              <a:t>Charging Station</a:t>
             </a:r>
           </a:p>
         </p:txBody>
@@ -4784,6 +4784,14 @@
           <a:prstGeom prst="rect">
             <a:avLst/>
           </a:prstGeom>
+          <a:solidFill>
+            <a:srgbClr val="FFC000"/>
+          </a:solidFill>
+          <a:ln>
+            <a:solidFill>
+              <a:srgbClr val="FFC000"/>
+            </a:solidFill>
+          </a:ln>
         </p:spPr>
         <p:style>
           <a:lnRef idx="2">
@@ -4979,242 +4987,6 @@
               </a:rPr>
               <a:t>Bluetooth</a:t>
             </a:r>
-          </a:p>
-          <a:p>
-            <a:pPr algn="ctr"/>
-            <a:r>
-              <a:rPr lang="en-GB" sz="2500" dirty="0">
-                <a:ln w="0"/>
-                <a:solidFill>
-                  <a:schemeClr val="tx1"/>
-                </a:solidFill>
-                <a:effectLst>
-                  <a:outerShdw blurRad="38100" dist="19050" dir="2700000" algn="tl" rotWithShape="0">
-                    <a:schemeClr val="dk1">
-                      <a:alpha val="40000"/>
-                    </a:schemeClr>
-                  </a:outerShdw>
-                </a:effectLst>
-              </a:rPr>
-              <a:t>Module</a:t>
-            </a:r>
-          </a:p>
-        </p:txBody>
-      </p:sp>
-      <p:grpSp>
-        <p:nvGrpSpPr>
-          <p:cNvPr id="141" name="Group 140">
-            <a:extLst>
-              <a:ext uri="{FF2B5EF4-FFF2-40B4-BE49-F238E27FC236}">
-                <a16:creationId xmlns:a16="http://schemas.microsoft.com/office/drawing/2014/main" id="{74308C95-D85F-4C2F-9F6B-BBA11FE51CBD}"/>
-              </a:ext>
-            </a:extLst>
-          </p:cNvPr>
-          <p:cNvGrpSpPr/>
-          <p:nvPr/>
-        </p:nvGrpSpPr>
-        <p:grpSpPr>
-          <a:xfrm>
-            <a:off x="27667106" y="10002223"/>
-            <a:ext cx="3437738" cy="4934841"/>
-            <a:chOff x="26062135" y="14988903"/>
-            <a:chExt cx="3397017" cy="4934841"/>
-          </a:xfrm>
-        </p:grpSpPr>
-        <p:sp>
-          <p:nvSpPr>
-            <p:cNvPr id="8" name="Rectangle 7">
-              <a:extLst>
-                <a:ext uri="{FF2B5EF4-FFF2-40B4-BE49-F238E27FC236}">
-                  <a16:creationId xmlns:a16="http://schemas.microsoft.com/office/drawing/2014/main" id="{6AE8DFA6-A523-4429-9585-4EE8FEB56DB8}"/>
-                </a:ext>
-              </a:extLst>
-            </p:cNvPr>
-            <p:cNvSpPr/>
-            <p:nvPr/>
-          </p:nvSpPr>
-          <p:spPr>
-            <a:xfrm>
-              <a:off x="26062135" y="14988903"/>
-              <a:ext cx="3397017" cy="4934841"/>
-            </a:xfrm>
-            <a:prstGeom prst="rect">
-              <a:avLst/>
-            </a:prstGeom>
-          </p:spPr>
-          <p:style>
-            <a:lnRef idx="2">
-              <a:schemeClr val="accent1">
-                <a:shade val="50000"/>
-              </a:schemeClr>
-            </a:lnRef>
-            <a:fillRef idx="1">
-              <a:schemeClr val="accent1"/>
-            </a:fillRef>
-            <a:effectRef idx="0">
-              <a:schemeClr val="accent1"/>
-            </a:effectRef>
-            <a:fontRef idx="minor">
-              <a:schemeClr val="lt1"/>
-            </a:fontRef>
-          </p:style>
-          <p:txBody>
-            <a:bodyPr rtlCol="0" anchor="t"/>
-            <a:lstStyle/>
-            <a:p>
-              <a:pPr algn="ctr"/>
-              <a:r>
-                <a:rPr lang="en-GB" sz="4000" dirty="0">
-                  <a:solidFill>
-                    <a:schemeClr val="bg1"/>
-                  </a:solidFill>
-                </a:rPr>
-                <a:t>Personal Computer</a:t>
-              </a:r>
-            </a:p>
-          </p:txBody>
-        </p:sp>
-        <p:sp>
-          <p:nvSpPr>
-            <p:cNvPr id="140" name="Rectangle 139">
-              <a:extLst>
-                <a:ext uri="{FF2B5EF4-FFF2-40B4-BE49-F238E27FC236}">
-                  <a16:creationId xmlns:a16="http://schemas.microsoft.com/office/drawing/2014/main" id="{4CD9F8D1-D7AC-4DEE-B7F3-FC9E6069ABC8}"/>
-                </a:ext>
-              </a:extLst>
-            </p:cNvPr>
-            <p:cNvSpPr/>
-            <p:nvPr/>
-          </p:nvSpPr>
-          <p:spPr>
-            <a:xfrm>
-              <a:off x="26581177" y="16652048"/>
-              <a:ext cx="2396359" cy="1094180"/>
-            </a:xfrm>
-            <a:prstGeom prst="rect">
-              <a:avLst/>
-            </a:prstGeom>
-          </p:spPr>
-          <p:style>
-            <a:lnRef idx="2">
-              <a:schemeClr val="accent4">
-                <a:shade val="50000"/>
-              </a:schemeClr>
-            </a:lnRef>
-            <a:fillRef idx="1">
-              <a:schemeClr val="accent4"/>
-            </a:fillRef>
-            <a:effectRef idx="0">
-              <a:schemeClr val="accent4"/>
-            </a:effectRef>
-            <a:fontRef idx="minor">
-              <a:schemeClr val="lt1"/>
-            </a:fontRef>
-          </p:style>
-          <p:txBody>
-            <a:bodyPr rtlCol="0" anchor="ctr"/>
-            <a:lstStyle/>
-            <a:p>
-              <a:pPr algn="ctr"/>
-              <a:r>
-                <a:rPr lang="en-GB" sz="2500" dirty="0">
-                  <a:ln w="0"/>
-                  <a:solidFill>
-                    <a:schemeClr val="tx1"/>
-                  </a:solidFill>
-                  <a:effectLst>
-                    <a:outerShdw blurRad="38100" dist="19050" dir="2700000" algn="tl" rotWithShape="0">
-                      <a:schemeClr val="dk1">
-                        <a:alpha val="40000"/>
-                      </a:schemeClr>
-                    </a:outerShdw>
-                  </a:effectLst>
-                </a:rPr>
-                <a:t>Desktop Application</a:t>
-              </a:r>
-            </a:p>
-          </p:txBody>
-        </p:sp>
-      </p:grpSp>
-      <p:sp>
-        <p:nvSpPr>
-          <p:cNvPr id="162" name="Rectangle 161">
-            <a:extLst>
-              <a:ext uri="{FF2B5EF4-FFF2-40B4-BE49-F238E27FC236}">
-                <a16:creationId xmlns:a16="http://schemas.microsoft.com/office/drawing/2014/main" id="{475A51D1-C9F4-4A5C-9F57-5B996A3BBF54}"/>
-              </a:ext>
-            </a:extLst>
-          </p:cNvPr>
-          <p:cNvSpPr/>
-          <p:nvPr/>
-        </p:nvSpPr>
-        <p:spPr>
-          <a:xfrm>
-            <a:off x="28186146" y="13471817"/>
-            <a:ext cx="2396359" cy="1060380"/>
-          </a:xfrm>
-          <a:prstGeom prst="rect">
-            <a:avLst/>
-          </a:prstGeom>
-          <a:solidFill>
-            <a:srgbClr val="00B0F0"/>
-          </a:solidFill>
-          <a:ln>
-            <a:solidFill>
-              <a:srgbClr val="00B0F0"/>
-            </a:solidFill>
-          </a:ln>
-        </p:spPr>
-        <p:style>
-          <a:lnRef idx="2">
-            <a:schemeClr val="accent4">
-              <a:shade val="50000"/>
-            </a:schemeClr>
-          </a:lnRef>
-          <a:fillRef idx="1">
-            <a:schemeClr val="accent4"/>
-          </a:fillRef>
-          <a:effectRef idx="0">
-            <a:schemeClr val="accent4"/>
-          </a:effectRef>
-          <a:fontRef idx="minor">
-            <a:schemeClr val="lt1"/>
-          </a:fontRef>
-        </p:style>
-        <p:txBody>
-          <a:bodyPr rtlCol="0" anchor="ctr"/>
-          <a:lstStyle/>
-          <a:p>
-            <a:pPr algn="ctr"/>
-            <a:r>
-              <a:rPr lang="en-GB" sz="2500" dirty="0" err="1">
-                <a:ln w="0"/>
-                <a:solidFill>
-                  <a:schemeClr val="tx1"/>
-                </a:solidFill>
-                <a:effectLst>
-                  <a:outerShdw blurRad="38100" dist="19050" dir="2700000" algn="tl" rotWithShape="0">
-                    <a:schemeClr val="dk1">
-                      <a:alpha val="40000"/>
-                    </a:schemeClr>
-                  </a:outerShdw>
-                </a:effectLst>
-              </a:rPr>
-              <a:t>Wifi</a:t>
-            </a:r>
-            <a:endParaRPr lang="en-GB" sz="2500" dirty="0">
-              <a:ln w="0"/>
-              <a:solidFill>
-                <a:schemeClr val="tx1"/>
-              </a:solidFill>
-              <a:effectLst>
-                <a:outerShdw blurRad="38100" dist="19050" dir="2700000" algn="tl" rotWithShape="0">
-                  <a:schemeClr val="dk1">
-                    <a:alpha val="40000"/>
-                  </a:schemeClr>
-                </a:outerShdw>
-              </a:effectLst>
-            </a:endParaRPr>
           </a:p>
           <a:p>
             <a:pPr algn="ctr"/>
@@ -5330,6 +5102,16 @@
             <a:prstGeom prst="rect">
               <a:avLst/>
             </a:prstGeom>
+            <a:solidFill>
+              <a:srgbClr val="FFC000"/>
+            </a:solidFill>
+            <a:ln>
+              <a:solidFill>
+                <a:schemeClr val="bg2">
+                  <a:lumMod val="50000"/>
+                </a:schemeClr>
+              </a:solidFill>
+            </a:ln>
           </p:spPr>
           <p:style>
             <a:lnRef idx="2">
@@ -5391,6 +5173,14 @@
             <a:prstGeom prst="rect">
               <a:avLst/>
             </a:prstGeom>
+            <a:solidFill>
+              <a:srgbClr val="FF0000"/>
+            </a:solidFill>
+            <a:ln>
+              <a:solidFill>
+                <a:srgbClr val="FF0000"/>
+              </a:solidFill>
+            </a:ln>
           </p:spPr>
           <p:style>
             <a:lnRef idx="2">
@@ -5427,7 +5217,7 @@
                     </a:outerShdw>
                   </a:effectLst>
                 </a:rPr>
-                <a:t>Machine Learning Algorithm</a:t>
+                <a:t>Server Application</a:t>
               </a:r>
             </a:p>
           </p:txBody>
@@ -5647,6 +5437,14 @@
               <a:prstGeom prst="rect">
                 <a:avLst/>
               </a:prstGeom>
+              <a:solidFill>
+                <a:srgbClr val="FF0000"/>
+              </a:solidFill>
+              <a:ln>
+                <a:solidFill>
+                  <a:srgbClr val="FF0000"/>
+                </a:solidFill>
+              </a:ln>
             </p:spPr>
             <p:style>
               <a:lnRef idx="2">
@@ -5967,53 +5765,6 @@
       </p:cxnSp>
       <p:cxnSp>
         <p:nvCxnSpPr>
-          <p:cNvPr id="73" name="Straight Arrow Connector 72">
-            <a:extLst>
-              <a:ext uri="{FF2B5EF4-FFF2-40B4-BE49-F238E27FC236}">
-                <a16:creationId xmlns:a16="http://schemas.microsoft.com/office/drawing/2014/main" id="{06E06E01-3830-4EEF-A6A5-B7E759C0ED57}"/>
-              </a:ext>
-            </a:extLst>
-          </p:cNvPr>
-          <p:cNvCxnSpPr>
-            <a:cxnSpLocks/>
-            <a:stCxn id="162" idx="0"/>
-            <a:endCxn id="140" idx="2"/>
-          </p:cNvCxnSpPr>
-          <p:nvPr/>
-        </p:nvCxnSpPr>
-        <p:spPr>
-          <a:xfrm flipV="1">
-            <a:off x="29384326" y="12759548"/>
-            <a:ext cx="20584" cy="712269"/>
-          </a:xfrm>
-          <a:prstGeom prst="straightConnector1">
-            <a:avLst/>
-          </a:prstGeom>
-          <a:ln w="76200">
-            <a:solidFill>
-              <a:schemeClr val="tx1"/>
-            </a:solidFill>
-            <a:headEnd type="triangle"/>
-            <a:tailEnd type="triangle"/>
-          </a:ln>
-        </p:spPr>
-        <p:style>
-          <a:lnRef idx="1">
-            <a:schemeClr val="accent1"/>
-          </a:lnRef>
-          <a:fillRef idx="0">
-            <a:schemeClr val="accent1"/>
-          </a:fillRef>
-          <a:effectRef idx="0">
-            <a:schemeClr val="accent1"/>
-          </a:effectRef>
-          <a:fontRef idx="minor">
-            <a:schemeClr val="tx1"/>
-          </a:fontRef>
-        </p:style>
-      </p:cxnSp>
-      <p:cxnSp>
-        <p:nvCxnSpPr>
           <p:cNvPr id="74" name="Straight Arrow Connector 73">
             <a:extLst>
               <a:ext uri="{FF2B5EF4-FFF2-40B4-BE49-F238E27FC236}">
@@ -6264,67 +6015,18 @@
           <p:cNvCxnSpPr>
             <a:cxnSpLocks/>
             <a:stCxn id="34" idx="2"/>
-            <a:endCxn id="80" idx="2"/>
+            <a:endCxn id="158" idx="2"/>
           </p:cNvCxnSpPr>
           <p:nvPr/>
         </p:nvCxnSpPr>
         <p:spPr>
           <a:xfrm rot="5400000" flipH="1" flipV="1">
-            <a:off x="22892204" y="13033169"/>
-            <a:ext cx="75025" cy="2961523"/>
+            <a:off x="23416450" y="12554348"/>
+            <a:ext cx="29600" cy="3964589"/>
           </a:xfrm>
           <a:prstGeom prst="bentConnector3">
             <a:avLst>
-              <a:gd name="adj1" fmla="val -1584432"/>
-            </a:avLst>
-          </a:prstGeom>
-          <a:ln w="76200">
-            <a:solidFill>
-              <a:schemeClr val="tx1"/>
-            </a:solidFill>
-            <a:headEnd type="triangle"/>
-            <a:tailEnd type="triangle"/>
-          </a:ln>
-        </p:spPr>
-        <p:style>
-          <a:lnRef idx="1">
-            <a:schemeClr val="accent1"/>
-          </a:lnRef>
-          <a:fillRef idx="0">
-            <a:schemeClr val="accent1"/>
-          </a:fillRef>
-          <a:effectRef idx="0">
-            <a:schemeClr val="accent1"/>
-          </a:effectRef>
-          <a:fontRef idx="minor">
-            <a:schemeClr val="tx1"/>
-          </a:fontRef>
-        </p:style>
-      </p:cxnSp>
-      <p:cxnSp>
-        <p:nvCxnSpPr>
-          <p:cNvPr id="131" name="Connector: Elbow 130">
-            <a:extLst>
-              <a:ext uri="{FF2B5EF4-FFF2-40B4-BE49-F238E27FC236}">
-                <a16:creationId xmlns:a16="http://schemas.microsoft.com/office/drawing/2014/main" id="{37140C7C-682D-4637-8388-940495D735B1}"/>
-              </a:ext>
-            </a:extLst>
-          </p:cNvPr>
-          <p:cNvCxnSpPr>
-            <a:cxnSpLocks/>
-            <a:stCxn id="75" idx="2"/>
-            <a:endCxn id="162" idx="2"/>
-          </p:cNvCxnSpPr>
-          <p:nvPr/>
-        </p:nvCxnSpPr>
-        <p:spPr>
-          <a:xfrm rot="16200000" flipH="1">
-            <a:off x="27879742" y="13027612"/>
-            <a:ext cx="55779" cy="2953389"/>
-          </a:xfrm>
-          <a:prstGeom prst="bentConnector3">
-            <a:avLst>
-              <a:gd name="adj1" fmla="val 2258447"/>
+              <a:gd name="adj1" fmla="val -3861493"/>
             </a:avLst>
           </a:prstGeom>
           <a:ln w="76200">

--- a/system_overview/SystemOverview.pptx
+++ b/system_overview/SystemOverview.pptx
@@ -197,7 +197,7 @@
           <a:p>
             <a:fld id="{B7678407-DB36-40D4-A9A8-240E7D76D023}" type="datetimeFigureOut">
               <a:rPr lang="en-GB" smtClean="0"/>
-              <a:t>18/11/2020</a:t>
+              <a:t>23/11/2020</a:t>
             </a:fld>
             <a:endParaRPr lang="en-GB"/>
           </a:p>
@@ -680,7 +680,7 @@
           <a:p>
             <a:fld id="{53227B52-D19E-494A-ACCE-1D7F88203449}" type="datetimeFigureOut">
               <a:rPr lang="en-GB" smtClean="0"/>
-              <a:t>18/11/2020</a:t>
+              <a:t>23/11/2020</a:t>
             </a:fld>
             <a:endParaRPr lang="en-GB"/>
           </a:p>
@@ -850,7 +850,7 @@
           <a:p>
             <a:fld id="{53227B52-D19E-494A-ACCE-1D7F88203449}" type="datetimeFigureOut">
               <a:rPr lang="en-GB" smtClean="0"/>
-              <a:t>18/11/2020</a:t>
+              <a:t>23/11/2020</a:t>
             </a:fld>
             <a:endParaRPr lang="en-GB"/>
           </a:p>
@@ -1030,7 +1030,7 @@
           <a:p>
             <a:fld id="{53227B52-D19E-494A-ACCE-1D7F88203449}" type="datetimeFigureOut">
               <a:rPr lang="en-GB" smtClean="0"/>
-              <a:t>18/11/2020</a:t>
+              <a:t>23/11/2020</a:t>
             </a:fld>
             <a:endParaRPr lang="en-GB"/>
           </a:p>
@@ -1200,7 +1200,7 @@
           <a:p>
             <a:fld id="{53227B52-D19E-494A-ACCE-1D7F88203449}" type="datetimeFigureOut">
               <a:rPr lang="en-GB" smtClean="0"/>
-              <a:t>18/11/2020</a:t>
+              <a:t>23/11/2020</a:t>
             </a:fld>
             <a:endParaRPr lang="en-GB"/>
           </a:p>
@@ -1444,7 +1444,7 @@
           <a:p>
             <a:fld id="{53227B52-D19E-494A-ACCE-1D7F88203449}" type="datetimeFigureOut">
               <a:rPr lang="en-GB" smtClean="0"/>
-              <a:t>18/11/2020</a:t>
+              <a:t>23/11/2020</a:t>
             </a:fld>
             <a:endParaRPr lang="en-GB"/>
           </a:p>
@@ -1676,7 +1676,7 @@
           <a:p>
             <a:fld id="{53227B52-D19E-494A-ACCE-1D7F88203449}" type="datetimeFigureOut">
               <a:rPr lang="en-GB" smtClean="0"/>
-              <a:t>18/11/2020</a:t>
+              <a:t>23/11/2020</a:t>
             </a:fld>
             <a:endParaRPr lang="en-GB"/>
           </a:p>
@@ -2043,7 +2043,7 @@
           <a:p>
             <a:fld id="{53227B52-D19E-494A-ACCE-1D7F88203449}" type="datetimeFigureOut">
               <a:rPr lang="en-GB" smtClean="0"/>
-              <a:t>18/11/2020</a:t>
+              <a:t>23/11/2020</a:t>
             </a:fld>
             <a:endParaRPr lang="en-GB"/>
           </a:p>
@@ -2161,7 +2161,7 @@
           <a:p>
             <a:fld id="{53227B52-D19E-494A-ACCE-1D7F88203449}" type="datetimeFigureOut">
               <a:rPr lang="en-GB" smtClean="0"/>
-              <a:t>18/11/2020</a:t>
+              <a:t>23/11/2020</a:t>
             </a:fld>
             <a:endParaRPr lang="en-GB"/>
           </a:p>
@@ -2256,7 +2256,7 @@
           <a:p>
             <a:fld id="{53227B52-D19E-494A-ACCE-1D7F88203449}" type="datetimeFigureOut">
               <a:rPr lang="en-GB" smtClean="0"/>
-              <a:t>18/11/2020</a:t>
+              <a:t>23/11/2020</a:t>
             </a:fld>
             <a:endParaRPr lang="en-GB"/>
           </a:p>
@@ -2533,7 +2533,7 @@
           <a:p>
             <a:fld id="{53227B52-D19E-494A-ACCE-1D7F88203449}" type="datetimeFigureOut">
               <a:rPr lang="en-GB" smtClean="0"/>
-              <a:t>18/11/2020</a:t>
+              <a:t>23/11/2020</a:t>
             </a:fld>
             <a:endParaRPr lang="en-GB"/>
           </a:p>
@@ -2790,7 +2790,7 @@
           <a:p>
             <a:fld id="{53227B52-D19E-494A-ACCE-1D7F88203449}" type="datetimeFigureOut">
               <a:rPr lang="en-GB" smtClean="0"/>
-              <a:t>18/11/2020</a:t>
+              <a:t>23/11/2020</a:t>
             </a:fld>
             <a:endParaRPr lang="en-GB"/>
           </a:p>
@@ -3003,7 +3003,7 @@
           <a:p>
             <a:fld id="{53227B52-D19E-494A-ACCE-1D7F88203449}" type="datetimeFigureOut">
               <a:rPr lang="en-GB" smtClean="0"/>
-              <a:t>18/11/2020</a:t>
+              <a:t>23/11/2020</a:t>
             </a:fld>
             <a:endParaRPr lang="en-GB"/>
           </a:p>
@@ -3422,7 +3422,7 @@
         </p:nvSpPr>
         <p:spPr>
           <a:xfrm>
-            <a:off x="1965961" y="10443500"/>
+            <a:off x="2003912" y="10438253"/>
             <a:ext cx="14598748" cy="11314531"/>
           </a:xfrm>
           <a:prstGeom prst="rect">
@@ -3937,8 +3937,8 @@
         </p:nvSpPr>
         <p:spPr>
           <a:xfrm>
-            <a:off x="5417232" y="11201051"/>
-            <a:ext cx="7425954" cy="1766420"/>
+            <a:off x="10164830" y="11201051"/>
+            <a:ext cx="2678364" cy="1766420"/>
           </a:xfrm>
           <a:prstGeom prst="rect">
             <a:avLst/>
@@ -3987,7 +3987,7 @@
                   </a:outerShdw>
                 </a:effectLst>
               </a:rPr>
-              <a:t>Capacitive Touch OLED Display</a:t>
+              <a:t>OLED Display</a:t>
             </a:r>
           </a:p>
         </p:txBody>
@@ -4849,7 +4849,7 @@
         </p:nvCxnSpPr>
         <p:spPr>
           <a:xfrm flipV="1">
-            <a:off x="10566387" y="12977825"/>
+            <a:off x="11471884" y="12953363"/>
             <a:ext cx="0" cy="1959239"/>
           </a:xfrm>
           <a:prstGeom prst="straightConnector1">
@@ -4877,50 +4877,6 @@
           </a:fontRef>
         </p:style>
       </p:cxnSp>
-      <p:cxnSp>
-        <p:nvCxnSpPr>
-          <p:cNvPr id="93" name="Straight Arrow Connector 92">
-            <a:extLst>
-              <a:ext uri="{FF2B5EF4-FFF2-40B4-BE49-F238E27FC236}">
-                <a16:creationId xmlns:a16="http://schemas.microsoft.com/office/drawing/2014/main" id="{AAF2B47F-56AD-4DC8-9A58-DF0F9709C3B8}"/>
-              </a:ext>
-            </a:extLst>
-          </p:cNvPr>
-          <p:cNvCxnSpPr>
-            <a:cxnSpLocks/>
-          </p:cNvCxnSpPr>
-          <p:nvPr/>
-        </p:nvCxnSpPr>
-        <p:spPr>
-          <a:xfrm>
-            <a:off x="7625421" y="12967471"/>
-            <a:ext cx="0" cy="1959240"/>
-          </a:xfrm>
-          <a:prstGeom prst="straightConnector1">
-            <a:avLst/>
-          </a:prstGeom>
-          <a:ln w="76200">
-            <a:solidFill>
-              <a:schemeClr val="tx1"/>
-            </a:solidFill>
-            <a:tailEnd type="triangle"/>
-          </a:ln>
-        </p:spPr>
-        <p:style>
-          <a:lnRef idx="1">
-            <a:schemeClr val="accent1"/>
-          </a:lnRef>
-          <a:fillRef idx="0">
-            <a:schemeClr val="accent1"/>
-          </a:fillRef>
-          <a:effectRef idx="0">
-            <a:schemeClr val="accent1"/>
-          </a:effectRef>
-          <a:fontRef idx="minor">
-            <a:schemeClr val="tx1"/>
-          </a:fontRef>
-        </p:style>
-      </p:cxnSp>
       <p:sp>
         <p:nvSpPr>
           <p:cNvPr id="99" name="Rectangle 98">
@@ -4935,8 +4891,8 @@
         </p:nvSpPr>
         <p:spPr>
           <a:xfrm>
-            <a:off x="13651092" y="14521843"/>
-            <a:ext cx="1892300" cy="2173324"/>
+            <a:off x="13651092" y="14097000"/>
+            <a:ext cx="1892300" cy="2987040"/>
           </a:xfrm>
           <a:prstGeom prst="rect">
             <a:avLst/>
@@ -5011,321 +4967,6 @@
       </p:sp>
       <p:grpSp>
         <p:nvGrpSpPr>
-          <p:cNvPr id="170" name="Group 169">
-            <a:extLst>
-              <a:ext uri="{FF2B5EF4-FFF2-40B4-BE49-F238E27FC236}">
-                <a16:creationId xmlns:a16="http://schemas.microsoft.com/office/drawing/2014/main" id="{730DD5E0-56C1-4D3A-B1E1-B61732AE498A}"/>
-              </a:ext>
-            </a:extLst>
-          </p:cNvPr>
-          <p:cNvGrpSpPr/>
-          <p:nvPr/>
-        </p:nvGrpSpPr>
-        <p:grpSpPr>
-          <a:xfrm>
-            <a:off x="23523873" y="8647438"/>
-            <a:ext cx="3644184" cy="6289626"/>
-            <a:chOff x="30106708" y="8768862"/>
-            <a:chExt cx="3644184" cy="6289626"/>
-          </a:xfrm>
-        </p:grpSpPr>
-        <p:sp>
-          <p:nvSpPr>
-            <p:cNvPr id="6" name="Rectangle 5">
-              <a:extLst>
-                <a:ext uri="{FF2B5EF4-FFF2-40B4-BE49-F238E27FC236}">
-                  <a16:creationId xmlns:a16="http://schemas.microsoft.com/office/drawing/2014/main" id="{C599A73D-2878-4099-994D-C1265D7414DC}"/>
-                </a:ext>
-              </a:extLst>
-            </p:cNvPr>
-            <p:cNvSpPr/>
-            <p:nvPr/>
-          </p:nvSpPr>
-          <p:spPr>
-            <a:xfrm>
-              <a:off x="30106708" y="8768862"/>
-              <a:ext cx="3644184" cy="6289626"/>
-            </a:xfrm>
-            <a:prstGeom prst="rect">
-              <a:avLst/>
-            </a:prstGeom>
-          </p:spPr>
-          <p:style>
-            <a:lnRef idx="2">
-              <a:schemeClr val="accent1">
-                <a:shade val="50000"/>
-              </a:schemeClr>
-            </a:lnRef>
-            <a:fillRef idx="1">
-              <a:schemeClr val="accent1"/>
-            </a:fillRef>
-            <a:effectRef idx="0">
-              <a:schemeClr val="accent1"/>
-            </a:effectRef>
-            <a:fontRef idx="minor">
-              <a:schemeClr val="lt1"/>
-            </a:fontRef>
-          </p:style>
-          <p:txBody>
-            <a:bodyPr rtlCol="0" anchor="t"/>
-            <a:lstStyle/>
-            <a:p>
-              <a:pPr algn="ctr"/>
-              <a:r>
-                <a:rPr lang="en-GB" sz="4000" dirty="0">
-                  <a:solidFill>
-                    <a:schemeClr val="bg1"/>
-                  </a:solidFill>
-                </a:rPr>
-                <a:t>Server</a:t>
-              </a:r>
-            </a:p>
-          </p:txBody>
-        </p:sp>
-        <p:sp>
-          <p:nvSpPr>
-            <p:cNvPr id="14" name="Rectangle 13">
-              <a:extLst>
-                <a:ext uri="{FF2B5EF4-FFF2-40B4-BE49-F238E27FC236}">
-                  <a16:creationId xmlns:a16="http://schemas.microsoft.com/office/drawing/2014/main" id="{D9676608-2F9E-479A-8B8D-1A001749D1E9}"/>
-                </a:ext>
-              </a:extLst>
-            </p:cNvPr>
-            <p:cNvSpPr/>
-            <p:nvPr/>
-          </p:nvSpPr>
-          <p:spPr>
-            <a:xfrm>
-              <a:off x="30495240" y="11730719"/>
-              <a:ext cx="3002279" cy="1094180"/>
-            </a:xfrm>
-            <a:prstGeom prst="rect">
-              <a:avLst/>
-            </a:prstGeom>
-            <a:solidFill>
-              <a:srgbClr val="FFC000"/>
-            </a:solidFill>
-            <a:ln>
-              <a:solidFill>
-                <a:schemeClr val="bg2">
-                  <a:lumMod val="50000"/>
-                </a:schemeClr>
-              </a:solidFill>
-            </a:ln>
-          </p:spPr>
-          <p:style>
-            <a:lnRef idx="2">
-              <a:schemeClr val="accent4">
-                <a:shade val="50000"/>
-              </a:schemeClr>
-            </a:lnRef>
-            <a:fillRef idx="1">
-              <a:schemeClr val="accent4"/>
-            </a:fillRef>
-            <a:effectRef idx="0">
-              <a:schemeClr val="accent4"/>
-            </a:effectRef>
-            <a:fontRef idx="minor">
-              <a:schemeClr val="lt1"/>
-            </a:fontRef>
-          </p:style>
-          <p:txBody>
-            <a:bodyPr rtlCol="0" anchor="ctr"/>
-            <a:lstStyle/>
-            <a:p>
-              <a:pPr algn="ctr"/>
-              <a:r>
-                <a:rPr lang="en-GB" sz="2500" dirty="0">
-                  <a:ln w="0"/>
-                  <a:solidFill>
-                    <a:schemeClr val="tx1"/>
-                  </a:solidFill>
-                  <a:effectLst>
-                    <a:outerShdw blurRad="38100" dist="19050" dir="2700000" algn="tl" rotWithShape="0">
-                      <a:schemeClr val="dk1">
-                        <a:alpha val="40000"/>
-                      </a:schemeClr>
-                    </a:outerShdw>
-                  </a:effectLst>
-                </a:rPr>
-                <a:t>Long-Term Data Storage</a:t>
-              </a:r>
-            </a:p>
-          </p:txBody>
-        </p:sp>
-        <p:sp>
-          <p:nvSpPr>
-            <p:cNvPr id="143" name="Rectangle 142">
-              <a:extLst>
-                <a:ext uri="{FF2B5EF4-FFF2-40B4-BE49-F238E27FC236}">
-                  <a16:creationId xmlns:a16="http://schemas.microsoft.com/office/drawing/2014/main" id="{399F6369-68E5-436A-BD8E-EE33E9364BA6}"/>
-                </a:ext>
-              </a:extLst>
-            </p:cNvPr>
-            <p:cNvSpPr/>
-            <p:nvPr/>
-          </p:nvSpPr>
-          <p:spPr>
-            <a:xfrm>
-              <a:off x="30495240" y="9687505"/>
-              <a:ext cx="3002279" cy="1237746"/>
-            </a:xfrm>
-            <a:prstGeom prst="rect">
-              <a:avLst/>
-            </a:prstGeom>
-            <a:solidFill>
-              <a:srgbClr val="FF0000"/>
-            </a:solidFill>
-            <a:ln>
-              <a:solidFill>
-                <a:srgbClr val="FF0000"/>
-              </a:solidFill>
-            </a:ln>
-          </p:spPr>
-          <p:style>
-            <a:lnRef idx="2">
-              <a:schemeClr val="accent4">
-                <a:shade val="50000"/>
-              </a:schemeClr>
-            </a:lnRef>
-            <a:fillRef idx="1">
-              <a:schemeClr val="accent4"/>
-            </a:fillRef>
-            <a:effectRef idx="0">
-              <a:schemeClr val="accent4"/>
-            </a:effectRef>
-            <a:fontRef idx="minor">
-              <a:schemeClr val="lt1"/>
-            </a:fontRef>
-          </p:style>
-          <p:txBody>
-            <a:bodyPr rtlCol="0" anchor="ctr"/>
-            <a:lstStyle/>
-            <a:p>
-              <a:pPr algn="ctr"/>
-              <a:r>
-                <a:rPr lang="en-GB" sz="2500" dirty="0">
-                  <a:ln w="0"/>
-                  <a:solidFill>
-                    <a:schemeClr val="tx1"/>
-                  </a:solidFill>
-                  <a:effectLst>
-                    <a:outerShdw blurRad="38100" dist="19050" dir="2700000" algn="tl" rotWithShape="0">
-                      <a:schemeClr val="dk1">
-                        <a:alpha val="40000"/>
-                      </a:schemeClr>
-                    </a:outerShdw>
-                  </a:effectLst>
-                </a:rPr>
-                <a:t>Server Application</a:t>
-              </a:r>
-            </a:p>
-          </p:txBody>
-        </p:sp>
-        <p:sp>
-          <p:nvSpPr>
-            <p:cNvPr id="158" name="Rectangle 157">
-              <a:extLst>
-                <a:ext uri="{FF2B5EF4-FFF2-40B4-BE49-F238E27FC236}">
-                  <a16:creationId xmlns:a16="http://schemas.microsoft.com/office/drawing/2014/main" id="{9D6A3E5E-3C63-47D3-AC0E-DABFB0AA3311}"/>
-                </a:ext>
-              </a:extLst>
-            </p:cNvPr>
-            <p:cNvSpPr/>
-            <p:nvPr/>
-          </p:nvSpPr>
-          <p:spPr>
-            <a:xfrm>
-              <a:off x="30495240" y="13549087"/>
-              <a:ext cx="3002279" cy="1094180"/>
-            </a:xfrm>
-            <a:prstGeom prst="rect">
-              <a:avLst/>
-            </a:prstGeom>
-            <a:solidFill>
-              <a:srgbClr val="00B0F0"/>
-            </a:solidFill>
-            <a:ln>
-              <a:solidFill>
-                <a:srgbClr val="00B0F0"/>
-              </a:solidFill>
-            </a:ln>
-          </p:spPr>
-          <p:style>
-            <a:lnRef idx="2">
-              <a:schemeClr val="accent4">
-                <a:shade val="50000"/>
-              </a:schemeClr>
-            </a:lnRef>
-            <a:fillRef idx="1">
-              <a:schemeClr val="accent4"/>
-            </a:fillRef>
-            <a:effectRef idx="0">
-              <a:schemeClr val="accent4"/>
-            </a:effectRef>
-            <a:fontRef idx="minor">
-              <a:schemeClr val="lt1"/>
-            </a:fontRef>
-          </p:style>
-          <p:txBody>
-            <a:bodyPr rtlCol="0" anchor="ctr"/>
-            <a:lstStyle/>
-            <a:p>
-              <a:pPr algn="ctr"/>
-              <a:r>
-                <a:rPr lang="en-GB" sz="2500" dirty="0" err="1">
-                  <a:ln w="0"/>
-                  <a:solidFill>
-                    <a:schemeClr val="tx1"/>
-                  </a:solidFill>
-                  <a:effectLst>
-                    <a:outerShdw blurRad="38100" dist="19050" dir="2700000" algn="tl" rotWithShape="0">
-                      <a:schemeClr val="dk1">
-                        <a:alpha val="40000"/>
-                      </a:schemeClr>
-                    </a:outerShdw>
-                  </a:effectLst>
-                </a:rPr>
-                <a:t>Wifi</a:t>
-              </a:r>
-              <a:endParaRPr lang="en-GB" sz="2500" dirty="0">
-                <a:ln w="0"/>
-                <a:solidFill>
-                  <a:schemeClr val="tx1"/>
-                </a:solidFill>
-                <a:effectLst>
-                  <a:outerShdw blurRad="38100" dist="19050" dir="2700000" algn="tl" rotWithShape="0">
-                    <a:schemeClr val="dk1">
-                      <a:alpha val="40000"/>
-                    </a:schemeClr>
-                  </a:outerShdw>
-                </a:effectLst>
-              </a:endParaRPr>
-            </a:p>
-            <a:p>
-              <a:pPr algn="ctr"/>
-              <a:r>
-                <a:rPr lang="en-GB" sz="2500" dirty="0">
-                  <a:ln w="0"/>
-                  <a:solidFill>
-                    <a:schemeClr val="tx1"/>
-                  </a:solidFill>
-                  <a:effectLst>
-                    <a:outerShdw blurRad="38100" dist="19050" dir="2700000" algn="tl" rotWithShape="0">
-                      <a:schemeClr val="dk1">
-                        <a:alpha val="40000"/>
-                      </a:schemeClr>
-                    </a:outerShdw>
-                  </a:effectLst>
-                </a:rPr>
-                <a:t>Module</a:t>
-              </a:r>
-            </a:p>
-          </p:txBody>
-        </p:sp>
-      </p:grpSp>
-      <p:grpSp>
-        <p:nvGrpSpPr>
           <p:cNvPr id="173" name="Group 172">
             <a:extLst>
               <a:ext uri="{FF2B5EF4-FFF2-40B4-BE49-F238E27FC236}">
@@ -5338,10 +4979,10 @@
         </p:nvGrpSpPr>
         <p:grpSpPr>
           <a:xfrm>
-            <a:off x="17277662" y="10438253"/>
-            <a:ext cx="5699843" cy="4498811"/>
-            <a:chOff x="24413146" y="10501534"/>
-            <a:chExt cx="5699843" cy="4498811"/>
+            <a:off x="17581431" y="8930640"/>
+            <a:ext cx="4928048" cy="6006425"/>
+            <a:chOff x="24593919" y="8993921"/>
+            <a:chExt cx="2932623" cy="6006425"/>
           </a:xfrm>
         </p:grpSpPr>
         <p:grpSp>
@@ -5358,10 +4999,10 @@
           </p:nvGrpSpPr>
           <p:grpSpPr>
             <a:xfrm>
-              <a:off x="24413146" y="10501534"/>
-              <a:ext cx="5699843" cy="4498811"/>
-              <a:chOff x="25647838" y="16230084"/>
-              <a:chExt cx="5699843" cy="4498811"/>
+              <a:off x="24593919" y="8993921"/>
+              <a:ext cx="2932623" cy="6006425"/>
+              <a:chOff x="25828611" y="14722471"/>
+              <a:chExt cx="2932623" cy="6006425"/>
             </a:xfrm>
           </p:grpSpPr>
           <p:sp>
@@ -5378,8 +5019,8 @@
             </p:nvSpPr>
             <p:spPr>
               <a:xfrm>
-                <a:off x="25647838" y="16230084"/>
-                <a:ext cx="5699843" cy="4498811"/>
+                <a:off x="25828611" y="14722471"/>
+                <a:ext cx="2932623" cy="6006425"/>
               </a:xfrm>
               <a:prstGeom prst="rect">
                 <a:avLst/>
@@ -5431,8 +5072,8 @@
             </p:nvSpPr>
             <p:spPr>
               <a:xfrm>
-                <a:off x="26110422" y="17266920"/>
-                <a:ext cx="4841175" cy="1172175"/>
+                <a:off x="26158498" y="15529245"/>
+                <a:ext cx="2272849" cy="1172175"/>
               </a:xfrm>
               <a:prstGeom prst="rect">
                 <a:avLst/>
@@ -5501,8 +5142,8 @@
           </p:nvSpPr>
           <p:spPr>
             <a:xfrm>
-              <a:off x="24886526" y="13429457"/>
-              <a:ext cx="2264939" cy="1182944"/>
+              <a:off x="24962727" y="13429457"/>
+              <a:ext cx="2272850" cy="1182944"/>
             </a:xfrm>
             <a:prstGeom prst="rect">
               <a:avLst/>
@@ -5641,8 +5282,8 @@
         </p:nvCxnSpPr>
         <p:spPr>
           <a:xfrm flipV="1">
-            <a:off x="11855644" y="15608505"/>
-            <a:ext cx="1795448" cy="7634"/>
+            <a:off x="11855644" y="15590520"/>
+            <a:ext cx="1795448" cy="25619"/>
           </a:xfrm>
           <a:prstGeom prst="straightConnector1">
             <a:avLst/>
@@ -5681,108 +5322,13 @@
           </p:cNvPr>
           <p:cNvCxnSpPr>
             <a:cxnSpLocks/>
-            <a:stCxn id="160" idx="0"/>
           </p:cNvCxnSpPr>
           <p:nvPr/>
         </p:nvCxnSpPr>
         <p:spPr>
           <a:xfrm flipV="1">
-            <a:off x="18883512" y="12647262"/>
-            <a:ext cx="0" cy="718914"/>
-          </a:xfrm>
-          <a:prstGeom prst="straightConnector1">
-            <a:avLst/>
-          </a:prstGeom>
-          <a:ln w="76200">
-            <a:solidFill>
-              <a:schemeClr val="tx1"/>
-            </a:solidFill>
-            <a:headEnd type="triangle"/>
-            <a:tailEnd type="triangle"/>
-          </a:ln>
-        </p:spPr>
-        <p:style>
-          <a:lnRef idx="1">
-            <a:schemeClr val="accent1"/>
-          </a:lnRef>
-          <a:fillRef idx="0">
-            <a:schemeClr val="accent1"/>
-          </a:fillRef>
-          <a:effectRef idx="0">
-            <a:schemeClr val="accent1"/>
-          </a:effectRef>
-          <a:fontRef idx="minor">
-            <a:schemeClr val="tx1"/>
-          </a:fontRef>
-        </p:style>
-      </p:cxnSp>
-      <p:cxnSp>
-        <p:nvCxnSpPr>
-          <p:cNvPr id="72" name="Straight Arrow Connector 71">
-            <a:extLst>
-              <a:ext uri="{FF2B5EF4-FFF2-40B4-BE49-F238E27FC236}">
-                <a16:creationId xmlns:a16="http://schemas.microsoft.com/office/drawing/2014/main" id="{6B680904-1536-45FB-9CA7-89097B9624AD}"/>
-              </a:ext>
-            </a:extLst>
-          </p:cNvPr>
-          <p:cNvCxnSpPr>
-            <a:cxnSpLocks/>
-            <a:stCxn id="158" idx="0"/>
-            <a:endCxn id="14" idx="2"/>
-          </p:cNvCxnSpPr>
-          <p:nvPr/>
-        </p:nvCxnSpPr>
-        <p:spPr>
-          <a:xfrm flipV="1">
-            <a:off x="25413545" y="12703475"/>
-            <a:ext cx="0" cy="724188"/>
-          </a:xfrm>
-          <a:prstGeom prst="straightConnector1">
-            <a:avLst/>
-          </a:prstGeom>
-          <a:ln w="76200">
-            <a:solidFill>
-              <a:schemeClr val="tx1"/>
-            </a:solidFill>
-            <a:headEnd type="triangle"/>
-            <a:tailEnd type="triangle"/>
-          </a:ln>
-        </p:spPr>
-        <p:style>
-          <a:lnRef idx="1">
-            <a:schemeClr val="accent1"/>
-          </a:lnRef>
-          <a:fillRef idx="0">
-            <a:schemeClr val="accent1"/>
-          </a:fillRef>
-          <a:effectRef idx="0">
-            <a:schemeClr val="accent1"/>
-          </a:effectRef>
-          <a:fontRef idx="minor">
-            <a:schemeClr val="tx1"/>
-          </a:fontRef>
-        </p:style>
-      </p:cxnSp>
-      <p:cxnSp>
-        <p:nvCxnSpPr>
-          <p:cNvPr id="74" name="Straight Arrow Connector 73">
-            <a:extLst>
-              <a:ext uri="{FF2B5EF4-FFF2-40B4-BE49-F238E27FC236}">
-                <a16:creationId xmlns:a16="http://schemas.microsoft.com/office/drawing/2014/main" id="{58D80368-FDD0-4C6D-BE03-5BA31623E4BD}"/>
-              </a:ext>
-            </a:extLst>
-          </p:cNvPr>
-          <p:cNvCxnSpPr>
-            <a:cxnSpLocks/>
-            <a:stCxn id="14" idx="0"/>
-            <a:endCxn id="143" idx="2"/>
-          </p:cNvCxnSpPr>
-          <p:nvPr/>
-        </p:nvCxnSpPr>
-        <p:spPr>
-          <a:xfrm flipV="1">
-            <a:off x="25413545" y="10803827"/>
-            <a:ext cx="0" cy="805468"/>
+            <a:off x="21168360" y="10949837"/>
+            <a:ext cx="0" cy="2416339"/>
           </a:xfrm>
           <a:prstGeom prst="straightConnector1">
             <a:avLst/>
@@ -5829,7 +5375,7 @@
         <p:spPr>
           <a:xfrm flipV="1">
             <a:off x="15543392" y="14549120"/>
-            <a:ext cx="3340120" cy="1059385"/>
+            <a:ext cx="4567468" cy="1041400"/>
           </a:xfrm>
           <a:prstGeom prst="bentConnector2">
             <a:avLst/>
@@ -5859,10 +5405,10 @@
       </p:cxnSp>
       <p:sp>
         <p:nvSpPr>
-          <p:cNvPr id="34" name="Rectangle 33">
+          <p:cNvPr id="49" name="Rectangle 48">
             <a:extLst>
               <a:ext uri="{FF2B5EF4-FFF2-40B4-BE49-F238E27FC236}">
-                <a16:creationId xmlns:a16="http://schemas.microsoft.com/office/drawing/2014/main" id="{C7A779D3-227E-4569-8DE3-50F36BEEBA27}"/>
+                <a16:creationId xmlns:a16="http://schemas.microsoft.com/office/drawing/2014/main" id="{06698D2A-CE1F-4D15-9AD9-6CCF46ADDE1F}"/>
               </a:ext>
             </a:extLst>
           </p:cNvPr>
@@ -5871,18 +5417,18 @@
         </p:nvSpPr>
         <p:spPr>
           <a:xfrm>
-            <a:off x="20316486" y="13368499"/>
-            <a:ext cx="2264940" cy="1182944"/>
+            <a:off x="5407607" y="11209208"/>
+            <a:ext cx="3949488" cy="1766420"/>
           </a:xfrm>
           <a:prstGeom prst="rect">
             <a:avLst/>
           </a:prstGeom>
           <a:solidFill>
-            <a:srgbClr val="00B0F0"/>
+            <a:srgbClr val="92D050"/>
           </a:solidFill>
           <a:ln>
             <a:solidFill>
-              <a:srgbClr val="00B0F0"/>
+              <a:srgbClr val="92D050"/>
             </a:solidFill>
           </a:ln>
         </p:spPr>
@@ -5903,40 +5449,8 @@
           </a:fontRef>
         </p:style>
         <p:txBody>
-          <a:bodyPr rtlCol="0" anchor="ctr"/>
-          <a:lstStyle/>
-          <a:p>
-            <a:pPr algn="ctr"/>
-            <a:r>
-              <a:rPr lang="en-GB" sz="2500" dirty="0" err="1">
-                <a:ln w="0"/>
-                <a:solidFill>
-                  <a:schemeClr val="tx1"/>
-                </a:solidFill>
-                <a:effectLst>
-                  <a:outerShdw blurRad="38100" dist="19050" dir="2700000" algn="tl" rotWithShape="0">
-                    <a:schemeClr val="dk1">
-                      <a:alpha val="40000"/>
-                    </a:schemeClr>
-                  </a:outerShdw>
-                </a:effectLst>
-              </a:rPr>
-              <a:t>Wifi</a:t>
-            </a:r>
-            <a:endParaRPr lang="en-GB" sz="2500" dirty="0">
-              <a:ln w="0"/>
-              <a:solidFill>
-                <a:schemeClr val="tx1"/>
-              </a:solidFill>
-              <a:effectLst>
-                <a:outerShdw blurRad="38100" dist="19050" dir="2700000" algn="tl" rotWithShape="0">
-                  <a:schemeClr val="dk1">
-                    <a:alpha val="40000"/>
-                  </a:schemeClr>
-                </a:outerShdw>
-              </a:effectLst>
-            </a:endParaRPr>
-          </a:p>
+          <a:bodyPr rtlCol="0" anchor="t"/>
+          <a:lstStyle/>
           <a:p>
             <a:pPr algn="ctr"/>
             <a:r>
@@ -5953,17 +5467,304 @@
                   </a:outerShdw>
                 </a:effectLst>
               </a:rPr>
-              <a:t>Module</a:t>
+              <a:t>User Input</a:t>
             </a:r>
           </a:p>
         </p:txBody>
       </p:sp>
       <p:cxnSp>
         <p:nvCxnSpPr>
-          <p:cNvPr id="120" name="Straight Arrow Connector 119">
+          <p:cNvPr id="51" name="Straight Arrow Connector 50">
             <a:extLst>
               <a:ext uri="{FF2B5EF4-FFF2-40B4-BE49-F238E27FC236}">
-                <a16:creationId xmlns:a16="http://schemas.microsoft.com/office/drawing/2014/main" id="{54E1EFC5-3B55-4E54-978F-22880A82EC91}"/>
+                <a16:creationId xmlns:a16="http://schemas.microsoft.com/office/drawing/2014/main" id="{CD7283C3-B9D2-470E-915F-501C2667EC71}"/>
+              </a:ext>
+            </a:extLst>
+          </p:cNvPr>
+          <p:cNvCxnSpPr>
+            <a:cxnSpLocks/>
+          </p:cNvCxnSpPr>
+          <p:nvPr/>
+        </p:nvCxnSpPr>
+        <p:spPr>
+          <a:xfrm>
+            <a:off x="6595438" y="12768745"/>
+            <a:ext cx="0" cy="2143857"/>
+          </a:xfrm>
+          <a:prstGeom prst="straightConnector1">
+            <a:avLst/>
+          </a:prstGeom>
+          <a:ln w="76200">
+            <a:solidFill>
+              <a:schemeClr val="tx1"/>
+            </a:solidFill>
+            <a:tailEnd type="triangle"/>
+          </a:ln>
+        </p:spPr>
+        <p:style>
+          <a:lnRef idx="1">
+            <a:schemeClr val="accent1"/>
+          </a:lnRef>
+          <a:fillRef idx="0">
+            <a:schemeClr val="accent1"/>
+          </a:fillRef>
+          <a:effectRef idx="0">
+            <a:schemeClr val="accent1"/>
+          </a:effectRef>
+          <a:fontRef idx="minor">
+            <a:schemeClr val="tx1"/>
+          </a:fontRef>
+        </p:style>
+      </p:cxnSp>
+      <p:sp>
+        <p:nvSpPr>
+          <p:cNvPr id="53" name="Rectangle 52">
+            <a:extLst>
+              <a:ext uri="{FF2B5EF4-FFF2-40B4-BE49-F238E27FC236}">
+                <a16:creationId xmlns:a16="http://schemas.microsoft.com/office/drawing/2014/main" id="{BD7897DD-AC3F-48F5-88BC-4995A0690D51}"/>
+              </a:ext>
+            </a:extLst>
+          </p:cNvPr>
+          <p:cNvSpPr/>
+          <p:nvPr/>
+        </p:nvSpPr>
+        <p:spPr>
+          <a:xfrm>
+            <a:off x="5616666" y="11877475"/>
+            <a:ext cx="1693127" cy="939747"/>
+          </a:xfrm>
+          <a:prstGeom prst="rect">
+            <a:avLst/>
+          </a:prstGeom>
+          <a:solidFill>
+            <a:srgbClr val="FFC000"/>
+          </a:solidFill>
+          <a:ln>
+            <a:solidFill>
+              <a:srgbClr val="FFC000"/>
+            </a:solidFill>
+          </a:ln>
+        </p:spPr>
+        <p:style>
+          <a:lnRef idx="2">
+            <a:schemeClr val="accent4">
+              <a:shade val="50000"/>
+            </a:schemeClr>
+          </a:lnRef>
+          <a:fillRef idx="1">
+            <a:schemeClr val="accent4"/>
+          </a:fillRef>
+          <a:effectRef idx="0">
+            <a:schemeClr val="accent4"/>
+          </a:effectRef>
+          <a:fontRef idx="minor">
+            <a:schemeClr val="lt1"/>
+          </a:fontRef>
+        </p:style>
+        <p:txBody>
+          <a:bodyPr rtlCol="0" anchor="ctr"/>
+          <a:lstStyle/>
+          <a:p>
+            <a:pPr algn="ctr"/>
+            <a:r>
+              <a:rPr lang="en-GB" sz="2500" dirty="0">
+                <a:ln w="0"/>
+                <a:solidFill>
+                  <a:schemeClr val="tx1"/>
+                </a:solidFill>
+                <a:effectLst>
+                  <a:outerShdw blurRad="38100" dist="19050" dir="2700000" algn="tl" rotWithShape="0">
+                    <a:schemeClr val="dk1">
+                      <a:alpha val="40000"/>
+                    </a:schemeClr>
+                  </a:outerShdw>
+                </a:effectLst>
+              </a:rPr>
+              <a:t>Button A</a:t>
+            </a:r>
+          </a:p>
+        </p:txBody>
+      </p:sp>
+      <p:sp>
+        <p:nvSpPr>
+          <p:cNvPr id="54" name="Rectangle 53">
+            <a:extLst>
+              <a:ext uri="{FF2B5EF4-FFF2-40B4-BE49-F238E27FC236}">
+                <a16:creationId xmlns:a16="http://schemas.microsoft.com/office/drawing/2014/main" id="{347AFF23-02C0-4F75-864F-4DB7A72BD185}"/>
+              </a:ext>
+            </a:extLst>
+          </p:cNvPr>
+          <p:cNvSpPr/>
+          <p:nvPr/>
+        </p:nvSpPr>
+        <p:spPr>
+          <a:xfrm>
+            <a:off x="7463030" y="11878963"/>
+            <a:ext cx="1676772" cy="939747"/>
+          </a:xfrm>
+          <a:prstGeom prst="rect">
+            <a:avLst/>
+          </a:prstGeom>
+          <a:solidFill>
+            <a:srgbClr val="FFC000"/>
+          </a:solidFill>
+          <a:ln>
+            <a:solidFill>
+              <a:srgbClr val="FFC000"/>
+            </a:solidFill>
+          </a:ln>
+        </p:spPr>
+        <p:style>
+          <a:lnRef idx="2">
+            <a:schemeClr val="accent4">
+              <a:shade val="50000"/>
+            </a:schemeClr>
+          </a:lnRef>
+          <a:fillRef idx="1">
+            <a:schemeClr val="accent4"/>
+          </a:fillRef>
+          <a:effectRef idx="0">
+            <a:schemeClr val="accent4"/>
+          </a:effectRef>
+          <a:fontRef idx="minor">
+            <a:schemeClr val="lt1"/>
+          </a:fontRef>
+        </p:style>
+        <p:txBody>
+          <a:bodyPr rtlCol="0" anchor="ctr"/>
+          <a:lstStyle/>
+          <a:p>
+            <a:pPr algn="ctr"/>
+            <a:r>
+              <a:rPr lang="en-GB" sz="2500" dirty="0">
+                <a:ln w="0"/>
+                <a:solidFill>
+                  <a:schemeClr val="tx1"/>
+                </a:solidFill>
+                <a:effectLst>
+                  <a:outerShdw blurRad="38100" dist="19050" dir="2700000" algn="tl" rotWithShape="0">
+                    <a:schemeClr val="dk1">
+                      <a:alpha val="40000"/>
+                    </a:schemeClr>
+                  </a:outerShdw>
+                </a:effectLst>
+              </a:rPr>
+              <a:t>Button B</a:t>
+            </a:r>
+          </a:p>
+        </p:txBody>
+      </p:sp>
+      <p:cxnSp>
+        <p:nvCxnSpPr>
+          <p:cNvPr id="55" name="Straight Arrow Connector 54">
+            <a:extLst>
+              <a:ext uri="{FF2B5EF4-FFF2-40B4-BE49-F238E27FC236}">
+                <a16:creationId xmlns:a16="http://schemas.microsoft.com/office/drawing/2014/main" id="{ABE8EDBF-5243-4B72-BE97-4ABF40A952B0}"/>
+              </a:ext>
+            </a:extLst>
+          </p:cNvPr>
+          <p:cNvCxnSpPr>
+            <a:cxnSpLocks/>
+          </p:cNvCxnSpPr>
+          <p:nvPr/>
+        </p:nvCxnSpPr>
+        <p:spPr>
+          <a:xfrm>
+            <a:off x="8271838" y="12793207"/>
+            <a:ext cx="0" cy="2143857"/>
+          </a:xfrm>
+          <a:prstGeom prst="straightConnector1">
+            <a:avLst/>
+          </a:prstGeom>
+          <a:ln w="76200">
+            <a:solidFill>
+              <a:schemeClr val="tx1"/>
+            </a:solidFill>
+            <a:tailEnd type="triangle"/>
+          </a:ln>
+        </p:spPr>
+        <p:style>
+          <a:lnRef idx="1">
+            <a:schemeClr val="accent1"/>
+          </a:lnRef>
+          <a:fillRef idx="0">
+            <a:schemeClr val="accent1"/>
+          </a:fillRef>
+          <a:effectRef idx="0">
+            <a:schemeClr val="accent1"/>
+          </a:effectRef>
+          <a:fontRef idx="minor">
+            <a:schemeClr val="tx1"/>
+          </a:fontRef>
+        </p:style>
+      </p:cxnSp>
+      <p:sp>
+        <p:nvSpPr>
+          <p:cNvPr id="56" name="Rectangle 55">
+            <a:extLst>
+              <a:ext uri="{FF2B5EF4-FFF2-40B4-BE49-F238E27FC236}">
+                <a16:creationId xmlns:a16="http://schemas.microsoft.com/office/drawing/2014/main" id="{085AF28A-8298-45A2-BE1E-D2AB214C87B6}"/>
+              </a:ext>
+            </a:extLst>
+          </p:cNvPr>
+          <p:cNvSpPr/>
+          <p:nvPr/>
+        </p:nvSpPr>
+        <p:spPr>
+          <a:xfrm>
+            <a:off x="18201185" y="11626414"/>
+            <a:ext cx="2015233" cy="1378856"/>
+          </a:xfrm>
+          <a:prstGeom prst="rect">
+            <a:avLst/>
+          </a:prstGeom>
+        </p:spPr>
+        <p:style>
+          <a:lnRef idx="2">
+            <a:schemeClr val="accent4">
+              <a:shade val="50000"/>
+            </a:schemeClr>
+          </a:lnRef>
+          <a:fillRef idx="1">
+            <a:schemeClr val="accent4"/>
+          </a:fillRef>
+          <a:effectRef idx="0">
+            <a:schemeClr val="accent4"/>
+          </a:effectRef>
+          <a:fontRef idx="minor">
+            <a:schemeClr val="lt1"/>
+          </a:fontRef>
+        </p:style>
+        <p:txBody>
+          <a:bodyPr rtlCol="0" anchor="ctr"/>
+          <a:lstStyle/>
+          <a:p>
+            <a:pPr algn="ctr"/>
+            <a:r>
+              <a:rPr lang="en-GB" sz="2500" dirty="0">
+                <a:ln w="0"/>
+                <a:solidFill>
+                  <a:schemeClr val="tx1"/>
+                </a:solidFill>
+                <a:effectLst>
+                  <a:outerShdw blurRad="38100" dist="19050" dir="2700000" algn="tl" rotWithShape="0">
+                    <a:schemeClr val="dk1">
+                      <a:alpha val="40000"/>
+                    </a:schemeClr>
+                  </a:outerShdw>
+                </a:effectLst>
+              </a:rPr>
+              <a:t>Long Term Data Storage</a:t>
+            </a:r>
+          </a:p>
+        </p:txBody>
+      </p:sp>
+      <p:cxnSp>
+        <p:nvCxnSpPr>
+          <p:cNvPr id="60" name="Straight Arrow Connector 59">
+            <a:extLst>
+              <a:ext uri="{FF2B5EF4-FFF2-40B4-BE49-F238E27FC236}">
+                <a16:creationId xmlns:a16="http://schemas.microsoft.com/office/drawing/2014/main" id="{536BB435-D656-4557-9A9F-3FE2FDDB3B38}"/>
               </a:ext>
             </a:extLst>
           </p:cNvPr>
@@ -5974,8 +5775,8 @@
         </p:nvCxnSpPr>
         <p:spPr>
           <a:xfrm flipV="1">
-            <a:off x="21386149" y="12618368"/>
-            <a:ext cx="0" cy="718914"/>
+            <a:off x="19197963" y="10949837"/>
+            <a:ext cx="0" cy="676577"/>
           </a:xfrm>
           <a:prstGeom prst="straightConnector1">
             <a:avLst/>
@@ -6003,187 +5804,6 @@
           </a:fontRef>
         </p:style>
       </p:cxnSp>
-      <p:cxnSp>
-        <p:nvCxnSpPr>
-          <p:cNvPr id="122" name="Connector: Elbow 121">
-            <a:extLst>
-              <a:ext uri="{FF2B5EF4-FFF2-40B4-BE49-F238E27FC236}">
-                <a16:creationId xmlns:a16="http://schemas.microsoft.com/office/drawing/2014/main" id="{CD00579E-BFCF-4D27-816A-36F0E789F45A}"/>
-              </a:ext>
-            </a:extLst>
-          </p:cNvPr>
-          <p:cNvCxnSpPr>
-            <a:cxnSpLocks/>
-            <a:stCxn id="34" idx="2"/>
-            <a:endCxn id="158" idx="2"/>
-          </p:cNvCxnSpPr>
-          <p:nvPr/>
-        </p:nvCxnSpPr>
-        <p:spPr>
-          <a:xfrm rot="5400000" flipH="1" flipV="1">
-            <a:off x="23416450" y="12554348"/>
-            <a:ext cx="29600" cy="3964589"/>
-          </a:xfrm>
-          <a:prstGeom prst="bentConnector3">
-            <a:avLst>
-              <a:gd name="adj1" fmla="val -3861493"/>
-            </a:avLst>
-          </a:prstGeom>
-          <a:ln w="76200">
-            <a:solidFill>
-              <a:schemeClr val="tx1"/>
-            </a:solidFill>
-            <a:headEnd type="triangle"/>
-            <a:tailEnd type="triangle"/>
-          </a:ln>
-        </p:spPr>
-        <p:style>
-          <a:lnRef idx="1">
-            <a:schemeClr val="accent1"/>
-          </a:lnRef>
-          <a:fillRef idx="0">
-            <a:schemeClr val="accent1"/>
-          </a:fillRef>
-          <a:effectRef idx="0">
-            <a:schemeClr val="accent1"/>
-          </a:effectRef>
-          <a:fontRef idx="minor">
-            <a:schemeClr val="tx1"/>
-          </a:fontRef>
-        </p:style>
-      </p:cxnSp>
-      <p:sp>
-        <p:nvSpPr>
-          <p:cNvPr id="75" name="Rectangle 74">
-            <a:extLst>
-              <a:ext uri="{FF2B5EF4-FFF2-40B4-BE49-F238E27FC236}">
-                <a16:creationId xmlns:a16="http://schemas.microsoft.com/office/drawing/2014/main" id="{9EA3CFF4-6A0B-4E05-9B1C-086EC0BC4507}"/>
-              </a:ext>
-            </a:extLst>
-          </p:cNvPr>
-          <p:cNvSpPr/>
-          <p:nvPr/>
-        </p:nvSpPr>
-        <p:spPr>
-          <a:xfrm>
-            <a:off x="25967171" y="13461463"/>
-            <a:ext cx="927531" cy="1014955"/>
-          </a:xfrm>
-          <a:prstGeom prst="rect">
-            <a:avLst/>
-          </a:prstGeom>
-          <a:solidFill>
-            <a:srgbClr val="00B0F0"/>
-          </a:solidFill>
-          <a:ln>
-            <a:solidFill>
-              <a:srgbClr val="00B0F0"/>
-            </a:solidFill>
-          </a:ln>
-        </p:spPr>
-        <p:style>
-          <a:lnRef idx="2">
-            <a:schemeClr val="accent4">
-              <a:shade val="50000"/>
-            </a:schemeClr>
-          </a:lnRef>
-          <a:fillRef idx="1">
-            <a:schemeClr val="accent4"/>
-          </a:fillRef>
-          <a:effectRef idx="0">
-            <a:schemeClr val="accent4"/>
-          </a:effectRef>
-          <a:fontRef idx="minor">
-            <a:schemeClr val="lt1"/>
-          </a:fontRef>
-        </p:style>
-        <p:txBody>
-          <a:bodyPr rtlCol="0" anchor="ctr"/>
-          <a:lstStyle/>
-          <a:p>
-            <a:pPr algn="ctr"/>
-            <a:endParaRPr lang="en-GB" sz="2500" dirty="0">
-              <a:ln w="0"/>
-              <a:solidFill>
-                <a:schemeClr val="tx1"/>
-              </a:solidFill>
-              <a:effectLst>
-                <a:outerShdw blurRad="38100" dist="19050" dir="2700000" algn="tl" rotWithShape="0">
-                  <a:schemeClr val="dk1">
-                    <a:alpha val="40000"/>
-                  </a:schemeClr>
-                </a:outerShdw>
-              </a:effectLst>
-            </a:endParaRPr>
-          </a:p>
-        </p:txBody>
-      </p:sp>
-      <p:sp>
-        <p:nvSpPr>
-          <p:cNvPr id="80" name="Rectangle 79">
-            <a:extLst>
-              <a:ext uri="{FF2B5EF4-FFF2-40B4-BE49-F238E27FC236}">
-                <a16:creationId xmlns:a16="http://schemas.microsoft.com/office/drawing/2014/main" id="{698B8AE3-CDFD-4792-A888-99A8FFE0CED4}"/>
-              </a:ext>
-            </a:extLst>
-          </p:cNvPr>
-          <p:cNvSpPr/>
-          <p:nvPr/>
-        </p:nvSpPr>
-        <p:spPr>
-          <a:xfrm>
-            <a:off x="23946713" y="13461463"/>
-            <a:ext cx="927531" cy="1014955"/>
-          </a:xfrm>
-          <a:prstGeom prst="rect">
-            <a:avLst/>
-          </a:prstGeom>
-          <a:solidFill>
-            <a:srgbClr val="00B0F0"/>
-          </a:solidFill>
-          <a:ln>
-            <a:solidFill>
-              <a:srgbClr val="00B0F0"/>
-            </a:solidFill>
-          </a:ln>
-        </p:spPr>
-        <p:style>
-          <a:lnRef idx="2">
-            <a:schemeClr val="accent4">
-              <a:shade val="50000"/>
-            </a:schemeClr>
-          </a:lnRef>
-          <a:fillRef idx="1">
-            <a:schemeClr val="accent4"/>
-          </a:fillRef>
-          <a:effectRef idx="0">
-            <a:schemeClr val="accent4"/>
-          </a:effectRef>
-          <a:fontRef idx="minor">
-            <a:schemeClr val="lt1"/>
-          </a:fontRef>
-        </p:style>
-        <p:txBody>
-          <a:bodyPr rtlCol="0" anchor="ctr"/>
-          <a:lstStyle/>
-          <a:p>
-            <a:pPr algn="ctr"/>
-            <a:endParaRPr lang="en-GB" sz="2500" dirty="0">
-              <a:ln w="0"/>
-              <a:solidFill>
-                <a:schemeClr val="tx1"/>
-              </a:solidFill>
-              <a:effectLst>
-                <a:outerShdw blurRad="38100" dist="19050" dir="2700000" algn="tl" rotWithShape="0">
-                  <a:schemeClr val="dk1">
-                    <a:alpha val="40000"/>
-                  </a:schemeClr>
-                </a:outerShdw>
-              </a:effectLst>
-            </a:endParaRPr>
-          </a:p>
-        </p:txBody>
-      </p:sp>
     </p:spTree>
     <p:extLst>
       <p:ext uri="{BB962C8B-B14F-4D97-AF65-F5344CB8AC3E}">
